--- a/posts/2023/2023-08-31-data-decisions/flow.pptx
+++ b/posts/2023/2023-08-31-data-decisions/flow.pptx
@@ -6,8 +6,9 @@
   </p:sldMasterIdLst>
   <p:sldIdLst>
     <p:sldId id="256" r:id="rId3"/>
+    <p:sldId id="257" r:id="rId4"/>
   </p:sldIdLst>
-  <p:sldSz cx="10080625" cy="5670550"/>
+  <p:sldSz cx="14400213" cy="4319588"/>
   <p:notesSz cx="7559675" cy="10691813"/>
 </p:presentation>
 </file>
@@ -36,7 +37,7 @@
             <a:spLocks noGrp="1"/>
           </p:cNvSpPr>
           <p:nvPr>
-            <p:ph type="ftr" idx="2"/>
+            <p:ph type="ftr" idx="1"/>
           </p:nvPr>
         </p:nvSpPr>
         <p:spPr/>
@@ -56,14 +57,14 @@
             <a:spLocks noGrp="1"/>
           </p:cNvSpPr>
           <p:nvPr>
-            <p:ph type="sldNum" idx="3"/>
+            <p:ph type="sldNum" idx="2"/>
           </p:nvPr>
         </p:nvSpPr>
         <p:spPr/>
         <p:txBody>
           <a:bodyPr/>
           <a:p>
-            <a:fld id="{51A92E0C-0DC2-4F5F-B29C-1E1BD68B7831}" type="slidenum">
+            <a:fld id="{5577E346-1126-46B1-9F41-050A2C341C54}" type="slidenum">
               <a:t>&lt;#&gt;</a:t>
             </a:fld>
           </a:p>
@@ -76,7 +77,7 @@
             <a:spLocks noGrp="1"/>
           </p:cNvSpPr>
           <p:nvPr>
-            <p:ph type="dt" idx="1"/>
+            <p:ph type="dt" idx="3"/>
           </p:nvPr>
         </p:nvSpPr>
         <p:spPr/>
@@ -124,8 +125,8 @@
         </p:nvSpPr>
         <p:spPr>
           <a:xfrm>
-            <a:off x="504000" y="226080"/>
-            <a:ext cx="9071640" cy="946440"/>
+            <a:off x="629640" y="225720"/>
+            <a:ext cx="11338200" cy="946080"/>
           </a:xfrm>
           <a:prstGeom prst="rect">
             <a:avLst/>
@@ -164,8 +165,8 @@
         </p:nvSpPr>
         <p:spPr>
           <a:xfrm>
-            <a:off x="504000" y="1326600"/>
-            <a:ext cx="9071640" cy="1568160"/>
+            <a:off x="630000" y="1326600"/>
+            <a:ext cx="11339640" cy="1568160"/>
           </a:xfrm>
           <a:prstGeom prst="rect">
             <a:avLst/>
@@ -207,8 +208,8 @@
         </p:nvSpPr>
         <p:spPr>
           <a:xfrm>
-            <a:off x="504000" y="3044160"/>
-            <a:ext cx="9071640" cy="1568160"/>
+            <a:off x="630000" y="3044160"/>
+            <a:ext cx="11339640" cy="1568160"/>
           </a:xfrm>
           <a:prstGeom prst="rect">
             <a:avLst/>
@@ -245,7 +246,7 @@
             <a:spLocks noGrp="1"/>
           </p:cNvSpPr>
           <p:nvPr>
-            <p:ph type="ftr" idx="2"/>
+            <p:ph type="ftr" idx="1"/>
           </p:nvPr>
         </p:nvSpPr>
         <p:spPr/>
@@ -265,14 +266,14 @@
             <a:spLocks noGrp="1"/>
           </p:cNvSpPr>
           <p:nvPr>
-            <p:ph type="sldNum" idx="3"/>
+            <p:ph type="sldNum" idx="2"/>
           </p:nvPr>
         </p:nvSpPr>
         <p:spPr/>
         <p:txBody>
           <a:bodyPr/>
           <a:p>
-            <a:fld id="{B762B2DA-6A17-4369-9131-52147251E5A6}" type="slidenum">
+            <a:fld id="{07768ADD-1FDA-4CBF-88E6-B851B0119EA7}" type="slidenum">
               <a:t>&lt;#&gt;</a:t>
             </a:fld>
           </a:p>
@@ -285,7 +286,7 @@
             <a:spLocks noGrp="1"/>
           </p:cNvSpPr>
           <p:nvPr>
-            <p:ph type="dt" idx="1"/>
+            <p:ph type="dt" idx="3"/>
           </p:nvPr>
         </p:nvSpPr>
         <p:spPr/>
@@ -333,8 +334,8 @@
         </p:nvSpPr>
         <p:spPr>
           <a:xfrm>
-            <a:off x="504000" y="226080"/>
-            <a:ext cx="9071640" cy="946440"/>
+            <a:off x="629640" y="225720"/>
+            <a:ext cx="11338200" cy="946080"/>
           </a:xfrm>
           <a:prstGeom prst="rect">
             <a:avLst/>
@@ -373,8 +374,8 @@
         </p:nvSpPr>
         <p:spPr>
           <a:xfrm>
-            <a:off x="504000" y="1326600"/>
-            <a:ext cx="4426920" cy="1568160"/>
+            <a:off x="630000" y="1326600"/>
+            <a:ext cx="5533560" cy="1568160"/>
           </a:xfrm>
           <a:prstGeom prst="rect">
             <a:avLst/>
@@ -416,8 +417,8 @@
         </p:nvSpPr>
         <p:spPr>
           <a:xfrm>
-            <a:off x="5152680" y="1326600"/>
-            <a:ext cx="4426920" cy="1568160"/>
+            <a:off x="6440760" y="1326600"/>
+            <a:ext cx="5533560" cy="1568160"/>
           </a:xfrm>
           <a:prstGeom prst="rect">
             <a:avLst/>
@@ -459,8 +460,8 @@
         </p:nvSpPr>
         <p:spPr>
           <a:xfrm>
-            <a:off x="504000" y="3044160"/>
-            <a:ext cx="4426920" cy="1568160"/>
+            <a:off x="630000" y="3044160"/>
+            <a:ext cx="5533560" cy="1568160"/>
           </a:xfrm>
           <a:prstGeom prst="rect">
             <a:avLst/>
@@ -502,8 +503,8 @@
         </p:nvSpPr>
         <p:spPr>
           <a:xfrm>
-            <a:off x="5152680" y="3044160"/>
-            <a:ext cx="4426920" cy="1568160"/>
+            <a:off x="6440760" y="3044160"/>
+            <a:ext cx="5533560" cy="1568160"/>
           </a:xfrm>
           <a:prstGeom prst="rect">
             <a:avLst/>
@@ -540,7 +541,7 @@
             <a:spLocks noGrp="1"/>
           </p:cNvSpPr>
           <p:nvPr>
-            <p:ph type="ftr" idx="2"/>
+            <p:ph type="ftr" idx="1"/>
           </p:nvPr>
         </p:nvSpPr>
         <p:spPr/>
@@ -560,14 +561,14 @@
             <a:spLocks noGrp="1"/>
           </p:cNvSpPr>
           <p:nvPr>
-            <p:ph type="sldNum" idx="3"/>
+            <p:ph type="sldNum" idx="2"/>
           </p:nvPr>
         </p:nvSpPr>
         <p:spPr/>
         <p:txBody>
           <a:bodyPr/>
           <a:p>
-            <a:fld id="{366D73C8-D757-4FA3-A6BC-222426AE7665}" type="slidenum">
+            <a:fld id="{E446D761-CE81-457C-A65C-845CE18677BB}" type="slidenum">
               <a:t>&lt;#&gt;</a:t>
             </a:fld>
           </a:p>
@@ -580,7 +581,7 @@
             <a:spLocks noGrp="1"/>
           </p:cNvSpPr>
           <p:nvPr>
-            <p:ph type="dt" idx="1"/>
+            <p:ph type="dt" idx="3"/>
           </p:nvPr>
         </p:nvSpPr>
         <p:spPr/>
@@ -628,8 +629,8 @@
         </p:nvSpPr>
         <p:spPr>
           <a:xfrm>
-            <a:off x="504000" y="226080"/>
-            <a:ext cx="9071640" cy="946440"/>
+            <a:off x="629640" y="225720"/>
+            <a:ext cx="11338200" cy="946080"/>
           </a:xfrm>
           <a:prstGeom prst="rect">
             <a:avLst/>
@@ -668,8 +669,8 @@
         </p:nvSpPr>
         <p:spPr>
           <a:xfrm>
-            <a:off x="504000" y="1326600"/>
-            <a:ext cx="2920680" cy="1568160"/>
+            <a:off x="630000" y="1326600"/>
+            <a:ext cx="3651120" cy="1568160"/>
           </a:xfrm>
           <a:prstGeom prst="rect">
             <a:avLst/>
@@ -711,8 +712,8 @@
         </p:nvSpPr>
         <p:spPr>
           <a:xfrm>
-            <a:off x="3571200" y="1326600"/>
-            <a:ext cx="2920680" cy="1568160"/>
+            <a:off x="4464000" y="1326600"/>
+            <a:ext cx="3651120" cy="1568160"/>
           </a:xfrm>
           <a:prstGeom prst="rect">
             <a:avLst/>
@@ -754,8 +755,8 @@
         </p:nvSpPr>
         <p:spPr>
           <a:xfrm>
-            <a:off x="6638040" y="1326600"/>
-            <a:ext cx="2920680" cy="1568160"/>
+            <a:off x="8298000" y="1326600"/>
+            <a:ext cx="3651120" cy="1568160"/>
           </a:xfrm>
           <a:prstGeom prst="rect">
             <a:avLst/>
@@ -797,8 +798,8 @@
         </p:nvSpPr>
         <p:spPr>
           <a:xfrm>
-            <a:off x="504000" y="3044160"/>
-            <a:ext cx="2920680" cy="1568160"/>
+            <a:off x="630000" y="3044160"/>
+            <a:ext cx="3651120" cy="1568160"/>
           </a:xfrm>
           <a:prstGeom prst="rect">
             <a:avLst/>
@@ -840,8 +841,8 @@
         </p:nvSpPr>
         <p:spPr>
           <a:xfrm>
-            <a:off x="3571200" y="3044160"/>
-            <a:ext cx="2920680" cy="1568160"/>
+            <a:off x="4464000" y="3044160"/>
+            <a:ext cx="3651120" cy="1568160"/>
           </a:xfrm>
           <a:prstGeom prst="rect">
             <a:avLst/>
@@ -883,8 +884,8 @@
         </p:nvSpPr>
         <p:spPr>
           <a:xfrm>
-            <a:off x="6638040" y="3044160"/>
-            <a:ext cx="2920680" cy="1568160"/>
+            <a:off x="8298000" y="3044160"/>
+            <a:ext cx="3651120" cy="1568160"/>
           </a:xfrm>
           <a:prstGeom prst="rect">
             <a:avLst/>
@@ -921,7 +922,7 @@
             <a:spLocks noGrp="1"/>
           </p:cNvSpPr>
           <p:nvPr>
-            <p:ph type="ftr" idx="2"/>
+            <p:ph type="ftr" idx="1"/>
           </p:nvPr>
         </p:nvSpPr>
         <p:spPr/>
@@ -941,14 +942,14 @@
             <a:spLocks noGrp="1"/>
           </p:cNvSpPr>
           <p:nvPr>
-            <p:ph type="sldNum" idx="3"/>
+            <p:ph type="sldNum" idx="2"/>
           </p:nvPr>
         </p:nvSpPr>
         <p:spPr/>
         <p:txBody>
           <a:bodyPr/>
           <a:p>
-            <a:fld id="{2F1B3863-6185-453A-A172-E333ABD6151A}" type="slidenum">
+            <a:fld id="{4CBC8F01-B803-4F12-A388-3F13DC9F9192}" type="slidenum">
               <a:t>&lt;#&gt;</a:t>
             </a:fld>
           </a:p>
@@ -961,7 +962,7 @@
             <a:spLocks noGrp="1"/>
           </p:cNvSpPr>
           <p:nvPr>
-            <p:ph type="dt" idx="1"/>
+            <p:ph type="dt" idx="3"/>
           </p:nvPr>
         </p:nvSpPr>
         <p:spPr/>
@@ -1009,8 +1010,8 @@
         </p:nvSpPr>
         <p:spPr>
           <a:xfrm>
-            <a:off x="504000" y="226080"/>
-            <a:ext cx="9071640" cy="946440"/>
+            <a:off x="629640" y="225720"/>
+            <a:ext cx="11338200" cy="946080"/>
           </a:xfrm>
           <a:prstGeom prst="rect">
             <a:avLst/>
@@ -1049,8 +1050,8 @@
         </p:nvSpPr>
         <p:spPr>
           <a:xfrm>
-            <a:off x="504000" y="1326600"/>
-            <a:ext cx="9071640" cy="3288240"/>
+            <a:off x="630000" y="1326600"/>
+            <a:ext cx="11339640" cy="3288240"/>
           </a:xfrm>
           <a:prstGeom prst="rect">
             <a:avLst/>
@@ -1084,7 +1085,7 @@
             <a:spLocks noGrp="1"/>
           </p:cNvSpPr>
           <p:nvPr>
-            <p:ph type="ftr" idx="2"/>
+            <p:ph type="ftr" idx="1"/>
           </p:nvPr>
         </p:nvSpPr>
         <p:spPr/>
@@ -1104,14 +1105,14 @@
             <a:spLocks noGrp="1"/>
           </p:cNvSpPr>
           <p:nvPr>
-            <p:ph type="sldNum" idx="3"/>
+            <p:ph type="sldNum" idx="2"/>
           </p:nvPr>
         </p:nvSpPr>
         <p:spPr/>
         <p:txBody>
           <a:bodyPr/>
           <a:p>
-            <a:fld id="{C893B297-1E1D-4075-B84F-DFFE18EE954A}" type="slidenum">
+            <a:fld id="{AD22002B-4735-462B-B814-CEE648F99B32}" type="slidenum">
               <a:t>&lt;#&gt;</a:t>
             </a:fld>
           </a:p>
@@ -1124,7 +1125,7 @@
             <a:spLocks noGrp="1"/>
           </p:cNvSpPr>
           <p:nvPr>
-            <p:ph type="dt" idx="1"/>
+            <p:ph type="dt" idx="3"/>
           </p:nvPr>
         </p:nvSpPr>
         <p:spPr/>
@@ -1172,8 +1173,8 @@
         </p:nvSpPr>
         <p:spPr>
           <a:xfrm>
-            <a:off x="504000" y="226080"/>
-            <a:ext cx="9071640" cy="946440"/>
+            <a:off x="629640" y="225720"/>
+            <a:ext cx="11338200" cy="946080"/>
           </a:xfrm>
           <a:prstGeom prst="rect">
             <a:avLst/>
@@ -1212,8 +1213,8 @@
         </p:nvSpPr>
         <p:spPr>
           <a:xfrm>
-            <a:off x="504000" y="1326600"/>
-            <a:ext cx="9071640" cy="3288240"/>
+            <a:off x="630000" y="1326600"/>
+            <a:ext cx="11339640" cy="3288240"/>
           </a:xfrm>
           <a:prstGeom prst="rect">
             <a:avLst/>
@@ -1250,7 +1251,7 @@
             <a:spLocks noGrp="1"/>
           </p:cNvSpPr>
           <p:nvPr>
-            <p:ph type="ftr" idx="2"/>
+            <p:ph type="ftr" idx="1"/>
           </p:nvPr>
         </p:nvSpPr>
         <p:spPr/>
@@ -1270,14 +1271,14 @@
             <a:spLocks noGrp="1"/>
           </p:cNvSpPr>
           <p:nvPr>
-            <p:ph type="sldNum" idx="3"/>
+            <p:ph type="sldNum" idx="2"/>
           </p:nvPr>
         </p:nvSpPr>
         <p:spPr/>
         <p:txBody>
           <a:bodyPr/>
           <a:p>
-            <a:fld id="{10CE90E3-AB78-4B78-9526-A8399F0784DE}" type="slidenum">
+            <a:fld id="{18BD1875-2769-4B20-A470-85FA117FEF20}" type="slidenum">
               <a:t>&lt;#&gt;</a:t>
             </a:fld>
           </a:p>
@@ -1290,7 +1291,7 @@
             <a:spLocks noGrp="1"/>
           </p:cNvSpPr>
           <p:nvPr>
-            <p:ph type="dt" idx="1"/>
+            <p:ph type="dt" idx="3"/>
           </p:nvPr>
         </p:nvSpPr>
         <p:spPr/>
@@ -1338,8 +1339,8 @@
         </p:nvSpPr>
         <p:spPr>
           <a:xfrm>
-            <a:off x="504000" y="226080"/>
-            <a:ext cx="9071640" cy="946440"/>
+            <a:off x="629640" y="225720"/>
+            <a:ext cx="11338200" cy="946080"/>
           </a:xfrm>
           <a:prstGeom prst="rect">
             <a:avLst/>
@@ -1378,8 +1379,8 @@
         </p:nvSpPr>
         <p:spPr>
           <a:xfrm>
-            <a:off x="504000" y="1326600"/>
-            <a:ext cx="4426920" cy="3288240"/>
+            <a:off x="630000" y="1326600"/>
+            <a:ext cx="5533560" cy="3288240"/>
           </a:xfrm>
           <a:prstGeom prst="rect">
             <a:avLst/>
@@ -1421,8 +1422,8 @@
         </p:nvSpPr>
         <p:spPr>
           <a:xfrm>
-            <a:off x="5152680" y="1326600"/>
-            <a:ext cx="4426920" cy="3288240"/>
+            <a:off x="6440760" y="1326600"/>
+            <a:ext cx="5533560" cy="3288240"/>
           </a:xfrm>
           <a:prstGeom prst="rect">
             <a:avLst/>
@@ -1459,7 +1460,7 @@
             <a:spLocks noGrp="1"/>
           </p:cNvSpPr>
           <p:nvPr>
-            <p:ph type="ftr" idx="2"/>
+            <p:ph type="ftr" idx="1"/>
           </p:nvPr>
         </p:nvSpPr>
         <p:spPr/>
@@ -1479,14 +1480,14 @@
             <a:spLocks noGrp="1"/>
           </p:cNvSpPr>
           <p:nvPr>
-            <p:ph type="sldNum" idx="3"/>
+            <p:ph type="sldNum" idx="2"/>
           </p:nvPr>
         </p:nvSpPr>
         <p:spPr/>
         <p:txBody>
           <a:bodyPr/>
           <a:p>
-            <a:fld id="{525D46D4-ACCC-49E5-8180-1DC1B412E2A6}" type="slidenum">
+            <a:fld id="{F91B4421-76C1-48EB-BE64-616642BC905A}" type="slidenum">
               <a:t>&lt;#&gt;</a:t>
             </a:fld>
           </a:p>
@@ -1499,7 +1500,7 @@
             <a:spLocks noGrp="1"/>
           </p:cNvSpPr>
           <p:nvPr>
-            <p:ph type="dt" idx="1"/>
+            <p:ph type="dt" idx="3"/>
           </p:nvPr>
         </p:nvSpPr>
         <p:spPr/>
@@ -1547,8 +1548,8 @@
         </p:nvSpPr>
         <p:spPr>
           <a:xfrm>
-            <a:off x="504000" y="226080"/>
-            <a:ext cx="9071640" cy="946440"/>
+            <a:off x="629640" y="225720"/>
+            <a:ext cx="11338200" cy="946080"/>
           </a:xfrm>
           <a:prstGeom prst="rect">
             <a:avLst/>
@@ -1582,7 +1583,7 @@
             <a:spLocks noGrp="1"/>
           </p:cNvSpPr>
           <p:nvPr>
-            <p:ph type="ftr" idx="2"/>
+            <p:ph type="ftr" idx="1"/>
           </p:nvPr>
         </p:nvSpPr>
         <p:spPr/>
@@ -1602,14 +1603,14 @@
             <a:spLocks noGrp="1"/>
           </p:cNvSpPr>
           <p:nvPr>
-            <p:ph type="sldNum" idx="3"/>
+            <p:ph type="sldNum" idx="2"/>
           </p:nvPr>
         </p:nvSpPr>
         <p:spPr/>
         <p:txBody>
           <a:bodyPr/>
           <a:p>
-            <a:fld id="{4052ACBD-F333-47D3-8F2C-AEFD9A05AA00}" type="slidenum">
+            <a:fld id="{608AF0A6-0783-4EC6-B1F4-075C9EA3A526}" type="slidenum">
               <a:t>&lt;#&gt;</a:t>
             </a:fld>
           </a:p>
@@ -1622,7 +1623,7 @@
             <a:spLocks noGrp="1"/>
           </p:cNvSpPr>
           <p:nvPr>
-            <p:ph type="dt" idx="1"/>
+            <p:ph type="dt" idx="3"/>
           </p:nvPr>
         </p:nvSpPr>
         <p:spPr/>
@@ -1670,8 +1671,8 @@
         </p:nvSpPr>
         <p:spPr>
           <a:xfrm>
-            <a:off x="504000" y="226080"/>
-            <a:ext cx="9071640" cy="4388400"/>
+            <a:off x="629640" y="225720"/>
+            <a:ext cx="11338200" cy="4386600"/>
           </a:xfrm>
           <a:prstGeom prst="rect">
             <a:avLst/>
@@ -1703,7 +1704,7 @@
             <a:spLocks noGrp="1"/>
           </p:cNvSpPr>
           <p:nvPr>
-            <p:ph type="ftr" idx="2"/>
+            <p:ph type="ftr" idx="1"/>
           </p:nvPr>
         </p:nvSpPr>
         <p:spPr/>
@@ -1723,14 +1724,14 @@
             <a:spLocks noGrp="1"/>
           </p:cNvSpPr>
           <p:nvPr>
-            <p:ph type="sldNum" idx="3"/>
+            <p:ph type="sldNum" idx="2"/>
           </p:nvPr>
         </p:nvSpPr>
         <p:spPr/>
         <p:txBody>
           <a:bodyPr/>
           <a:p>
-            <a:fld id="{260190CC-DF55-427B-95F8-2D743BB13D3D}" type="slidenum">
+            <a:fld id="{342E1783-8E01-4B68-9BE1-0D9BB40DAE27}" type="slidenum">
               <a:t>&lt;#&gt;</a:t>
             </a:fld>
           </a:p>
@@ -1743,7 +1744,7 @@
             <a:spLocks noGrp="1"/>
           </p:cNvSpPr>
           <p:nvPr>
-            <p:ph type="dt" idx="1"/>
+            <p:ph type="dt" idx="3"/>
           </p:nvPr>
         </p:nvSpPr>
         <p:spPr/>
@@ -1791,8 +1792,8 @@
         </p:nvSpPr>
         <p:spPr>
           <a:xfrm>
-            <a:off x="504000" y="226080"/>
-            <a:ext cx="9071640" cy="946440"/>
+            <a:off x="629640" y="225720"/>
+            <a:ext cx="11338200" cy="946080"/>
           </a:xfrm>
           <a:prstGeom prst="rect">
             <a:avLst/>
@@ -1831,8 +1832,8 @@
         </p:nvSpPr>
         <p:spPr>
           <a:xfrm>
-            <a:off x="504000" y="1326600"/>
-            <a:ext cx="4426920" cy="1568160"/>
+            <a:off x="630000" y="1326600"/>
+            <a:ext cx="5533560" cy="1568160"/>
           </a:xfrm>
           <a:prstGeom prst="rect">
             <a:avLst/>
@@ -1874,8 +1875,8 @@
         </p:nvSpPr>
         <p:spPr>
           <a:xfrm>
-            <a:off x="5152680" y="1326600"/>
-            <a:ext cx="4426920" cy="3288240"/>
+            <a:off x="6440760" y="1326600"/>
+            <a:ext cx="5533560" cy="3288240"/>
           </a:xfrm>
           <a:prstGeom prst="rect">
             <a:avLst/>
@@ -1917,8 +1918,8 @@
         </p:nvSpPr>
         <p:spPr>
           <a:xfrm>
-            <a:off x="504000" y="3044160"/>
-            <a:ext cx="4426920" cy="1568160"/>
+            <a:off x="630000" y="3044160"/>
+            <a:ext cx="5533560" cy="1568160"/>
           </a:xfrm>
           <a:prstGeom prst="rect">
             <a:avLst/>
@@ -1955,7 +1956,7 @@
             <a:spLocks noGrp="1"/>
           </p:cNvSpPr>
           <p:nvPr>
-            <p:ph type="ftr" idx="2"/>
+            <p:ph type="ftr" idx="1"/>
           </p:nvPr>
         </p:nvSpPr>
         <p:spPr/>
@@ -1975,14 +1976,14 @@
             <a:spLocks noGrp="1"/>
           </p:cNvSpPr>
           <p:nvPr>
-            <p:ph type="sldNum" idx="3"/>
+            <p:ph type="sldNum" idx="2"/>
           </p:nvPr>
         </p:nvSpPr>
         <p:spPr/>
         <p:txBody>
           <a:bodyPr/>
           <a:p>
-            <a:fld id="{76FC0785-1FB6-48CE-B1AB-E22E529DE958}" type="slidenum">
+            <a:fld id="{6972A926-3F98-407A-8B68-B2F27BD76B07}" type="slidenum">
               <a:t>&lt;#&gt;</a:t>
             </a:fld>
           </a:p>
@@ -1995,7 +1996,7 @@
             <a:spLocks noGrp="1"/>
           </p:cNvSpPr>
           <p:nvPr>
-            <p:ph type="dt" idx="1"/>
+            <p:ph type="dt" idx="3"/>
           </p:nvPr>
         </p:nvSpPr>
         <p:spPr/>
@@ -2043,8 +2044,8 @@
         </p:nvSpPr>
         <p:spPr>
           <a:xfrm>
-            <a:off x="504000" y="226080"/>
-            <a:ext cx="9071640" cy="946440"/>
+            <a:off x="629640" y="225720"/>
+            <a:ext cx="11338200" cy="946080"/>
           </a:xfrm>
           <a:prstGeom prst="rect">
             <a:avLst/>
@@ -2083,8 +2084,8 @@
         </p:nvSpPr>
         <p:spPr>
           <a:xfrm>
-            <a:off x="504000" y="1326600"/>
-            <a:ext cx="4426920" cy="3288240"/>
+            <a:off x="630000" y="1326600"/>
+            <a:ext cx="5533560" cy="3288240"/>
           </a:xfrm>
           <a:prstGeom prst="rect">
             <a:avLst/>
@@ -2126,8 +2127,8 @@
         </p:nvSpPr>
         <p:spPr>
           <a:xfrm>
-            <a:off x="5152680" y="1326600"/>
-            <a:ext cx="4426920" cy="1568160"/>
+            <a:off x="6440760" y="1326600"/>
+            <a:ext cx="5533560" cy="1568160"/>
           </a:xfrm>
           <a:prstGeom prst="rect">
             <a:avLst/>
@@ -2169,8 +2170,8 @@
         </p:nvSpPr>
         <p:spPr>
           <a:xfrm>
-            <a:off x="5152680" y="3044160"/>
-            <a:ext cx="4426920" cy="1568160"/>
+            <a:off x="6440760" y="3044160"/>
+            <a:ext cx="5533560" cy="1568160"/>
           </a:xfrm>
           <a:prstGeom prst="rect">
             <a:avLst/>
@@ -2207,7 +2208,7 @@
             <a:spLocks noGrp="1"/>
           </p:cNvSpPr>
           <p:nvPr>
-            <p:ph type="ftr" idx="2"/>
+            <p:ph type="ftr" idx="1"/>
           </p:nvPr>
         </p:nvSpPr>
         <p:spPr/>
@@ -2227,14 +2228,14 @@
             <a:spLocks noGrp="1"/>
           </p:cNvSpPr>
           <p:nvPr>
-            <p:ph type="sldNum" idx="3"/>
+            <p:ph type="sldNum" idx="2"/>
           </p:nvPr>
         </p:nvSpPr>
         <p:spPr/>
         <p:txBody>
           <a:bodyPr/>
           <a:p>
-            <a:fld id="{F3D944E4-A6D5-407F-B2F4-45FE8C820D5F}" type="slidenum">
+            <a:fld id="{EB91EA69-88DE-4B2C-9801-010D2F1E2F0E}" type="slidenum">
               <a:t>&lt;#&gt;</a:t>
             </a:fld>
           </a:p>
@@ -2247,7 +2248,7 @@
             <a:spLocks noGrp="1"/>
           </p:cNvSpPr>
           <p:nvPr>
-            <p:ph type="dt" idx="1"/>
+            <p:ph type="dt" idx="3"/>
           </p:nvPr>
         </p:nvSpPr>
         <p:spPr/>
@@ -2295,8 +2296,8 @@
         </p:nvSpPr>
         <p:spPr>
           <a:xfrm>
-            <a:off x="504000" y="226080"/>
-            <a:ext cx="9071640" cy="946440"/>
+            <a:off x="629640" y="225720"/>
+            <a:ext cx="11338200" cy="946080"/>
           </a:xfrm>
           <a:prstGeom prst="rect">
             <a:avLst/>
@@ -2335,8 +2336,8 @@
         </p:nvSpPr>
         <p:spPr>
           <a:xfrm>
-            <a:off x="504000" y="1326600"/>
-            <a:ext cx="4426920" cy="1568160"/>
+            <a:off x="630000" y="1326600"/>
+            <a:ext cx="5533560" cy="1568160"/>
           </a:xfrm>
           <a:prstGeom prst="rect">
             <a:avLst/>
@@ -2378,8 +2379,8 @@
         </p:nvSpPr>
         <p:spPr>
           <a:xfrm>
-            <a:off x="5152680" y="1326600"/>
-            <a:ext cx="4426920" cy="1568160"/>
+            <a:off x="6440760" y="1326600"/>
+            <a:ext cx="5533560" cy="1568160"/>
           </a:xfrm>
           <a:prstGeom prst="rect">
             <a:avLst/>
@@ -2421,8 +2422,8 @@
         </p:nvSpPr>
         <p:spPr>
           <a:xfrm>
-            <a:off x="504000" y="3044160"/>
-            <a:ext cx="9071640" cy="1568160"/>
+            <a:off x="630000" y="3044160"/>
+            <a:ext cx="11339640" cy="1568160"/>
           </a:xfrm>
           <a:prstGeom prst="rect">
             <a:avLst/>
@@ -2459,7 +2460,7 @@
             <a:spLocks noGrp="1"/>
           </p:cNvSpPr>
           <p:nvPr>
-            <p:ph type="ftr" idx="2"/>
+            <p:ph type="ftr" idx="1"/>
           </p:nvPr>
         </p:nvSpPr>
         <p:spPr/>
@@ -2479,14 +2480,14 @@
             <a:spLocks noGrp="1"/>
           </p:cNvSpPr>
           <p:nvPr>
-            <p:ph type="sldNum" idx="3"/>
+            <p:ph type="sldNum" idx="2"/>
           </p:nvPr>
         </p:nvSpPr>
         <p:spPr/>
         <p:txBody>
           <a:bodyPr/>
           <a:p>
-            <a:fld id="{42699219-78AE-4FA6-AAD2-BABCBC86AB74}" type="slidenum">
+            <a:fld id="{95505960-46C5-4C93-BC83-7CA43FF6D107}" type="slidenum">
               <a:t>&lt;#&gt;</a:t>
             </a:fld>
           </a:p>
@@ -2499,7 +2500,7 @@
             <a:spLocks noGrp="1"/>
           </p:cNvSpPr>
           <p:nvPr>
-            <p:ph type="dt" idx="1"/>
+            <p:ph type="dt" idx="3"/>
           </p:nvPr>
         </p:nvSpPr>
         <p:spPr/>
@@ -2547,8 +2548,8 @@
         </p:nvSpPr>
         <p:spPr>
           <a:xfrm>
-            <a:off x="504000" y="226080"/>
-            <a:ext cx="9071640" cy="946440"/>
+            <a:off x="629640" y="225720"/>
+            <a:ext cx="11338200" cy="946080"/>
           </a:xfrm>
           <a:prstGeom prst="rect">
             <a:avLst/>
@@ -2563,11 +2564,11 @@
             <a:noAutofit/>
           </a:bodyPr>
           <a:p>
-            <a:pPr indent="0" algn="ctr">
+            <a:pPr indent="0">
               <a:buNone/>
             </a:pPr>
             <a:r>
-              <a:rPr b="0" lang="pt-BR" sz="4400" spc="-1" strike="noStrike">
+              <a:rPr b="0" lang="pt-BR" sz="1800" spc="-1" strike="noStrike">
                 <a:solidFill>
                   <a:srgbClr val="000000"/>
                 </a:solidFill>
@@ -2575,7 +2576,7 @@
               </a:rPr>
               <a:t>Clique para editar o formato do texto do título</a:t>
             </a:r>
-            <a:endParaRPr b="0" lang="pt-BR" sz="4400" spc="-1" strike="noStrike">
+            <a:endParaRPr b="0" lang="pt-BR" sz="1800" spc="-1" strike="noStrike">
               <a:solidFill>
                 <a:srgbClr val="000000"/>
               </a:solidFill>
@@ -2591,13 +2592,13 @@
             <a:spLocks noGrp="1"/>
           </p:cNvSpPr>
           <p:nvPr>
-            <p:ph type="body"/>
-          </p:nvPr>
-        </p:nvSpPr>
-        <p:spPr>
-          <a:xfrm>
-            <a:off x="504000" y="1326600"/>
-            <a:ext cx="9071640" cy="3288240"/>
+            <p:ph type="ftr" idx="1"/>
+          </p:nvPr>
+        </p:nvSpPr>
+        <p:spPr>
+          <a:xfrm>
+            <a:off x="4308840" y="5164560"/>
+            <a:ext cx="3993120" cy="390240"/>
           </a:xfrm>
           <a:prstGeom prst="rect">
             <a:avLst/>
@@ -2609,220 +2610,139 @@
         </p:spPr>
         <p:txBody>
           <a:bodyPr lIns="0" rIns="0" tIns="0" bIns="0" anchor="t">
-            <a:normAutofit/>
-          </a:bodyPr>
-          <a:p>
-            <a:pPr marL="432000" indent="-324000">
-              <a:spcBef>
-                <a:spcPts val="1417"/>
-              </a:spcBef>
-              <a:buClr>
-                <a:srgbClr val="000000"/>
-              </a:buClr>
-              <a:buSzPct val="45000"/>
-              <a:buFont typeface="Wingdings" charset="2"/>
-              <a:buChar char=""/>
-            </a:pPr>
-            <a:r>
-              <a:rPr b="0" lang="pt-BR" sz="3200" spc="-1" strike="noStrike">
+            <a:noAutofit/>
+          </a:bodyPr>
+          <a:lstStyle>
+            <a:lvl1pPr indent="0" algn="ctr">
+              <a:lnSpc>
+                <a:spcPct val="100000"/>
+              </a:lnSpc>
+              <a:buNone/>
+              <a:tabLst>
+                <a:tab algn="l" pos="0"/>
+              </a:tabLst>
+              <a:defRPr b="0" lang="pt-BR" sz="1400" spc="-1" strike="noStrike">
                 <a:solidFill>
                   <a:srgbClr val="000000"/>
                 </a:solidFill>
-                <a:latin typeface="Arial"/>
-              </a:rPr>
-              <a:t>Clique para editar o formato de texto dos tópicos</a:t>
-            </a:r>
-            <a:endParaRPr b="0" lang="pt-BR" sz="3200" spc="-1" strike="noStrike">
-              <a:solidFill>
-                <a:srgbClr val="000000"/>
-              </a:solidFill>
-              <a:latin typeface="Arial"/>
-            </a:endParaRPr>
-          </a:p>
-          <a:p>
-            <a:pPr lvl="1" marL="864000" indent="-324000">
-              <a:spcBef>
-                <a:spcPts val="1134"/>
-              </a:spcBef>
-              <a:buClr>
-                <a:srgbClr val="000000"/>
-              </a:buClr>
-              <a:buSzPct val="75000"/>
-              <a:buFont typeface="Symbol" charset="2"/>
-              <a:buChar char=""/>
-            </a:pPr>
-            <a:r>
-              <a:rPr b="0" lang="pt-BR" sz="2800" spc="-1" strike="noStrike">
+                <a:latin typeface="Times New Roman"/>
+              </a:defRPr>
+            </a:lvl1pPr>
+          </a:lstStyle>
+          <a:p>
+            <a:pPr indent="0" algn="ctr">
+              <a:lnSpc>
+                <a:spcPct val="100000"/>
+              </a:lnSpc>
+              <a:buNone/>
+              <a:tabLst>
+                <a:tab algn="l" pos="0"/>
+              </a:tabLst>
+            </a:pPr>
+            <a:r>
+              <a:rPr b="0" lang="pt-BR" sz="1400" spc="-1" strike="noStrike">
                 <a:solidFill>
                   <a:srgbClr val="000000"/>
                 </a:solidFill>
-                <a:latin typeface="Arial"/>
+                <a:latin typeface="Times New Roman"/>
               </a:rPr>
-              <a:t>2.º nível de tópicos</a:t>
-            </a:r>
-            <a:endParaRPr b="0" lang="pt-BR" sz="2800" spc="-1" strike="noStrike">
-              <a:solidFill>
-                <a:srgbClr val="000000"/>
-              </a:solidFill>
-              <a:latin typeface="Arial"/>
-            </a:endParaRPr>
-          </a:p>
-          <a:p>
-            <a:pPr lvl="2" marL="1296000" indent="-288000">
-              <a:spcBef>
-                <a:spcPts val="850"/>
-              </a:spcBef>
-              <a:buClr>
-                <a:srgbClr val="000000"/>
-              </a:buClr>
-              <a:buSzPct val="45000"/>
-              <a:buFont typeface="Wingdings" charset="2"/>
-              <a:buChar char=""/>
-            </a:pPr>
-            <a:r>
-              <a:rPr b="0" lang="pt-BR" sz="2400" spc="-1" strike="noStrike">
+              <a:t> </a:t>
+            </a:r>
+            <a:endParaRPr b="0" lang="pt-BR" sz="1400" spc="-1" strike="noStrike">
+              <a:solidFill>
+                <a:srgbClr val="000000"/>
+              </a:solidFill>
+              <a:latin typeface="Times New Roman"/>
+            </a:endParaRPr>
+          </a:p>
+        </p:txBody>
+      </p:sp>
+      <p:sp>
+        <p:nvSpPr>
+          <p:cNvPr id="2" name="PlaceHolder 3"/>
+          <p:cNvSpPr>
+            <a:spLocks noGrp="1"/>
+          </p:cNvSpPr>
+          <p:nvPr>
+            <p:ph type="sldNum" idx="2"/>
+          </p:nvPr>
+        </p:nvSpPr>
+        <p:spPr>
+          <a:xfrm>
+            <a:off x="9033480" y="5164560"/>
+            <a:ext cx="2934720" cy="390240"/>
+          </a:xfrm>
+          <a:prstGeom prst="rect">
+            <a:avLst/>
+          </a:prstGeom>
+          <a:noFill/>
+          <a:ln w="0">
+            <a:noFill/>
+          </a:ln>
+        </p:spPr>
+        <p:txBody>
+          <a:bodyPr lIns="0" rIns="0" tIns="0" bIns="0" anchor="t">
+            <a:noAutofit/>
+          </a:bodyPr>
+          <a:lstStyle>
+            <a:lvl1pPr indent="0" algn="r">
+              <a:lnSpc>
+                <a:spcPct val="100000"/>
+              </a:lnSpc>
+              <a:buNone/>
+              <a:tabLst>
+                <a:tab algn="l" pos="0"/>
+              </a:tabLst>
+              <a:defRPr b="0" lang="pt-BR" sz="1400" spc="-1" strike="noStrike">
                 <a:solidFill>
                   <a:srgbClr val="000000"/>
                 </a:solidFill>
-                <a:latin typeface="Arial"/>
-              </a:rPr>
-              <a:t>3.º nível de tópicos</a:t>
-            </a:r>
-            <a:endParaRPr b="0" lang="pt-BR" sz="2400" spc="-1" strike="noStrike">
-              <a:solidFill>
-                <a:srgbClr val="000000"/>
-              </a:solidFill>
-              <a:latin typeface="Arial"/>
-            </a:endParaRPr>
-          </a:p>
-          <a:p>
-            <a:pPr lvl="3" marL="1728000" indent="-216000">
-              <a:spcBef>
-                <a:spcPts val="567"/>
-              </a:spcBef>
-              <a:buClr>
-                <a:srgbClr val="000000"/>
-              </a:buClr>
-              <a:buSzPct val="75000"/>
-              <a:buFont typeface="Symbol" charset="2"/>
-              <a:buChar char=""/>
-            </a:pPr>
-            <a:r>
-              <a:rPr b="0" lang="pt-BR" sz="2000" spc="-1" strike="noStrike">
+                <a:latin typeface="Times New Roman"/>
+              </a:defRPr>
+            </a:lvl1pPr>
+          </a:lstStyle>
+          <a:p>
+            <a:pPr indent="0" algn="r">
+              <a:lnSpc>
+                <a:spcPct val="100000"/>
+              </a:lnSpc>
+              <a:buNone/>
+              <a:tabLst>
+                <a:tab algn="l" pos="0"/>
+              </a:tabLst>
+            </a:pPr>
+            <a:fld id="{82D1C0CF-597B-479B-9CD0-793E29241A04}" type="slidenum">
+              <a:rPr b="0" lang="pt-BR" sz="1400" spc="-1" strike="noStrike">
                 <a:solidFill>
                   <a:srgbClr val="000000"/>
                 </a:solidFill>
-                <a:latin typeface="Arial"/>
+                <a:latin typeface="Times New Roman"/>
               </a:rPr>
-              <a:t>4.º nível de tópicos</a:t>
-            </a:r>
-            <a:endParaRPr b="0" lang="pt-BR" sz="2000" spc="-1" strike="noStrike">
-              <a:solidFill>
-                <a:srgbClr val="000000"/>
-              </a:solidFill>
-              <a:latin typeface="Arial"/>
-            </a:endParaRPr>
-          </a:p>
-          <a:p>
-            <a:pPr lvl="4" marL="2160000" indent="-216000">
-              <a:spcBef>
-                <a:spcPts val="283"/>
-              </a:spcBef>
-              <a:buClr>
-                <a:srgbClr val="000000"/>
-              </a:buClr>
-              <a:buSzPct val="45000"/>
-              <a:buFont typeface="Wingdings" charset="2"/>
-              <a:buChar char=""/>
-            </a:pPr>
-            <a:r>
-              <a:rPr b="0" lang="pt-BR" sz="2000" spc="-1" strike="noStrike">
-                <a:solidFill>
-                  <a:srgbClr val="000000"/>
-                </a:solidFill>
-                <a:latin typeface="Arial"/>
-              </a:rPr>
-              <a:t>5.º nível de tópicos</a:t>
-            </a:r>
-            <a:endParaRPr b="0" lang="pt-BR" sz="2000" spc="-1" strike="noStrike">
-              <a:solidFill>
-                <a:srgbClr val="000000"/>
-              </a:solidFill>
-              <a:latin typeface="Arial"/>
-            </a:endParaRPr>
-          </a:p>
-          <a:p>
-            <a:pPr lvl="5" marL="2592000" indent="-216000">
-              <a:spcBef>
-                <a:spcPts val="283"/>
-              </a:spcBef>
-              <a:buClr>
-                <a:srgbClr val="000000"/>
-              </a:buClr>
-              <a:buSzPct val="45000"/>
-              <a:buFont typeface="Wingdings" charset="2"/>
-              <a:buChar char=""/>
-            </a:pPr>
-            <a:r>
-              <a:rPr b="0" lang="pt-BR" sz="2000" spc="-1" strike="noStrike">
-                <a:solidFill>
-                  <a:srgbClr val="000000"/>
-                </a:solidFill>
-                <a:latin typeface="Arial"/>
-              </a:rPr>
-              <a:t>6.º nível de tópicos</a:t>
-            </a:r>
-            <a:endParaRPr b="0" lang="pt-BR" sz="2000" spc="-1" strike="noStrike">
-              <a:solidFill>
-                <a:srgbClr val="000000"/>
-              </a:solidFill>
-              <a:latin typeface="Arial"/>
-            </a:endParaRPr>
-          </a:p>
-          <a:p>
-            <a:pPr lvl="6" marL="3024000" indent="-216000">
-              <a:spcBef>
-                <a:spcPts val="283"/>
-              </a:spcBef>
-              <a:buClr>
-                <a:srgbClr val="000000"/>
-              </a:buClr>
-              <a:buSzPct val="45000"/>
-              <a:buFont typeface="Wingdings" charset="2"/>
-              <a:buChar char=""/>
-            </a:pPr>
-            <a:r>
-              <a:rPr b="0" lang="pt-BR" sz="2000" spc="-1" strike="noStrike">
-                <a:solidFill>
-                  <a:srgbClr val="000000"/>
-                </a:solidFill>
-                <a:latin typeface="Arial"/>
-              </a:rPr>
-              <a:t>7.º nível de tópicos</a:t>
-            </a:r>
-            <a:endParaRPr b="0" lang="pt-BR" sz="2000" spc="-1" strike="noStrike">
-              <a:solidFill>
-                <a:srgbClr val="000000"/>
-              </a:solidFill>
-              <a:latin typeface="Arial"/>
-            </a:endParaRPr>
-          </a:p>
-        </p:txBody>
-      </p:sp>
-      <p:sp>
-        <p:nvSpPr>
-          <p:cNvPr id="2" name="PlaceHolder 3"/>
-          <p:cNvSpPr>
-            <a:spLocks noGrp="1"/>
-          </p:cNvSpPr>
-          <p:nvPr>
-            <p:ph type="dt" idx="1"/>
-          </p:nvPr>
-        </p:nvSpPr>
-        <p:spPr>
-          <a:xfrm>
-            <a:off x="504000" y="5165280"/>
-            <a:ext cx="2348280" cy="390600"/>
+              <a:t>2</a:t>
+            </a:fld>
+            <a:endParaRPr b="0" lang="pt-BR" sz="1400" spc="-1" strike="noStrike">
+              <a:solidFill>
+                <a:srgbClr val="000000"/>
+              </a:solidFill>
+              <a:latin typeface="Times New Roman"/>
+            </a:endParaRPr>
+          </a:p>
+        </p:txBody>
+      </p:sp>
+      <p:sp>
+        <p:nvSpPr>
+          <p:cNvPr id="3" name="PlaceHolder 4"/>
+          <p:cNvSpPr>
+            <a:spLocks noGrp="1"/>
+          </p:cNvSpPr>
+          <p:nvPr>
+            <p:ph type="dt" idx="3"/>
+          </p:nvPr>
+        </p:nvSpPr>
+        <p:spPr>
+          <a:xfrm>
+            <a:off x="629640" y="5164560"/>
+            <a:ext cx="2934720" cy="390240"/>
           </a:xfrm>
           <a:prstGeom prst="rect">
             <a:avLst/>
@@ -2858,7 +2778,7 @@
                 </a:solidFill>
                 <a:latin typeface="Times New Roman"/>
               </a:rPr>
-              <a:t>&lt;data/hora&gt;</a:t>
+              <a:t> </a:t>
             </a:r>
             <a:endParaRPr b="0" lang="pt-BR" sz="1400" spc="-1" strike="noStrike">
               <a:solidFill>
@@ -2871,18 +2791,18 @@
       </p:sp>
       <p:sp>
         <p:nvSpPr>
-          <p:cNvPr id="3" name="PlaceHolder 4"/>
-          <p:cNvSpPr>
-            <a:spLocks noGrp="1"/>
-          </p:cNvSpPr>
-          <p:nvPr>
-            <p:ph type="ftr" idx="2"/>
-          </p:nvPr>
-        </p:nvSpPr>
-        <p:spPr>
-          <a:xfrm>
-            <a:off x="3447360" y="5165280"/>
-            <a:ext cx="3195000" cy="390600"/>
+          <p:cNvPr id="4" name="PlaceHolder 5"/>
+          <p:cNvSpPr>
+            <a:spLocks noGrp="1"/>
+          </p:cNvSpPr>
+          <p:nvPr>
+            <p:ph type="body"/>
+          </p:nvPr>
+        </p:nvSpPr>
+        <p:spPr>
+          <a:xfrm>
+            <a:off x="630000" y="1326600"/>
+            <a:ext cx="11339640" cy="3288240"/>
           </a:xfrm>
           <a:prstGeom prst="rect">
             <a:avLst/>
@@ -2894,97 +2814,202 @@
         </p:spPr>
         <p:txBody>
           <a:bodyPr lIns="0" rIns="0" tIns="0" bIns="0" anchor="t">
-            <a:noAutofit/>
-          </a:bodyPr>
-          <a:lstStyle>
-            <a:lvl1pPr indent="0" algn="ctr">
-              <a:buNone/>
-              <a:defRPr b="0" lang="pt-BR" sz="1400" spc="-1" strike="noStrike">
+            <a:normAutofit/>
+          </a:bodyPr>
+          <a:p>
+            <a:pPr marL="432000" indent="-324000">
+              <a:spcBef>
+                <a:spcPts val="1417"/>
+              </a:spcBef>
+              <a:buClr>
+                <a:srgbClr val="000000"/>
+              </a:buClr>
+              <a:buSzPct val="45000"/>
+              <a:buFont typeface="Wingdings" charset="2"/>
+              <a:buChar char=""/>
+            </a:pPr>
+            <a:r>
+              <a:rPr b="0" lang="pt-BR" sz="3200" spc="-1" strike="noStrike">
                 <a:solidFill>
                   <a:srgbClr val="000000"/>
                 </a:solidFill>
-                <a:latin typeface="Times New Roman"/>
-              </a:defRPr>
-            </a:lvl1pPr>
-          </a:lstStyle>
-          <a:p>
-            <a:pPr indent="0" algn="ctr">
-              <a:buNone/>
-            </a:pPr>
-            <a:r>
-              <a:rPr b="0" lang="pt-BR" sz="1400" spc="-1" strike="noStrike">
+                <a:latin typeface="Arial"/>
+              </a:rPr>
+              <a:t>Clique para editar o formato do texto da estrutura de tópicos</a:t>
+            </a:r>
+            <a:endParaRPr b="0" lang="pt-BR" sz="3200" spc="-1" strike="noStrike">
+              <a:solidFill>
+                <a:srgbClr val="000000"/>
+              </a:solidFill>
+              <a:latin typeface="Arial"/>
+            </a:endParaRPr>
+          </a:p>
+          <a:p>
+            <a:pPr lvl="1" marL="864000" indent="-324000">
+              <a:spcBef>
+                <a:spcPts val="1134"/>
+              </a:spcBef>
+              <a:buClr>
+                <a:srgbClr val="000000"/>
+              </a:buClr>
+              <a:buSzPct val="75000"/>
+              <a:buFont typeface="Symbol" charset="2"/>
+              <a:buChar char=""/>
+            </a:pPr>
+            <a:r>
+              <a:rPr b="0" lang="pt-BR" sz="2800" spc="-1" strike="noStrike">
                 <a:solidFill>
                   <a:srgbClr val="000000"/>
                 </a:solidFill>
-                <a:latin typeface="Times New Roman"/>
+                <a:latin typeface="Arial"/>
               </a:rPr>
-              <a:t>&lt;rodapé&gt;</a:t>
-            </a:r>
-            <a:endParaRPr b="0" lang="pt-BR" sz="1400" spc="-1" strike="noStrike">
-              <a:solidFill>
-                <a:srgbClr val="000000"/>
-              </a:solidFill>
-              <a:latin typeface="Times New Roman"/>
-            </a:endParaRPr>
-          </a:p>
-        </p:txBody>
-      </p:sp>
-      <p:sp>
-        <p:nvSpPr>
-          <p:cNvPr id="4" name="PlaceHolder 5"/>
-          <p:cNvSpPr>
-            <a:spLocks noGrp="1"/>
-          </p:cNvSpPr>
-          <p:nvPr>
-            <p:ph type="sldNum" idx="3"/>
-          </p:nvPr>
-        </p:nvSpPr>
-        <p:spPr>
-          <a:xfrm>
-            <a:off x="7227360" y="5165280"/>
-            <a:ext cx="2348280" cy="390600"/>
-          </a:xfrm>
-          <a:prstGeom prst="rect">
-            <a:avLst/>
-          </a:prstGeom>
-          <a:noFill/>
-          <a:ln w="0">
-            <a:noFill/>
-          </a:ln>
-        </p:spPr>
-        <p:txBody>
-          <a:bodyPr lIns="0" rIns="0" tIns="0" bIns="0" anchor="t">
-            <a:noAutofit/>
-          </a:bodyPr>
-          <a:lstStyle>
-            <a:lvl1pPr indent="0" algn="r">
-              <a:buNone/>
-              <a:defRPr b="0" lang="pt-BR" sz="1400" spc="-1" strike="noStrike">
+              <a:t>2.º nível da estrutura de tópicos</a:t>
+            </a:r>
+            <a:endParaRPr b="0" lang="pt-BR" sz="2800" spc="-1" strike="noStrike">
+              <a:solidFill>
+                <a:srgbClr val="000000"/>
+              </a:solidFill>
+              <a:latin typeface="Arial"/>
+            </a:endParaRPr>
+          </a:p>
+          <a:p>
+            <a:pPr lvl="2" marL="1296000" indent="-288000">
+              <a:spcBef>
+                <a:spcPts val="850"/>
+              </a:spcBef>
+              <a:buClr>
+                <a:srgbClr val="000000"/>
+              </a:buClr>
+              <a:buSzPct val="45000"/>
+              <a:buFont typeface="Wingdings" charset="2"/>
+              <a:buChar char=""/>
+            </a:pPr>
+            <a:r>
+              <a:rPr b="0" lang="pt-BR" sz="2400" spc="-1" strike="noStrike">
                 <a:solidFill>
                   <a:srgbClr val="000000"/>
                 </a:solidFill>
-                <a:latin typeface="Times New Roman"/>
-              </a:defRPr>
-            </a:lvl1pPr>
-          </a:lstStyle>
-          <a:p>
-            <a:pPr indent="0" algn="r">
-              <a:buNone/>
-            </a:pPr>
-            <a:fld id="{2F0BA66A-14C7-4465-9366-7E1899E74103}" type="slidenum">
-              <a:rPr b="0" lang="pt-BR" sz="1400" spc="-1" strike="noStrike">
+                <a:latin typeface="Arial"/>
+              </a:rPr>
+              <a:t>3.º nível da estrutura de tópicos</a:t>
+            </a:r>
+            <a:endParaRPr b="0" lang="pt-BR" sz="2400" spc="-1" strike="noStrike">
+              <a:solidFill>
+                <a:srgbClr val="000000"/>
+              </a:solidFill>
+              <a:latin typeface="Arial"/>
+            </a:endParaRPr>
+          </a:p>
+          <a:p>
+            <a:pPr lvl="3" marL="1728000" indent="-216000">
+              <a:spcBef>
+                <a:spcPts val="567"/>
+              </a:spcBef>
+              <a:buClr>
+                <a:srgbClr val="000000"/>
+              </a:buClr>
+              <a:buSzPct val="75000"/>
+              <a:buFont typeface="Symbol" charset="2"/>
+              <a:buChar char=""/>
+            </a:pPr>
+            <a:r>
+              <a:rPr b="0" lang="pt-BR" sz="2000" spc="-1" strike="noStrike">
                 <a:solidFill>
                   <a:srgbClr val="000000"/>
                 </a:solidFill>
-                <a:latin typeface="Times New Roman"/>
+                <a:latin typeface="Arial"/>
               </a:rPr>
-              <a:t>&lt;número&gt;</a:t>
-            </a:fld>
-            <a:endParaRPr b="0" lang="pt-BR" sz="1400" spc="-1" strike="noStrike">
-              <a:solidFill>
-                <a:srgbClr val="000000"/>
-              </a:solidFill>
-              <a:latin typeface="Times New Roman"/>
+              <a:t>4.º nível da estrutura de tópicos</a:t>
+            </a:r>
+            <a:endParaRPr b="0" lang="pt-BR" sz="2000" spc="-1" strike="noStrike">
+              <a:solidFill>
+                <a:srgbClr val="000000"/>
+              </a:solidFill>
+              <a:latin typeface="Arial"/>
+            </a:endParaRPr>
+          </a:p>
+          <a:p>
+            <a:pPr lvl="4" marL="2160000" indent="-216000">
+              <a:spcBef>
+                <a:spcPts val="283"/>
+              </a:spcBef>
+              <a:buClr>
+                <a:srgbClr val="000000"/>
+              </a:buClr>
+              <a:buSzPct val="45000"/>
+              <a:buFont typeface="Wingdings" charset="2"/>
+              <a:buChar char=""/>
+            </a:pPr>
+            <a:r>
+              <a:rPr b="0" lang="pt-BR" sz="2000" spc="-1" strike="noStrike">
+                <a:solidFill>
+                  <a:srgbClr val="000000"/>
+                </a:solidFill>
+                <a:latin typeface="Arial"/>
+              </a:rPr>
+              <a:t>5.º nível da estrutura de tópicos</a:t>
+            </a:r>
+            <a:endParaRPr b="0" lang="pt-BR" sz="2000" spc="-1" strike="noStrike">
+              <a:solidFill>
+                <a:srgbClr val="000000"/>
+              </a:solidFill>
+              <a:latin typeface="Arial"/>
+            </a:endParaRPr>
+          </a:p>
+          <a:p>
+            <a:pPr lvl="5" marL="2592000" indent="-216000">
+              <a:spcBef>
+                <a:spcPts val="283"/>
+              </a:spcBef>
+              <a:buClr>
+                <a:srgbClr val="000000"/>
+              </a:buClr>
+              <a:buSzPct val="45000"/>
+              <a:buFont typeface="Wingdings" charset="2"/>
+              <a:buChar char=""/>
+            </a:pPr>
+            <a:r>
+              <a:rPr b="0" lang="pt-BR" sz="2000" spc="-1" strike="noStrike">
+                <a:solidFill>
+                  <a:srgbClr val="000000"/>
+                </a:solidFill>
+                <a:latin typeface="Arial"/>
+              </a:rPr>
+              <a:t>6.º nível da estrutura de tópicos</a:t>
+            </a:r>
+            <a:endParaRPr b="0" lang="pt-BR" sz="2000" spc="-1" strike="noStrike">
+              <a:solidFill>
+                <a:srgbClr val="000000"/>
+              </a:solidFill>
+              <a:latin typeface="Arial"/>
+            </a:endParaRPr>
+          </a:p>
+          <a:p>
+            <a:pPr lvl="6" marL="3024000" indent="-216000">
+              <a:spcBef>
+                <a:spcPts val="283"/>
+              </a:spcBef>
+              <a:buClr>
+                <a:srgbClr val="000000"/>
+              </a:buClr>
+              <a:buSzPct val="45000"/>
+              <a:buFont typeface="Wingdings" charset="2"/>
+              <a:buChar char=""/>
+            </a:pPr>
+            <a:r>
+              <a:rPr b="0" lang="pt-BR" sz="2000" spc="-1" strike="noStrike">
+                <a:solidFill>
+                  <a:srgbClr val="000000"/>
+                </a:solidFill>
+                <a:latin typeface="Arial"/>
+              </a:rPr>
+              <a:t>7.º nível da estrutura de tópicos</a:t>
+            </a:r>
+            <a:endParaRPr b="0" lang="pt-BR" sz="2000" spc="-1" strike="noStrike">
+              <a:solidFill>
+                <a:srgbClr val="000000"/>
+              </a:solidFill>
+              <a:latin typeface="Arial"/>
             </a:endParaRPr>
           </a:p>
         </p:txBody>
@@ -3029,27 +3054,38 @@
       <p:sp>
         <p:nvSpPr>
           <p:cNvPr id="41" name=""/>
-          <p:cNvSpPr txBox="1"/>
+          <p:cNvSpPr/>
           <p:nvPr/>
         </p:nvSpPr>
         <p:spPr>
           <a:xfrm>
-            <a:off x="1620000" y="1197720"/>
-            <a:ext cx="2700000" cy="602280"/>
-          </a:xfrm>
-          <a:prstGeom prst="rect">
-            <a:avLst/>
-          </a:prstGeom>
-          <a:noFill/>
-          <a:ln w="0">
-            <a:noFill/>
-          </a:ln>
-        </p:spPr>
+            <a:off x="2024640" y="1197360"/>
+            <a:ext cx="3374280" cy="601920"/>
+          </a:xfrm>
+          <a:prstGeom prst="rect">
+            <a:avLst/>
+          </a:prstGeom>
+          <a:noFill/>
+          <a:ln w="0">
+            <a:noFill/>
+          </a:ln>
+        </p:spPr>
+        <p:style>
+          <a:lnRef idx="0"/>
+          <a:fillRef idx="0"/>
+          <a:effectRef idx="0"/>
+          <a:fontRef idx="minor"/>
+        </p:style>
         <p:txBody>
           <a:bodyPr lIns="90000" rIns="90000" tIns="45000" bIns="45000" anchor="t">
             <a:noAutofit/>
           </a:bodyPr>
           <a:p>
+            <a:pPr>
+              <a:lnSpc>
+                <a:spcPct val="100000"/>
+              </a:lnSpc>
+            </a:pPr>
             <a:r>
               <a:rPr b="0" lang="pt-BR" sz="1800" spc="-1" strike="noStrike">
                 <a:solidFill>
@@ -3080,8 +3116,8 @@
         </p:blipFill>
         <p:spPr>
           <a:xfrm>
-            <a:off x="2591640" y="477720"/>
-            <a:ext cx="648360" cy="648360"/>
+            <a:off x="3239280" y="477360"/>
+            <a:ext cx="810000" cy="648000"/>
           </a:xfrm>
           <a:prstGeom prst="rect">
             <a:avLst/>
@@ -3094,28 +3130,38 @@
       <p:sp>
         <p:nvSpPr>
           <p:cNvPr id="43" name=""/>
-          <p:cNvSpPr txBox="1"/>
+          <p:cNvSpPr/>
           <p:nvPr/>
         </p:nvSpPr>
         <p:spPr>
           <a:xfrm>
-            <a:off x="2448000" y="81720"/>
-            <a:ext cx="900000" cy="360000"/>
-          </a:xfrm>
-          <a:prstGeom prst="rect">
-            <a:avLst/>
-          </a:prstGeom>
-          <a:noFill/>
-          <a:ln w="0">
-            <a:noFill/>
-          </a:ln>
-        </p:spPr>
+            <a:off x="3059640" y="81360"/>
+            <a:ext cx="1124640" cy="359640"/>
+          </a:xfrm>
+          <a:prstGeom prst="rect">
+            <a:avLst/>
+          </a:prstGeom>
+          <a:noFill/>
+          <a:ln w="0">
+            <a:noFill/>
+          </a:ln>
+        </p:spPr>
+        <p:style>
+          <a:lnRef idx="0"/>
+          <a:fillRef idx="0"/>
+          <a:effectRef idx="0"/>
+          <a:fontRef idx="minor"/>
+        </p:style>
         <p:txBody>
           <a:bodyPr lIns="90000" rIns="90000" tIns="45000" bIns="45000" anchor="ctr">
             <a:noAutofit/>
           </a:bodyPr>
           <a:p>
-            <a:pPr algn="ctr"/>
+            <a:pPr algn="ctr">
+              <a:lnSpc>
+                <a:spcPct val="100000"/>
+              </a:lnSpc>
+            </a:pPr>
             <a:r>
               <a:rPr b="1" lang="pt-BR" sz="1800" spc="-1" strike="noStrike">
                 <a:solidFill>
@@ -3125,7 +3171,7 @@
               </a:rPr>
               <a:t>User</a:t>
             </a:r>
-            <a:endParaRPr b="1" lang="pt-BR" sz="1800" spc="-1" strike="noStrike">
+            <a:endParaRPr b="0" lang="pt-BR" sz="1800" spc="-1" strike="noStrike">
               <a:solidFill>
                 <a:srgbClr val="000000"/>
               </a:solidFill>
@@ -3142,8 +3188,8 @@
         </p:nvSpPr>
         <p:spPr>
           <a:xfrm>
-            <a:off x="3600000" y="720000"/>
-            <a:ext cx="1620000" cy="0"/>
+            <a:off x="4499280" y="719640"/>
+            <a:ext cx="2025000" cy="360"/>
           </a:xfrm>
           <a:prstGeom prst="line">
             <a:avLst/>
@@ -3172,6 +3218,7 @@
                 <a:srgbClr val="000000"/>
               </a:solidFill>
               <a:latin typeface="Arial"/>
+              <a:ea typeface="DejaVu Sans"/>
             </a:endParaRPr>
           </a:p>
         </p:txBody>
@@ -3188,8 +3235,8 @@
         </p:blipFill>
         <p:spPr>
           <a:xfrm>
-            <a:off x="5543640" y="504000"/>
-            <a:ext cx="648360" cy="648360"/>
+            <a:off x="6928920" y="503640"/>
+            <a:ext cx="810000" cy="648000"/>
           </a:xfrm>
           <a:prstGeom prst="rect">
             <a:avLst/>
@@ -3202,28 +3249,38 @@
       <p:sp>
         <p:nvSpPr>
           <p:cNvPr id="46" name=""/>
-          <p:cNvSpPr txBox="1"/>
+          <p:cNvSpPr/>
           <p:nvPr/>
         </p:nvSpPr>
         <p:spPr>
           <a:xfrm>
-            <a:off x="5400000" y="108000"/>
-            <a:ext cx="900000" cy="360000"/>
-          </a:xfrm>
-          <a:prstGeom prst="rect">
-            <a:avLst/>
-          </a:prstGeom>
-          <a:noFill/>
-          <a:ln w="0">
-            <a:noFill/>
-          </a:ln>
-        </p:spPr>
+            <a:off x="6749280" y="107640"/>
+            <a:ext cx="1124640" cy="359640"/>
+          </a:xfrm>
+          <a:prstGeom prst="rect">
+            <a:avLst/>
+          </a:prstGeom>
+          <a:noFill/>
+          <a:ln w="0">
+            <a:noFill/>
+          </a:ln>
+        </p:spPr>
+        <p:style>
+          <a:lnRef idx="0"/>
+          <a:fillRef idx="0"/>
+          <a:effectRef idx="0"/>
+          <a:fontRef idx="minor"/>
+        </p:style>
         <p:txBody>
           <a:bodyPr lIns="90000" rIns="90000" tIns="45000" bIns="45000" anchor="ctr">
             <a:noAutofit/>
           </a:bodyPr>
           <a:p>
-            <a:pPr algn="ctr"/>
+            <a:pPr algn="ctr">
+              <a:lnSpc>
+                <a:spcPct val="100000"/>
+              </a:lnSpc>
+            </a:pPr>
             <a:r>
               <a:rPr b="1" lang="pt-BR" sz="1800" spc="-1" strike="noStrike">
                 <a:solidFill>
@@ -3233,7 +3290,7 @@
               </a:rPr>
               <a:t>Bank</a:t>
             </a:r>
-            <a:endParaRPr b="1" lang="pt-BR" sz="1800" spc="-1" strike="noStrike">
+            <a:endParaRPr b="0" lang="pt-BR" sz="1800" spc="-1" strike="noStrike">
               <a:solidFill>
                 <a:srgbClr val="000000"/>
               </a:solidFill>
@@ -3245,27 +3302,38 @@
       <p:sp>
         <p:nvSpPr>
           <p:cNvPr id="47" name=""/>
-          <p:cNvSpPr txBox="1"/>
+          <p:cNvSpPr/>
           <p:nvPr/>
         </p:nvSpPr>
         <p:spPr>
           <a:xfrm>
-            <a:off x="4536000" y="1198080"/>
-            <a:ext cx="2700000" cy="602280"/>
-          </a:xfrm>
-          <a:prstGeom prst="rect">
-            <a:avLst/>
-          </a:prstGeom>
-          <a:noFill/>
-          <a:ln w="0">
-            <a:noFill/>
-          </a:ln>
-        </p:spPr>
+            <a:off x="5669280" y="1197720"/>
+            <a:ext cx="3374280" cy="601920"/>
+          </a:xfrm>
+          <a:prstGeom prst="rect">
+            <a:avLst/>
+          </a:prstGeom>
+          <a:noFill/>
+          <a:ln w="0">
+            <a:noFill/>
+          </a:ln>
+        </p:spPr>
+        <p:style>
+          <a:lnRef idx="0"/>
+          <a:fillRef idx="0"/>
+          <a:effectRef idx="0"/>
+          <a:fontRef idx="minor"/>
+        </p:style>
         <p:txBody>
           <a:bodyPr lIns="90000" rIns="90000" tIns="45000" bIns="45000" anchor="t">
             <a:noAutofit/>
           </a:bodyPr>
           <a:p>
+            <a:pPr>
+              <a:lnSpc>
+                <a:spcPct val="100000"/>
+              </a:lnSpc>
+            </a:pPr>
             <a:r>
               <a:rPr b="0" lang="pt-BR" sz="1800" spc="-1" strike="noStrike">
                 <a:solidFill>
@@ -3292,8 +3360,8 @@
         </p:nvSpPr>
         <p:spPr>
           <a:xfrm flipH="1">
-            <a:off x="4428000" y="1872000"/>
-            <a:ext cx="540000" cy="900000"/>
+            <a:off x="5534280" y="1871640"/>
+            <a:ext cx="675000" cy="900000"/>
           </a:xfrm>
           <a:prstGeom prst="line">
             <a:avLst/>
@@ -3322,6 +3390,7 @@
                 <a:srgbClr val="000000"/>
               </a:solidFill>
               <a:latin typeface="Arial"/>
+              <a:ea typeface="DejaVu Sans"/>
             </a:endParaRPr>
           </a:p>
         </p:txBody>
@@ -3329,27 +3398,38 @@
       <p:sp>
         <p:nvSpPr>
           <p:cNvPr id="49" name=""/>
-          <p:cNvSpPr txBox="1"/>
+          <p:cNvSpPr/>
           <p:nvPr/>
         </p:nvSpPr>
         <p:spPr>
           <a:xfrm>
-            <a:off x="1980000" y="4176000"/>
-            <a:ext cx="3240000" cy="1260000"/>
-          </a:xfrm>
-          <a:prstGeom prst="rect">
-            <a:avLst/>
-          </a:prstGeom>
-          <a:noFill/>
-          <a:ln w="0">
-            <a:noFill/>
-          </a:ln>
-        </p:spPr>
+            <a:off x="2474640" y="4175280"/>
+            <a:ext cx="4049280" cy="1259640"/>
+          </a:xfrm>
+          <a:prstGeom prst="rect">
+            <a:avLst/>
+          </a:prstGeom>
+          <a:noFill/>
+          <a:ln w="0">
+            <a:noFill/>
+          </a:ln>
+        </p:spPr>
+        <p:style>
+          <a:lnRef idx="0"/>
+          <a:fillRef idx="0"/>
+          <a:effectRef idx="0"/>
+          <a:fontRef idx="minor"/>
+        </p:style>
         <p:txBody>
           <a:bodyPr lIns="90000" rIns="90000" tIns="45000" bIns="45000" anchor="t">
             <a:noAutofit/>
           </a:bodyPr>
           <a:p>
+            <a:pPr>
+              <a:lnSpc>
+                <a:spcPct val="100000"/>
+              </a:lnSpc>
+            </a:pPr>
             <a:r>
               <a:rPr b="0" lang="pt-BR" sz="1800" spc="-1" strike="noStrike">
                 <a:solidFill>
@@ -3371,28 +3451,38 @@
       <p:sp>
         <p:nvSpPr>
           <p:cNvPr id="50" name=""/>
-          <p:cNvSpPr txBox="1"/>
+          <p:cNvSpPr/>
           <p:nvPr/>
         </p:nvSpPr>
         <p:spPr>
           <a:xfrm>
-            <a:off x="3996000" y="2772000"/>
-            <a:ext cx="720000" cy="422280"/>
-          </a:xfrm>
-          <a:prstGeom prst="rect">
-            <a:avLst/>
-          </a:prstGeom>
-          <a:noFill/>
-          <a:ln w="0">
-            <a:noFill/>
-          </a:ln>
-        </p:spPr>
+            <a:off x="4994280" y="2771640"/>
+            <a:ext cx="899640" cy="421920"/>
+          </a:xfrm>
+          <a:prstGeom prst="rect">
+            <a:avLst/>
+          </a:prstGeom>
+          <a:noFill/>
+          <a:ln w="0">
+            <a:noFill/>
+          </a:ln>
+        </p:spPr>
+        <p:style>
+          <a:lnRef idx="0"/>
+          <a:fillRef idx="0"/>
+          <a:effectRef idx="0"/>
+          <a:fontRef idx="minor"/>
+        </p:style>
         <p:txBody>
           <a:bodyPr lIns="90000" rIns="90000" tIns="45000" bIns="45000" anchor="ctr">
             <a:noAutofit/>
           </a:bodyPr>
           <a:p>
-            <a:pPr algn="ctr"/>
+            <a:pPr algn="ctr">
+              <a:lnSpc>
+                <a:spcPct val="100000"/>
+              </a:lnSpc>
+            </a:pPr>
             <a:r>
               <a:rPr b="1" lang="pt-BR" sz="1800" spc="-1" strike="noStrike">
                 <a:solidFill>
@@ -3402,7 +3492,7 @@
               </a:rPr>
               <a:t>NO</a:t>
             </a:r>
-            <a:endParaRPr b="1" lang="pt-BR" sz="1800" spc="-1" strike="noStrike">
+            <a:endParaRPr b="0" lang="pt-BR" sz="1800" spc="-1" strike="noStrike">
               <a:solidFill>
                 <a:srgbClr val="000000"/>
               </a:solidFill>
@@ -3419,8 +3509,8 @@
         </p:nvSpPr>
         <p:spPr>
           <a:xfrm flipH="1">
-            <a:off x="3687840" y="3213360"/>
-            <a:ext cx="540000" cy="900000"/>
+            <a:off x="4609440" y="3212640"/>
+            <a:ext cx="675000" cy="900000"/>
           </a:xfrm>
           <a:prstGeom prst="line">
             <a:avLst/>
@@ -3449,6 +3539,7 @@
                 <a:srgbClr val="000000"/>
               </a:solidFill>
               <a:latin typeface="Arial"/>
+              <a:ea typeface="DejaVu Sans"/>
             </a:endParaRPr>
           </a:p>
         </p:txBody>
@@ -3461,8 +3552,8 @@
         </p:nvSpPr>
         <p:spPr>
           <a:xfrm>
-            <a:off x="5816160" y="1872000"/>
-            <a:ext cx="540000" cy="900000"/>
+            <a:off x="7269480" y="1871640"/>
+            <a:ext cx="675000" cy="900000"/>
           </a:xfrm>
           <a:prstGeom prst="line">
             <a:avLst/>
@@ -3491,6 +3582,7 @@
                 <a:srgbClr val="000000"/>
               </a:solidFill>
               <a:latin typeface="Arial"/>
+              <a:ea typeface="DejaVu Sans"/>
             </a:endParaRPr>
           </a:p>
         </p:txBody>
@@ -3498,28 +3590,38 @@
       <p:sp>
         <p:nvSpPr>
           <p:cNvPr id="53" name=""/>
-          <p:cNvSpPr txBox="1"/>
+          <p:cNvSpPr/>
           <p:nvPr/>
         </p:nvSpPr>
         <p:spPr>
           <a:xfrm>
-            <a:off x="6104160" y="2772000"/>
-            <a:ext cx="720000" cy="422280"/>
-          </a:xfrm>
-          <a:prstGeom prst="rect">
-            <a:avLst/>
-          </a:prstGeom>
-          <a:noFill/>
-          <a:ln w="0">
-            <a:noFill/>
-          </a:ln>
-        </p:spPr>
+            <a:off x="7629480" y="2771640"/>
+            <a:ext cx="899640" cy="421920"/>
+          </a:xfrm>
+          <a:prstGeom prst="rect">
+            <a:avLst/>
+          </a:prstGeom>
+          <a:noFill/>
+          <a:ln w="0">
+            <a:noFill/>
+          </a:ln>
+        </p:spPr>
+        <p:style>
+          <a:lnRef idx="0"/>
+          <a:fillRef idx="0"/>
+          <a:effectRef idx="0"/>
+          <a:fontRef idx="minor"/>
+        </p:style>
         <p:txBody>
           <a:bodyPr lIns="90000" rIns="90000" tIns="45000" bIns="45000" anchor="ctr">
             <a:noAutofit/>
           </a:bodyPr>
           <a:p>
-            <a:pPr algn="ctr"/>
+            <a:pPr algn="ctr">
+              <a:lnSpc>
+                <a:spcPct val="100000"/>
+              </a:lnSpc>
+            </a:pPr>
             <a:r>
               <a:rPr b="1" lang="pt-BR" sz="1800" spc="-1" strike="noStrike">
                 <a:solidFill>
@@ -3529,7 +3631,7 @@
               </a:rPr>
               <a:t>YES</a:t>
             </a:r>
-            <a:endParaRPr b="1" lang="pt-BR" sz="1800" spc="-1" strike="noStrike">
+            <a:endParaRPr b="0" lang="pt-BR" sz="1800" spc="-1" strike="noStrike">
               <a:solidFill>
                 <a:srgbClr val="000000"/>
               </a:solidFill>
@@ -3546,8 +3648,8 @@
         </p:nvSpPr>
         <p:spPr>
           <a:xfrm>
-            <a:off x="6588000" y="3213360"/>
-            <a:ext cx="540000" cy="900000"/>
+            <a:off x="8233920" y="3212640"/>
+            <a:ext cx="675000" cy="900000"/>
           </a:xfrm>
           <a:prstGeom prst="line">
             <a:avLst/>
@@ -3576,6 +3678,7 @@
                 <a:srgbClr val="000000"/>
               </a:solidFill>
               <a:latin typeface="Arial"/>
+              <a:ea typeface="DejaVu Sans"/>
             </a:endParaRPr>
           </a:p>
         </p:txBody>
@@ -3583,27 +3686,38 @@
       <p:sp>
         <p:nvSpPr>
           <p:cNvPr id="55" name=""/>
-          <p:cNvSpPr txBox="1"/>
+          <p:cNvSpPr/>
           <p:nvPr/>
         </p:nvSpPr>
         <p:spPr>
           <a:xfrm>
-            <a:off x="6156000" y="4176000"/>
-            <a:ext cx="3240000" cy="1260000"/>
-          </a:xfrm>
-          <a:prstGeom prst="rect">
-            <a:avLst/>
-          </a:prstGeom>
-          <a:noFill/>
-          <a:ln w="0">
-            <a:noFill/>
-          </a:ln>
-        </p:spPr>
+            <a:off x="7694280" y="4175280"/>
+            <a:ext cx="4049280" cy="1259640"/>
+          </a:xfrm>
+          <a:prstGeom prst="rect">
+            <a:avLst/>
+          </a:prstGeom>
+          <a:noFill/>
+          <a:ln w="0">
+            <a:noFill/>
+          </a:ln>
+        </p:spPr>
+        <p:style>
+          <a:lnRef idx="0"/>
+          <a:fillRef idx="0"/>
+          <a:effectRef idx="0"/>
+          <a:fontRef idx="minor"/>
+        </p:style>
         <p:txBody>
           <a:bodyPr lIns="90000" rIns="90000" tIns="45000" bIns="45000" anchor="t">
             <a:noAutofit/>
           </a:bodyPr>
           <a:p>
+            <a:pPr>
+              <a:lnSpc>
+                <a:spcPct val="100000"/>
+              </a:lnSpc>
+            </a:pPr>
             <a:r>
               <a:rPr b="0" lang="pt-BR" sz="1800" spc="-1" strike="noStrike">
                 <a:solidFill>
@@ -3614,6 +3728,933 @@
               <a:t>Perfect! Let’s continue.</a:t>
             </a:r>
             <a:endParaRPr b="0" lang="pt-BR" sz="1800" spc="-1" strike="noStrike">
+              <a:solidFill>
+                <a:srgbClr val="000000"/>
+              </a:solidFill>
+              <a:latin typeface="Arial"/>
+            </a:endParaRPr>
+          </a:p>
+        </p:txBody>
+      </p:sp>
+    </p:spTree>
+  </p:cSld>
+  <mc:AlternateContent>
+    <mc:Choice Requires="p14">
+      <p:transition spd="slow" p14:dur="2000"/>
+    </mc:Choice>
+    <mc:Fallback>
+      <p:transition spd="slow"/>
+    </mc:Fallback>
+  </mc:AlternateContent>
+</p:sld>
+</file>
+
+<file path=ppt/slides/slide2.xml><?xml version="1.0" encoding="utf-8"?>
+<p:sld xmlns:a="http://schemas.openxmlformats.org/drawingml/2006/main" xmlns:p="http://schemas.openxmlformats.org/presentationml/2006/main" xmlns:r="http://schemas.openxmlformats.org/officeDocument/2006/relationships" xmlns:p14="http://schemas.microsoft.com/office/powerpoint/2010/main" xmlns:p15="http://schemas.microsoft.com/office/powerpoint/2012/main" xmlns:mc="http://schemas.openxmlformats.org/markup-compatibility/2006">
+  <p:cSld>
+    <p:spTree>
+      <p:nvGrpSpPr>
+        <p:cNvPr id="1" name=""/>
+        <p:cNvGrpSpPr/>
+        <p:nvPr/>
+      </p:nvGrpSpPr>
+      <p:grpSpPr>
+        <a:xfrm>
+          <a:off x="0" y="0"/>
+          <a:ext cx="0" cy="0"/>
+          <a:chOff x="0" y="0"/>
+          <a:chExt cx="0" cy="0"/>
+        </a:xfrm>
+      </p:grpSpPr>
+      <p:sp>
+        <p:nvSpPr>
+          <p:cNvPr id="56" name=""/>
+          <p:cNvSpPr/>
+          <p:nvPr/>
+        </p:nvSpPr>
+        <p:spPr>
+          <a:xfrm>
+            <a:off x="224640" y="1269720"/>
+            <a:ext cx="1575360" cy="1142280"/>
+          </a:xfrm>
+          <a:prstGeom prst="rect">
+            <a:avLst/>
+          </a:prstGeom>
+          <a:noFill/>
+          <a:ln w="0">
+            <a:noFill/>
+          </a:ln>
+        </p:spPr>
+        <p:style>
+          <a:lnRef idx="0"/>
+          <a:fillRef idx="0"/>
+          <a:effectRef idx="0"/>
+          <a:fontRef idx="minor"/>
+        </p:style>
+        <p:txBody>
+          <a:bodyPr lIns="90000" rIns="90000" tIns="45000" bIns="45000" anchor="t">
+            <a:noAutofit/>
+          </a:bodyPr>
+          <a:p>
+            <a:pPr>
+              <a:lnSpc>
+                <a:spcPct val="100000"/>
+              </a:lnSpc>
+            </a:pPr>
+            <a:r>
+              <a:rPr b="0" lang="pt-BR" sz="1500" spc="-1" strike="noStrike">
+                <a:solidFill>
+                  <a:srgbClr val="000000"/>
+                </a:solidFill>
+                <a:latin typeface="Arial"/>
+              </a:rPr>
+              <a:t>Hey! I want to acquire a loan please 💵</a:t>
+            </a:r>
+            <a:endParaRPr b="0" lang="pt-BR" sz="1500" spc="-1" strike="noStrike">
+              <a:solidFill>
+                <a:srgbClr val="000000"/>
+              </a:solidFill>
+              <a:latin typeface="Arial"/>
+            </a:endParaRPr>
+          </a:p>
+        </p:txBody>
+      </p:sp>
+      <p:pic>
+        <p:nvPicPr>
+          <p:cNvPr id="57" name="" descr=""/>
+          <p:cNvPicPr/>
+          <p:nvPr/>
+        </p:nvPicPr>
+        <p:blipFill>
+          <a:blip r:embed="rId1"/>
+          <a:stretch/>
+        </p:blipFill>
+        <p:spPr>
+          <a:xfrm>
+            <a:off x="629640" y="467640"/>
+            <a:ext cx="630360" cy="648000"/>
+          </a:xfrm>
+          <a:prstGeom prst="rect">
+            <a:avLst/>
+          </a:prstGeom>
+          <a:ln w="0">
+            <a:noFill/>
+          </a:ln>
+        </p:spPr>
+      </p:pic>
+      <p:sp>
+        <p:nvSpPr>
+          <p:cNvPr id="58" name=""/>
+          <p:cNvSpPr/>
+          <p:nvPr/>
+        </p:nvSpPr>
+        <p:spPr>
+          <a:xfrm>
+            <a:off x="378000" y="35640"/>
+            <a:ext cx="1124640" cy="359640"/>
+          </a:xfrm>
+          <a:prstGeom prst="rect">
+            <a:avLst/>
+          </a:prstGeom>
+          <a:noFill/>
+          <a:ln w="0">
+            <a:noFill/>
+          </a:ln>
+        </p:spPr>
+        <p:style>
+          <a:lnRef idx="0"/>
+          <a:fillRef idx="0"/>
+          <a:effectRef idx="0"/>
+          <a:fontRef idx="minor"/>
+        </p:style>
+        <p:txBody>
+          <a:bodyPr lIns="90000" rIns="90000" tIns="45000" bIns="45000" anchor="ctr">
+            <a:noAutofit/>
+          </a:bodyPr>
+          <a:p>
+            <a:pPr algn="ctr">
+              <a:lnSpc>
+                <a:spcPct val="100000"/>
+              </a:lnSpc>
+            </a:pPr>
+            <a:r>
+              <a:rPr b="1" lang="pt-BR" sz="1800" spc="-1" strike="noStrike">
+                <a:solidFill>
+                  <a:srgbClr val="000000"/>
+                </a:solidFill>
+                <a:latin typeface="Arial"/>
+              </a:rPr>
+              <a:t>User</a:t>
+            </a:r>
+            <a:endParaRPr b="0" lang="pt-BR" sz="1800" spc="-1" strike="noStrike">
+              <a:solidFill>
+                <a:srgbClr val="000000"/>
+              </a:solidFill>
+              <a:latin typeface="Arial"/>
+            </a:endParaRPr>
+          </a:p>
+        </p:txBody>
+      </p:sp>
+      <p:sp>
+        <p:nvSpPr>
+          <p:cNvPr id="59" name=""/>
+          <p:cNvSpPr/>
+          <p:nvPr/>
+        </p:nvSpPr>
+        <p:spPr>
+          <a:xfrm>
+            <a:off x="1440000" y="792000"/>
+            <a:ext cx="720000" cy="0"/>
+          </a:xfrm>
+          <a:prstGeom prst="line">
+            <a:avLst/>
+          </a:prstGeom>
+          <a:ln w="108000">
+            <a:solidFill>
+              <a:srgbClr val="3465a4"/>
+            </a:solidFill>
+            <a:round/>
+            <a:tailEnd len="med" type="triangle" w="med"/>
+          </a:ln>
+        </p:spPr>
+        <p:style>
+          <a:lnRef idx="0"/>
+          <a:fillRef idx="0"/>
+          <a:effectRef idx="0"/>
+          <a:fontRef idx="minor"/>
+        </p:style>
+        <p:txBody>
+          <a:bodyPr lIns="144000" rIns="144000" tIns="-99000" bIns="-99000" anchor="ctr">
+            <a:noAutofit/>
+          </a:bodyPr>
+          <a:p>
+            <a:endParaRPr b="0" lang="pt-BR" sz="1800" spc="-1" strike="noStrike">
+              <a:solidFill>
+                <a:srgbClr val="000000"/>
+              </a:solidFill>
+              <a:latin typeface="Arial"/>
+              <a:ea typeface="DejaVu Sans"/>
+            </a:endParaRPr>
+          </a:p>
+        </p:txBody>
+      </p:sp>
+      <p:sp>
+        <p:nvSpPr>
+          <p:cNvPr id="60" name=""/>
+          <p:cNvSpPr/>
+          <p:nvPr/>
+        </p:nvSpPr>
+        <p:spPr>
+          <a:xfrm>
+            <a:off x="11249280" y="396000"/>
+            <a:ext cx="1350720" cy="782280"/>
+          </a:xfrm>
+          <a:prstGeom prst="rect">
+            <a:avLst/>
+          </a:prstGeom>
+          <a:noFill/>
+          <a:ln w="0">
+            <a:noFill/>
+          </a:ln>
+        </p:spPr>
+        <p:style>
+          <a:lnRef idx="0"/>
+          <a:fillRef idx="0"/>
+          <a:effectRef idx="0"/>
+          <a:fontRef idx="minor"/>
+        </p:style>
+        <p:txBody>
+          <a:bodyPr lIns="90000" rIns="90000" tIns="45000" bIns="45000" anchor="t">
+            <a:noAutofit/>
+          </a:bodyPr>
+          <a:p>
+            <a:pPr>
+              <a:lnSpc>
+                <a:spcPct val="100000"/>
+              </a:lnSpc>
+            </a:pPr>
+            <a:r>
+              <a:rPr b="0" lang="pt-BR" sz="1500" spc="-1" strike="noStrike">
+                <a:solidFill>
+                  <a:srgbClr val="000000"/>
+                </a:solidFill>
+                <a:latin typeface="Arial"/>
+              </a:rPr>
+              <a:t>Do you have a black credit card?</a:t>
+            </a:r>
+            <a:endParaRPr b="0" lang="pt-BR" sz="1500" spc="-1" strike="noStrike">
+              <a:solidFill>
+                <a:srgbClr val="000000"/>
+              </a:solidFill>
+              <a:latin typeface="Arial"/>
+            </a:endParaRPr>
+          </a:p>
+        </p:txBody>
+      </p:sp>
+      <p:sp>
+        <p:nvSpPr>
+          <p:cNvPr id="61" name=""/>
+          <p:cNvSpPr/>
+          <p:nvPr/>
+        </p:nvSpPr>
+        <p:spPr>
+          <a:xfrm>
+            <a:off x="11969280" y="1187640"/>
+            <a:ext cx="0" cy="684360"/>
+          </a:xfrm>
+          <a:prstGeom prst="line">
+            <a:avLst/>
+          </a:prstGeom>
+          <a:ln w="108000">
+            <a:solidFill>
+              <a:srgbClr val="3465a4"/>
+            </a:solidFill>
+            <a:round/>
+            <a:tailEnd len="med" type="triangle" w="med"/>
+          </a:ln>
+        </p:spPr>
+        <p:style>
+          <a:lnRef idx="0"/>
+          <a:fillRef idx="0"/>
+          <a:effectRef idx="0"/>
+          <a:fontRef idx="minor"/>
+        </p:style>
+        <p:txBody>
+          <a:bodyPr lIns="144000" rIns="144000" tIns="99000" bIns="99000" anchor="ctr">
+            <a:noAutofit/>
+          </a:bodyPr>
+          <a:p>
+            <a:endParaRPr b="0" lang="pt-BR" sz="1800" spc="-1" strike="noStrike">
+              <a:solidFill>
+                <a:srgbClr val="000000"/>
+              </a:solidFill>
+              <a:latin typeface="Arial"/>
+              <a:ea typeface="DejaVu Sans"/>
+            </a:endParaRPr>
+          </a:p>
+        </p:txBody>
+      </p:sp>
+      <p:sp>
+        <p:nvSpPr>
+          <p:cNvPr id="62" name=""/>
+          <p:cNvSpPr/>
+          <p:nvPr/>
+        </p:nvSpPr>
+        <p:spPr>
+          <a:xfrm>
+            <a:off x="10512000" y="3060000"/>
+            <a:ext cx="2969280" cy="1259640"/>
+          </a:xfrm>
+          <a:prstGeom prst="rect">
+            <a:avLst/>
+          </a:prstGeom>
+          <a:noFill/>
+          <a:ln w="0">
+            <a:noFill/>
+          </a:ln>
+        </p:spPr>
+        <p:style>
+          <a:lnRef idx="0"/>
+          <a:fillRef idx="0"/>
+          <a:effectRef idx="0"/>
+          <a:fontRef idx="minor"/>
+        </p:style>
+        <p:txBody>
+          <a:bodyPr lIns="90000" rIns="90000" tIns="45000" bIns="45000" anchor="t">
+            <a:noAutofit/>
+          </a:bodyPr>
+          <a:p>
+            <a:pPr>
+              <a:lnSpc>
+                <a:spcPct val="100000"/>
+              </a:lnSpc>
+            </a:pPr>
+            <a:r>
+              <a:rPr b="0" lang="pt-BR" sz="1500" spc="-1" strike="noStrike">
+                <a:solidFill>
+                  <a:srgbClr val="000000"/>
+                </a:solidFill>
+                <a:latin typeface="Arial"/>
+              </a:rPr>
+              <a:t>I’m sorry, this loan is available only for clients that have this black credit card. Can I help you with something eles?</a:t>
+            </a:r>
+            <a:endParaRPr b="0" lang="pt-BR" sz="1500" spc="-1" strike="noStrike">
+              <a:solidFill>
+                <a:srgbClr val="000000"/>
+              </a:solidFill>
+              <a:latin typeface="Arial"/>
+            </a:endParaRPr>
+          </a:p>
+        </p:txBody>
+      </p:sp>
+      <p:sp>
+        <p:nvSpPr>
+          <p:cNvPr id="63" name=""/>
+          <p:cNvSpPr/>
+          <p:nvPr/>
+        </p:nvSpPr>
+        <p:spPr>
+          <a:xfrm>
+            <a:off x="11510280" y="1835640"/>
+            <a:ext cx="899640" cy="421920"/>
+          </a:xfrm>
+          <a:prstGeom prst="rect">
+            <a:avLst/>
+          </a:prstGeom>
+          <a:noFill/>
+          <a:ln w="0">
+            <a:noFill/>
+          </a:ln>
+        </p:spPr>
+        <p:style>
+          <a:lnRef idx="0"/>
+          <a:fillRef idx="0"/>
+          <a:effectRef idx="0"/>
+          <a:fontRef idx="minor"/>
+        </p:style>
+        <p:txBody>
+          <a:bodyPr lIns="90000" rIns="90000" tIns="45000" bIns="45000" anchor="ctr">
+            <a:noAutofit/>
+          </a:bodyPr>
+          <a:p>
+            <a:pPr algn="ctr">
+              <a:lnSpc>
+                <a:spcPct val="100000"/>
+              </a:lnSpc>
+            </a:pPr>
+            <a:r>
+              <a:rPr b="1" lang="pt-BR" sz="1800" spc="-1" strike="noStrike">
+                <a:solidFill>
+                  <a:srgbClr val="000000"/>
+                </a:solidFill>
+                <a:latin typeface="Arial"/>
+              </a:rPr>
+              <a:t>NO</a:t>
+            </a:r>
+            <a:endParaRPr b="0" lang="pt-BR" sz="1800" spc="-1" strike="noStrike">
+              <a:solidFill>
+                <a:srgbClr val="000000"/>
+              </a:solidFill>
+              <a:latin typeface="Arial"/>
+            </a:endParaRPr>
+          </a:p>
+        </p:txBody>
+      </p:sp>
+      <p:sp>
+        <p:nvSpPr>
+          <p:cNvPr id="64" name=""/>
+          <p:cNvSpPr/>
+          <p:nvPr/>
+        </p:nvSpPr>
+        <p:spPr>
+          <a:xfrm>
+            <a:off x="12681000" y="756000"/>
+            <a:ext cx="675000" cy="0"/>
+          </a:xfrm>
+          <a:prstGeom prst="line">
+            <a:avLst/>
+          </a:prstGeom>
+          <a:ln w="108000">
+            <a:solidFill>
+              <a:srgbClr val="3465a4"/>
+            </a:solidFill>
+            <a:round/>
+            <a:tailEnd len="med" type="triangle" w="med"/>
+          </a:ln>
+        </p:spPr>
+        <p:style>
+          <a:lnRef idx="0"/>
+          <a:fillRef idx="0"/>
+          <a:effectRef idx="0"/>
+          <a:fontRef idx="minor"/>
+        </p:style>
+        <p:txBody>
+          <a:bodyPr lIns="144000" rIns="144000" tIns="-99000" bIns="-99000" anchor="ctr">
+            <a:noAutofit/>
+          </a:bodyPr>
+          <a:p>
+            <a:endParaRPr b="0" lang="pt-BR" sz="1800" spc="-1" strike="noStrike">
+              <a:solidFill>
+                <a:srgbClr val="000000"/>
+              </a:solidFill>
+              <a:latin typeface="Arial"/>
+              <a:ea typeface="DejaVu Sans"/>
+            </a:endParaRPr>
+          </a:p>
+        </p:txBody>
+      </p:sp>
+      <p:sp>
+        <p:nvSpPr>
+          <p:cNvPr id="65" name=""/>
+          <p:cNvSpPr/>
+          <p:nvPr/>
+        </p:nvSpPr>
+        <p:spPr>
+          <a:xfrm>
+            <a:off x="2268000" y="432000"/>
+            <a:ext cx="1215360" cy="720000"/>
+          </a:xfrm>
+          <a:prstGeom prst="rect">
+            <a:avLst/>
+          </a:prstGeom>
+          <a:noFill/>
+          <a:ln w="0">
+            <a:noFill/>
+          </a:ln>
+        </p:spPr>
+        <p:style>
+          <a:lnRef idx="0"/>
+          <a:fillRef idx="0"/>
+          <a:effectRef idx="0"/>
+          <a:fontRef idx="minor"/>
+        </p:style>
+        <p:txBody>
+          <a:bodyPr lIns="90000" rIns="90000" tIns="45000" bIns="45000" anchor="ctr">
+            <a:noAutofit/>
+          </a:bodyPr>
+          <a:p>
+            <a:pPr>
+              <a:lnSpc>
+                <a:spcPct val="100000"/>
+              </a:lnSpc>
+            </a:pPr>
+            <a:r>
+              <a:rPr b="0" lang="pt-BR" sz="1500" spc="-1" strike="noStrike">
+                <a:solidFill>
+                  <a:srgbClr val="000000"/>
+                </a:solidFill>
+                <a:latin typeface="Arial"/>
+              </a:rPr>
+              <a:t>What is your name?</a:t>
+            </a:r>
+            <a:endParaRPr b="0" lang="pt-BR" sz="1500" spc="-1" strike="noStrike">
+              <a:solidFill>
+                <a:srgbClr val="000000"/>
+              </a:solidFill>
+              <a:latin typeface="Arial"/>
+            </a:endParaRPr>
+          </a:p>
+        </p:txBody>
+      </p:sp>
+      <p:sp>
+        <p:nvSpPr>
+          <p:cNvPr id="66" name=""/>
+          <p:cNvSpPr/>
+          <p:nvPr/>
+        </p:nvSpPr>
+        <p:spPr>
+          <a:xfrm>
+            <a:off x="3456000" y="792000"/>
+            <a:ext cx="720000" cy="0"/>
+          </a:xfrm>
+          <a:prstGeom prst="line">
+            <a:avLst/>
+          </a:prstGeom>
+          <a:ln w="108000">
+            <a:solidFill>
+              <a:srgbClr val="3465a4"/>
+            </a:solidFill>
+            <a:round/>
+            <a:tailEnd len="med" type="triangle" w="med"/>
+          </a:ln>
+        </p:spPr>
+        <p:style>
+          <a:lnRef idx="0"/>
+          <a:fillRef idx="0"/>
+          <a:effectRef idx="0"/>
+          <a:fontRef idx="minor"/>
+        </p:style>
+        <p:txBody>
+          <a:bodyPr lIns="144000" rIns="144000" tIns="-99000" bIns="-99000" anchor="ctr">
+            <a:noAutofit/>
+          </a:bodyPr>
+          <a:p>
+            <a:endParaRPr b="0" lang="pt-BR" sz="1800" spc="-1" strike="noStrike">
+              <a:solidFill>
+                <a:srgbClr val="000000"/>
+              </a:solidFill>
+              <a:latin typeface="Arial"/>
+              <a:ea typeface="DejaVu Sans"/>
+            </a:endParaRPr>
+          </a:p>
+        </p:txBody>
+      </p:sp>
+      <p:sp>
+        <p:nvSpPr>
+          <p:cNvPr id="67" name=""/>
+          <p:cNvSpPr/>
+          <p:nvPr/>
+        </p:nvSpPr>
+        <p:spPr>
+          <a:xfrm>
+            <a:off x="4184640" y="432000"/>
+            <a:ext cx="1215360" cy="720000"/>
+          </a:xfrm>
+          <a:prstGeom prst="rect">
+            <a:avLst/>
+          </a:prstGeom>
+          <a:noFill/>
+          <a:ln w="0">
+            <a:noFill/>
+          </a:ln>
+        </p:spPr>
+        <p:style>
+          <a:lnRef idx="0"/>
+          <a:fillRef idx="0"/>
+          <a:effectRef idx="0"/>
+          <a:fontRef idx="minor"/>
+        </p:style>
+        <p:txBody>
+          <a:bodyPr lIns="90000" rIns="90000" tIns="45000" bIns="45000" anchor="ctr">
+            <a:noAutofit/>
+          </a:bodyPr>
+          <a:p>
+            <a:pPr>
+              <a:lnSpc>
+                <a:spcPct val="100000"/>
+              </a:lnSpc>
+            </a:pPr>
+            <a:r>
+              <a:rPr b="0" lang="pt-BR" sz="1500" spc="-1" strike="noStrike">
+                <a:solidFill>
+                  <a:srgbClr val="000000"/>
+                </a:solidFill>
+                <a:latin typeface="Arial"/>
+              </a:rPr>
+              <a:t>What is your social ID?</a:t>
+            </a:r>
+            <a:endParaRPr b="0" lang="pt-BR" sz="1500" spc="-1" strike="noStrike">
+              <a:solidFill>
+                <a:srgbClr val="000000"/>
+              </a:solidFill>
+              <a:latin typeface="Arial"/>
+            </a:endParaRPr>
+          </a:p>
+        </p:txBody>
+      </p:sp>
+      <p:sp>
+        <p:nvSpPr>
+          <p:cNvPr id="68" name=""/>
+          <p:cNvSpPr/>
+          <p:nvPr/>
+        </p:nvSpPr>
+        <p:spPr>
+          <a:xfrm>
+            <a:off x="11484000" y="396000"/>
+            <a:ext cx="900000" cy="756000"/>
+          </a:xfrm>
+          <a:prstGeom prst="rect">
+            <a:avLst/>
+          </a:prstGeom>
+          <a:noFill/>
+          <a:ln w="0">
+            <a:noFill/>
+          </a:ln>
+        </p:spPr>
+        <p:style>
+          <a:lnRef idx="0"/>
+          <a:fillRef idx="0"/>
+          <a:effectRef idx="0"/>
+          <a:fontRef idx="minor"/>
+        </p:style>
+        <p:txBody>
+          <a:bodyPr lIns="90000" rIns="90000" tIns="45000" bIns="45000" anchor="t">
+            <a:noAutofit/>
+          </a:bodyPr>
+          <a:p>
+            <a:pPr>
+              <a:lnSpc>
+                <a:spcPct val="100000"/>
+              </a:lnSpc>
+            </a:pPr>
+            <a:r>
+              <a:rPr b="0" lang="pt-BR" sz="2600" spc="-1" strike="noStrike">
+                <a:solidFill>
+                  <a:srgbClr val="000000"/>
+                </a:solidFill>
+                <a:latin typeface="Arial"/>
+              </a:rPr>
+              <a:t>...</a:t>
+            </a:r>
+            <a:endParaRPr b="0" lang="pt-BR" sz="2600" spc="-1" strike="noStrike">
+              <a:solidFill>
+                <a:srgbClr val="000000"/>
+              </a:solidFill>
+              <a:latin typeface="Arial"/>
+            </a:endParaRPr>
+          </a:p>
+        </p:txBody>
+      </p:sp>
+      <p:sp>
+        <p:nvSpPr>
+          <p:cNvPr id="69" name=""/>
+          <p:cNvSpPr/>
+          <p:nvPr/>
+        </p:nvSpPr>
+        <p:spPr>
+          <a:xfrm>
+            <a:off x="11969280" y="2313000"/>
+            <a:ext cx="0" cy="684360"/>
+          </a:xfrm>
+          <a:prstGeom prst="line">
+            <a:avLst/>
+          </a:prstGeom>
+          <a:ln w="108000">
+            <a:solidFill>
+              <a:srgbClr val="3465a4"/>
+            </a:solidFill>
+            <a:round/>
+            <a:tailEnd len="med" type="triangle" w="med"/>
+          </a:ln>
+        </p:spPr>
+        <p:style>
+          <a:lnRef idx="0"/>
+          <a:fillRef idx="0"/>
+          <a:effectRef idx="0"/>
+          <a:fontRef idx="minor"/>
+        </p:style>
+        <p:txBody>
+          <a:bodyPr lIns="144000" rIns="144000" tIns="99000" bIns="99000" anchor="ctr">
+            <a:noAutofit/>
+          </a:bodyPr>
+          <a:p>
+            <a:endParaRPr b="0" lang="pt-BR" sz="1800" spc="-1" strike="noStrike">
+              <a:solidFill>
+                <a:srgbClr val="000000"/>
+              </a:solidFill>
+              <a:latin typeface="Arial"/>
+              <a:ea typeface="DejaVu Sans"/>
+            </a:endParaRPr>
+          </a:p>
+        </p:txBody>
+      </p:sp>
+      <p:sp>
+        <p:nvSpPr>
+          <p:cNvPr id="70" name=""/>
+          <p:cNvSpPr/>
+          <p:nvPr/>
+        </p:nvSpPr>
+        <p:spPr>
+          <a:xfrm>
+            <a:off x="5256000" y="792000"/>
+            <a:ext cx="720000" cy="0"/>
+          </a:xfrm>
+          <a:prstGeom prst="line">
+            <a:avLst/>
+          </a:prstGeom>
+          <a:ln w="108000">
+            <a:solidFill>
+              <a:srgbClr val="3465a4"/>
+            </a:solidFill>
+            <a:round/>
+            <a:tailEnd len="med" type="triangle" w="med"/>
+          </a:ln>
+        </p:spPr>
+        <p:style>
+          <a:lnRef idx="0"/>
+          <a:fillRef idx="0"/>
+          <a:effectRef idx="0"/>
+          <a:fontRef idx="minor"/>
+        </p:style>
+        <p:txBody>
+          <a:bodyPr lIns="144000" rIns="144000" tIns="-99000" bIns="-99000" anchor="ctr">
+            <a:noAutofit/>
+          </a:bodyPr>
+          <a:p>
+            <a:endParaRPr b="0" lang="pt-BR" sz="1800" spc="-1" strike="noStrike">
+              <a:solidFill>
+                <a:srgbClr val="000000"/>
+              </a:solidFill>
+              <a:latin typeface="Arial"/>
+              <a:ea typeface="DejaVu Sans"/>
+            </a:endParaRPr>
+          </a:p>
+        </p:txBody>
+      </p:sp>
+      <p:sp>
+        <p:nvSpPr>
+          <p:cNvPr id="71" name=""/>
+          <p:cNvSpPr/>
+          <p:nvPr/>
+        </p:nvSpPr>
+        <p:spPr>
+          <a:xfrm>
+            <a:off x="6056640" y="432000"/>
+            <a:ext cx="1215360" cy="720000"/>
+          </a:xfrm>
+          <a:prstGeom prst="rect">
+            <a:avLst/>
+          </a:prstGeom>
+          <a:noFill/>
+          <a:ln w="0">
+            <a:noFill/>
+          </a:ln>
+        </p:spPr>
+        <p:style>
+          <a:lnRef idx="0"/>
+          <a:fillRef idx="0"/>
+          <a:effectRef idx="0"/>
+          <a:fontRef idx="minor"/>
+        </p:style>
+        <p:txBody>
+          <a:bodyPr lIns="90000" rIns="90000" tIns="45000" bIns="45000" anchor="ctr">
+            <a:noAutofit/>
+          </a:bodyPr>
+          <a:p>
+            <a:pPr>
+              <a:lnSpc>
+                <a:spcPct val="100000"/>
+              </a:lnSpc>
+            </a:pPr>
+            <a:r>
+              <a:rPr b="0" lang="pt-BR" sz="1500" spc="-1" strike="noStrike">
+                <a:solidFill>
+                  <a:srgbClr val="000000"/>
+                </a:solidFill>
+                <a:latin typeface="Arial"/>
+              </a:rPr>
+              <a:t>What is your home address?</a:t>
+            </a:r>
+            <a:endParaRPr b="0" lang="pt-BR" sz="1500" spc="-1" strike="noStrike">
+              <a:solidFill>
+                <a:srgbClr val="000000"/>
+              </a:solidFill>
+              <a:latin typeface="Arial"/>
+            </a:endParaRPr>
+          </a:p>
+        </p:txBody>
+      </p:sp>
+      <p:sp>
+        <p:nvSpPr>
+          <p:cNvPr id="72" name=""/>
+          <p:cNvSpPr/>
+          <p:nvPr/>
+        </p:nvSpPr>
+        <p:spPr>
+          <a:xfrm>
+            <a:off x="9360000" y="756000"/>
+            <a:ext cx="1709280" cy="0"/>
+          </a:xfrm>
+          <a:prstGeom prst="line">
+            <a:avLst/>
+          </a:prstGeom>
+          <a:ln w="108000">
+            <a:solidFill>
+              <a:srgbClr val="3465a4"/>
+            </a:solidFill>
+            <a:round/>
+            <a:tailEnd len="med" type="triangle" w="med"/>
+          </a:ln>
+        </p:spPr>
+        <p:style>
+          <a:lnRef idx="0"/>
+          <a:fillRef idx="0"/>
+          <a:effectRef idx="0"/>
+          <a:fontRef idx="minor"/>
+        </p:style>
+        <p:txBody>
+          <a:bodyPr lIns="144000" rIns="144000" tIns="-99000" bIns="-99000" anchor="ctr">
+            <a:noAutofit/>
+          </a:bodyPr>
+          <a:p>
+            <a:endParaRPr b="0" lang="pt-BR" sz="1800" spc="-1" strike="noStrike">
+              <a:solidFill>
+                <a:srgbClr val="000000"/>
+              </a:solidFill>
+              <a:latin typeface="Arial"/>
+              <a:ea typeface="DejaVu Sans"/>
+            </a:endParaRPr>
+          </a:p>
+        </p:txBody>
+      </p:sp>
+      <p:sp>
+        <p:nvSpPr>
+          <p:cNvPr id="73" name=""/>
+          <p:cNvSpPr/>
+          <p:nvPr/>
+        </p:nvSpPr>
+        <p:spPr>
+          <a:xfrm>
+            <a:off x="7200000" y="792000"/>
+            <a:ext cx="720000" cy="0"/>
+          </a:xfrm>
+          <a:prstGeom prst="line">
+            <a:avLst/>
+          </a:prstGeom>
+          <a:ln w="108000">
+            <a:solidFill>
+              <a:srgbClr val="3465a4"/>
+            </a:solidFill>
+            <a:round/>
+            <a:tailEnd len="med" type="triangle" w="med"/>
+          </a:ln>
+        </p:spPr>
+        <p:style>
+          <a:lnRef idx="0"/>
+          <a:fillRef idx="0"/>
+          <a:effectRef idx="0"/>
+          <a:fontRef idx="minor"/>
+        </p:style>
+        <p:txBody>
+          <a:bodyPr lIns="144000" rIns="144000" tIns="-99000" bIns="-99000" anchor="ctr">
+            <a:noAutofit/>
+          </a:bodyPr>
+          <a:p>
+            <a:endParaRPr b="0" lang="pt-BR" sz="1800" spc="-1" strike="noStrike">
+              <a:solidFill>
+                <a:srgbClr val="000000"/>
+              </a:solidFill>
+              <a:latin typeface="Arial"/>
+              <a:ea typeface="DejaVu Sans"/>
+            </a:endParaRPr>
+          </a:p>
+        </p:txBody>
+      </p:sp>
+      <p:sp>
+        <p:nvSpPr>
+          <p:cNvPr id="74" name=""/>
+          <p:cNvSpPr/>
+          <p:nvPr/>
+        </p:nvSpPr>
+        <p:spPr>
+          <a:xfrm>
+            <a:off x="7992000" y="432000"/>
+            <a:ext cx="1215360" cy="720000"/>
+          </a:xfrm>
+          <a:prstGeom prst="rect">
+            <a:avLst/>
+          </a:prstGeom>
+          <a:noFill/>
+          <a:ln w="0">
+            <a:noFill/>
+          </a:ln>
+        </p:spPr>
+        <p:style>
+          <a:lnRef idx="0"/>
+          <a:fillRef idx="0"/>
+          <a:effectRef idx="0"/>
+          <a:fontRef idx="minor"/>
+        </p:style>
+        <p:txBody>
+          <a:bodyPr lIns="90000" rIns="90000" tIns="45000" bIns="45000" anchor="ctr">
+            <a:noAutofit/>
+          </a:bodyPr>
+          <a:p>
+            <a:pPr>
+              <a:lnSpc>
+                <a:spcPct val="100000"/>
+              </a:lnSpc>
+            </a:pPr>
+            <a:r>
+              <a:rPr b="0" lang="pt-BR" sz="1500" spc="-1" strike="noStrike">
+                <a:solidFill>
+                  <a:srgbClr val="000000"/>
+                </a:solidFill>
+                <a:latin typeface="Arial"/>
+              </a:rPr>
+              <a:t>Do you have a car?</a:t>
+            </a:r>
+            <a:endParaRPr b="0" lang="pt-BR" sz="1500" spc="-1" strike="noStrike">
               <a:solidFill>
                 <a:srgbClr val="000000"/>
               </a:solidFill>
@@ -3640,10 +4681,10 @@
   <a:themeElements>
     <a:clrScheme name="Office">
       <a:dk1>
-        <a:sysClr val="windowText" lastClr="000000"/>
+        <a:srgbClr val="000000"/>
       </a:dk1>
       <a:lt1>
-        <a:sysClr val="window" lastClr="FFFFFF"/>
+        <a:srgbClr val="ffffff"/>
       </a:lt1>
       <a:dk2>
         <a:srgbClr val="1f497d"/>

--- a/posts/2023/2023-08-31-data-decisions/flow.pptx
+++ b/posts/2023/2023-08-31-data-decisions/flow.pptx
@@ -64,7 +64,7 @@
         <p:txBody>
           <a:bodyPr/>
           <a:p>
-            <a:fld id="{5577E346-1126-46B1-9F41-050A2C341C54}" type="slidenum">
+            <a:fld id="{16612194-EC65-41DB-B7E8-2AD916A6BC8F}" type="slidenum">
               <a:t>&lt;#&gt;</a:t>
             </a:fld>
           </a:p>
@@ -126,7 +126,7 @@
         <p:spPr>
           <a:xfrm>
             <a:off x="629640" y="225720"/>
-            <a:ext cx="11338200" cy="946080"/>
+            <a:ext cx="11337840" cy="945720"/>
           </a:xfrm>
           <a:prstGeom prst="rect">
             <a:avLst/>
@@ -166,7 +166,7 @@
         <p:spPr>
           <a:xfrm>
             <a:off x="630000" y="1326600"/>
-            <a:ext cx="11339640" cy="1568160"/>
+            <a:ext cx="11339280" cy="1568160"/>
           </a:xfrm>
           <a:prstGeom prst="rect">
             <a:avLst/>
@@ -209,7 +209,7 @@
         <p:spPr>
           <a:xfrm>
             <a:off x="630000" y="3044160"/>
-            <a:ext cx="11339640" cy="1568160"/>
+            <a:ext cx="11339280" cy="1568160"/>
           </a:xfrm>
           <a:prstGeom prst="rect">
             <a:avLst/>
@@ -273,7 +273,7 @@
         <p:txBody>
           <a:bodyPr/>
           <a:p>
-            <a:fld id="{07768ADD-1FDA-4CBF-88E6-B851B0119EA7}" type="slidenum">
+            <a:fld id="{EA196897-2F0D-4B61-B9CE-65E5E1E628E2}" type="slidenum">
               <a:t>&lt;#&gt;</a:t>
             </a:fld>
           </a:p>
@@ -335,7 +335,7 @@
         <p:spPr>
           <a:xfrm>
             <a:off x="629640" y="225720"/>
-            <a:ext cx="11338200" cy="946080"/>
+            <a:ext cx="11337840" cy="945720"/>
           </a:xfrm>
           <a:prstGeom prst="rect">
             <a:avLst/>
@@ -568,7 +568,7 @@
         <p:txBody>
           <a:bodyPr/>
           <a:p>
-            <a:fld id="{E446D761-CE81-457C-A65C-845CE18677BB}" type="slidenum">
+            <a:fld id="{5809A567-B5EA-4359-9F22-2CCE3C56AEE2}" type="slidenum">
               <a:t>&lt;#&gt;</a:t>
             </a:fld>
           </a:p>
@@ -630,7 +630,7 @@
         <p:spPr>
           <a:xfrm>
             <a:off x="629640" y="225720"/>
-            <a:ext cx="11338200" cy="946080"/>
+            <a:ext cx="11337840" cy="945720"/>
           </a:xfrm>
           <a:prstGeom prst="rect">
             <a:avLst/>
@@ -949,7 +949,7 @@
         <p:txBody>
           <a:bodyPr/>
           <a:p>
-            <a:fld id="{4CBC8F01-B803-4F12-A388-3F13DC9F9192}" type="slidenum">
+            <a:fld id="{76FFFE0D-478E-4FAF-9E41-5C6F85C4403D}" type="slidenum">
               <a:t>&lt;#&gt;</a:t>
             </a:fld>
           </a:p>
@@ -1011,7 +1011,7 @@
         <p:spPr>
           <a:xfrm>
             <a:off x="629640" y="225720"/>
-            <a:ext cx="11338200" cy="946080"/>
+            <a:ext cx="11337840" cy="945720"/>
           </a:xfrm>
           <a:prstGeom prst="rect">
             <a:avLst/>
@@ -1051,7 +1051,7 @@
         <p:spPr>
           <a:xfrm>
             <a:off x="630000" y="1326600"/>
-            <a:ext cx="11339640" cy="3288240"/>
+            <a:ext cx="11339280" cy="3287880"/>
           </a:xfrm>
           <a:prstGeom prst="rect">
             <a:avLst/>
@@ -1112,7 +1112,7 @@
         <p:txBody>
           <a:bodyPr/>
           <a:p>
-            <a:fld id="{AD22002B-4735-462B-B814-CEE648F99B32}" type="slidenum">
+            <a:fld id="{F6C8DE4B-2E99-4C55-A697-6AE98B1B236D}" type="slidenum">
               <a:t>&lt;#&gt;</a:t>
             </a:fld>
           </a:p>
@@ -1174,7 +1174,7 @@
         <p:spPr>
           <a:xfrm>
             <a:off x="629640" y="225720"/>
-            <a:ext cx="11338200" cy="946080"/>
+            <a:ext cx="11337840" cy="945720"/>
           </a:xfrm>
           <a:prstGeom prst="rect">
             <a:avLst/>
@@ -1214,7 +1214,7 @@
         <p:spPr>
           <a:xfrm>
             <a:off x="630000" y="1326600"/>
-            <a:ext cx="11339640" cy="3288240"/>
+            <a:ext cx="11339280" cy="3287880"/>
           </a:xfrm>
           <a:prstGeom prst="rect">
             <a:avLst/>
@@ -1278,7 +1278,7 @@
         <p:txBody>
           <a:bodyPr/>
           <a:p>
-            <a:fld id="{18BD1875-2769-4B20-A470-85FA117FEF20}" type="slidenum">
+            <a:fld id="{4CA98CD4-D844-499E-8AC6-E479A9FC73F1}" type="slidenum">
               <a:t>&lt;#&gt;</a:t>
             </a:fld>
           </a:p>
@@ -1340,7 +1340,7 @@
         <p:spPr>
           <a:xfrm>
             <a:off x="629640" y="225720"/>
-            <a:ext cx="11338200" cy="946080"/>
+            <a:ext cx="11337840" cy="945720"/>
           </a:xfrm>
           <a:prstGeom prst="rect">
             <a:avLst/>
@@ -1380,7 +1380,7 @@
         <p:spPr>
           <a:xfrm>
             <a:off x="630000" y="1326600"/>
-            <a:ext cx="5533560" cy="3288240"/>
+            <a:ext cx="5533560" cy="3287880"/>
           </a:xfrm>
           <a:prstGeom prst="rect">
             <a:avLst/>
@@ -1423,7 +1423,7 @@
         <p:spPr>
           <a:xfrm>
             <a:off x="6440760" y="1326600"/>
-            <a:ext cx="5533560" cy="3288240"/>
+            <a:ext cx="5533560" cy="3287880"/>
           </a:xfrm>
           <a:prstGeom prst="rect">
             <a:avLst/>
@@ -1487,7 +1487,7 @@
         <p:txBody>
           <a:bodyPr/>
           <a:p>
-            <a:fld id="{F91B4421-76C1-48EB-BE64-616642BC905A}" type="slidenum">
+            <a:fld id="{3CF401F1-1663-4564-BFDA-EC8C5D901131}" type="slidenum">
               <a:t>&lt;#&gt;</a:t>
             </a:fld>
           </a:p>
@@ -1549,7 +1549,7 @@
         <p:spPr>
           <a:xfrm>
             <a:off x="629640" y="225720"/>
-            <a:ext cx="11338200" cy="946080"/>
+            <a:ext cx="11337840" cy="945720"/>
           </a:xfrm>
           <a:prstGeom prst="rect">
             <a:avLst/>
@@ -1610,7 +1610,7 @@
         <p:txBody>
           <a:bodyPr/>
           <a:p>
-            <a:fld id="{608AF0A6-0783-4EC6-B1F4-075C9EA3A526}" type="slidenum">
+            <a:fld id="{EB323078-F29C-4C11-BEAF-846352CB5FE6}" type="slidenum">
               <a:t>&lt;#&gt;</a:t>
             </a:fld>
           </a:p>
@@ -1672,7 +1672,7 @@
         <p:spPr>
           <a:xfrm>
             <a:off x="629640" y="225720"/>
-            <a:ext cx="11338200" cy="4386600"/>
+            <a:ext cx="11337840" cy="4385160"/>
           </a:xfrm>
           <a:prstGeom prst="rect">
             <a:avLst/>
@@ -1731,7 +1731,7 @@
         <p:txBody>
           <a:bodyPr/>
           <a:p>
-            <a:fld id="{342E1783-8E01-4B68-9BE1-0D9BB40DAE27}" type="slidenum">
+            <a:fld id="{2BA9A60E-E977-4032-962A-FE4F36423A93}" type="slidenum">
               <a:t>&lt;#&gt;</a:t>
             </a:fld>
           </a:p>
@@ -1793,7 +1793,7 @@
         <p:spPr>
           <a:xfrm>
             <a:off x="629640" y="225720"/>
-            <a:ext cx="11338200" cy="946080"/>
+            <a:ext cx="11337840" cy="945720"/>
           </a:xfrm>
           <a:prstGeom prst="rect">
             <a:avLst/>
@@ -1876,7 +1876,7 @@
         <p:spPr>
           <a:xfrm>
             <a:off x="6440760" y="1326600"/>
-            <a:ext cx="5533560" cy="3288240"/>
+            <a:ext cx="5533560" cy="3287880"/>
           </a:xfrm>
           <a:prstGeom prst="rect">
             <a:avLst/>
@@ -1983,7 +1983,7 @@
         <p:txBody>
           <a:bodyPr/>
           <a:p>
-            <a:fld id="{6972A926-3F98-407A-8B68-B2F27BD76B07}" type="slidenum">
+            <a:fld id="{831F4C0C-60D2-461B-B247-C6B3833AFD38}" type="slidenum">
               <a:t>&lt;#&gt;</a:t>
             </a:fld>
           </a:p>
@@ -2045,7 +2045,7 @@
         <p:spPr>
           <a:xfrm>
             <a:off x="629640" y="225720"/>
-            <a:ext cx="11338200" cy="946080"/>
+            <a:ext cx="11337840" cy="945720"/>
           </a:xfrm>
           <a:prstGeom prst="rect">
             <a:avLst/>
@@ -2085,7 +2085,7 @@
         <p:spPr>
           <a:xfrm>
             <a:off x="630000" y="1326600"/>
-            <a:ext cx="5533560" cy="3288240"/>
+            <a:ext cx="5533560" cy="3287880"/>
           </a:xfrm>
           <a:prstGeom prst="rect">
             <a:avLst/>
@@ -2235,7 +2235,7 @@
         <p:txBody>
           <a:bodyPr/>
           <a:p>
-            <a:fld id="{EB91EA69-88DE-4B2C-9801-010D2F1E2F0E}" type="slidenum">
+            <a:fld id="{7ED00823-0904-48F1-974C-A8743702EB60}" type="slidenum">
               <a:t>&lt;#&gt;</a:t>
             </a:fld>
           </a:p>
@@ -2297,7 +2297,7 @@
         <p:spPr>
           <a:xfrm>
             <a:off x="629640" y="225720"/>
-            <a:ext cx="11338200" cy="946080"/>
+            <a:ext cx="11337840" cy="945720"/>
           </a:xfrm>
           <a:prstGeom prst="rect">
             <a:avLst/>
@@ -2423,7 +2423,7 @@
         <p:spPr>
           <a:xfrm>
             <a:off x="630000" y="3044160"/>
-            <a:ext cx="11339640" cy="1568160"/>
+            <a:ext cx="11339280" cy="1568160"/>
           </a:xfrm>
           <a:prstGeom prst="rect">
             <a:avLst/>
@@ -2487,7 +2487,7 @@
         <p:txBody>
           <a:bodyPr/>
           <a:p>
-            <a:fld id="{95505960-46C5-4C93-BC83-7CA43FF6D107}" type="slidenum">
+            <a:fld id="{802975FF-1BB2-4646-A8AF-2E3DE8038E4B}" type="slidenum">
               <a:t>&lt;#&gt;</a:t>
             </a:fld>
           </a:p>
@@ -2549,7 +2549,7 @@
         <p:spPr>
           <a:xfrm>
             <a:off x="629640" y="225720"/>
-            <a:ext cx="11338200" cy="946080"/>
+            <a:ext cx="11337840" cy="945720"/>
           </a:xfrm>
           <a:prstGeom prst="rect">
             <a:avLst/>
@@ -2592,13 +2592,238 @@
             <a:spLocks noGrp="1"/>
           </p:cNvSpPr>
           <p:nvPr>
+            <p:ph type="body"/>
+          </p:nvPr>
+        </p:nvSpPr>
+        <p:spPr>
+          <a:xfrm>
+            <a:off x="630000" y="1326600"/>
+            <a:ext cx="11339280" cy="3287880"/>
+          </a:xfrm>
+          <a:prstGeom prst="rect">
+            <a:avLst/>
+          </a:prstGeom>
+          <a:noFill/>
+          <a:ln w="0">
+            <a:noFill/>
+          </a:ln>
+        </p:spPr>
+        <p:txBody>
+          <a:bodyPr lIns="0" rIns="0" tIns="0" bIns="0" anchor="t">
+            <a:normAutofit/>
+          </a:bodyPr>
+          <a:p>
+            <a:pPr marL="432000" indent="-324000">
+              <a:spcBef>
+                <a:spcPts val="1417"/>
+              </a:spcBef>
+              <a:buClr>
+                <a:srgbClr val="000000"/>
+              </a:buClr>
+              <a:buSzPct val="45000"/>
+              <a:buFont typeface="Wingdings" charset="2"/>
+              <a:buChar char=""/>
+            </a:pPr>
+            <a:r>
+              <a:rPr b="0" lang="pt-BR" sz="1800" spc="-1" strike="noStrike">
+                <a:solidFill>
+                  <a:srgbClr val="000000"/>
+                </a:solidFill>
+                <a:latin typeface="Arial"/>
+              </a:rPr>
+              <a:t>Clique para editar o formato do texto da estrutura de tópicos</a:t>
+            </a:r>
+            <a:endParaRPr b="0" lang="pt-BR" sz="1800" spc="-1" strike="noStrike">
+              <a:solidFill>
+                <a:srgbClr val="000000"/>
+              </a:solidFill>
+              <a:latin typeface="Arial"/>
+            </a:endParaRPr>
+          </a:p>
+          <a:p>
+            <a:pPr lvl="1" marL="864000" indent="-324000">
+              <a:spcBef>
+                <a:spcPts val="1134"/>
+              </a:spcBef>
+              <a:buClr>
+                <a:srgbClr val="000000"/>
+              </a:buClr>
+              <a:buSzPct val="75000"/>
+              <a:buFont typeface="Symbol" charset="2"/>
+              <a:buChar char=""/>
+            </a:pPr>
+            <a:r>
+              <a:rPr b="0" lang="pt-BR" sz="1800" spc="-1" strike="noStrike">
+                <a:solidFill>
+                  <a:srgbClr val="000000"/>
+                </a:solidFill>
+                <a:latin typeface="Arial"/>
+              </a:rPr>
+              <a:t>2.º nível da estrutura de tópicos</a:t>
+            </a:r>
+            <a:endParaRPr b="0" lang="pt-BR" sz="1800" spc="-1" strike="noStrike">
+              <a:solidFill>
+                <a:srgbClr val="000000"/>
+              </a:solidFill>
+              <a:latin typeface="Arial"/>
+            </a:endParaRPr>
+          </a:p>
+          <a:p>
+            <a:pPr lvl="2" marL="1296000" indent="-288000">
+              <a:spcBef>
+                <a:spcPts val="850"/>
+              </a:spcBef>
+              <a:buClr>
+                <a:srgbClr val="000000"/>
+              </a:buClr>
+              <a:buSzPct val="45000"/>
+              <a:buFont typeface="Wingdings" charset="2"/>
+              <a:buChar char=""/>
+            </a:pPr>
+            <a:r>
+              <a:rPr b="0" lang="pt-BR" sz="1800" spc="-1" strike="noStrike">
+                <a:solidFill>
+                  <a:srgbClr val="000000"/>
+                </a:solidFill>
+                <a:latin typeface="Arial"/>
+              </a:rPr>
+              <a:t>3.º nível da estrutura de tópicos</a:t>
+            </a:r>
+            <a:endParaRPr b="0" lang="pt-BR" sz="1800" spc="-1" strike="noStrike">
+              <a:solidFill>
+                <a:srgbClr val="000000"/>
+              </a:solidFill>
+              <a:latin typeface="Arial"/>
+            </a:endParaRPr>
+          </a:p>
+          <a:p>
+            <a:pPr lvl="3" marL="1728000" indent="-216000">
+              <a:spcBef>
+                <a:spcPts val="567"/>
+              </a:spcBef>
+              <a:buClr>
+                <a:srgbClr val="000000"/>
+              </a:buClr>
+              <a:buSzPct val="75000"/>
+              <a:buFont typeface="Symbol" charset="2"/>
+              <a:buChar char=""/>
+            </a:pPr>
+            <a:r>
+              <a:rPr b="0" lang="pt-BR" sz="1800" spc="-1" strike="noStrike">
+                <a:solidFill>
+                  <a:srgbClr val="000000"/>
+                </a:solidFill>
+                <a:latin typeface="Arial"/>
+              </a:rPr>
+              <a:t>4.º nível da estrutura de tópicos</a:t>
+            </a:r>
+            <a:endParaRPr b="0" lang="pt-BR" sz="1800" spc="-1" strike="noStrike">
+              <a:solidFill>
+                <a:srgbClr val="000000"/>
+              </a:solidFill>
+              <a:latin typeface="Arial"/>
+            </a:endParaRPr>
+          </a:p>
+          <a:p>
+            <a:pPr lvl="4" marL="2160000" indent="-216000">
+              <a:spcBef>
+                <a:spcPts val="283"/>
+              </a:spcBef>
+              <a:buClr>
+                <a:srgbClr val="000000"/>
+              </a:buClr>
+              <a:buSzPct val="45000"/>
+              <a:buFont typeface="Wingdings" charset="2"/>
+              <a:buChar char=""/>
+            </a:pPr>
+            <a:r>
+              <a:rPr b="0" lang="pt-BR" sz="1800" spc="-1" strike="noStrike">
+                <a:solidFill>
+                  <a:srgbClr val="000000"/>
+                </a:solidFill>
+                <a:latin typeface="Arial"/>
+              </a:rPr>
+              <a:t>5.º nível da estrutura de tópicos</a:t>
+            </a:r>
+            <a:endParaRPr b="0" lang="pt-BR" sz="1800" spc="-1" strike="noStrike">
+              <a:solidFill>
+                <a:srgbClr val="000000"/>
+              </a:solidFill>
+              <a:latin typeface="Arial"/>
+            </a:endParaRPr>
+          </a:p>
+          <a:p>
+            <a:pPr lvl="5" marL="2592000" indent="-216000">
+              <a:spcBef>
+                <a:spcPts val="283"/>
+              </a:spcBef>
+              <a:buClr>
+                <a:srgbClr val="000000"/>
+              </a:buClr>
+              <a:buSzPct val="45000"/>
+              <a:buFont typeface="Wingdings" charset="2"/>
+              <a:buChar char=""/>
+            </a:pPr>
+            <a:r>
+              <a:rPr b="0" lang="pt-BR" sz="1800" spc="-1" strike="noStrike">
+                <a:solidFill>
+                  <a:srgbClr val="000000"/>
+                </a:solidFill>
+                <a:latin typeface="Arial"/>
+              </a:rPr>
+              <a:t>6.º nível da estrutura de tópicos</a:t>
+            </a:r>
+            <a:endParaRPr b="0" lang="pt-BR" sz="1800" spc="-1" strike="noStrike">
+              <a:solidFill>
+                <a:srgbClr val="000000"/>
+              </a:solidFill>
+              <a:latin typeface="Arial"/>
+            </a:endParaRPr>
+          </a:p>
+          <a:p>
+            <a:pPr lvl="6" marL="3024000" indent="-216000">
+              <a:spcBef>
+                <a:spcPts val="283"/>
+              </a:spcBef>
+              <a:buClr>
+                <a:srgbClr val="000000"/>
+              </a:buClr>
+              <a:buSzPct val="45000"/>
+              <a:buFont typeface="Wingdings" charset="2"/>
+              <a:buChar char=""/>
+            </a:pPr>
+            <a:r>
+              <a:rPr b="0" lang="pt-BR" sz="1800" spc="-1" strike="noStrike">
+                <a:solidFill>
+                  <a:srgbClr val="000000"/>
+                </a:solidFill>
+                <a:latin typeface="Arial"/>
+              </a:rPr>
+              <a:t>7.º nível da estrutura de tópicos</a:t>
+            </a:r>
+            <a:endParaRPr b="0" lang="pt-BR" sz="1800" spc="-1" strike="noStrike">
+              <a:solidFill>
+                <a:srgbClr val="000000"/>
+              </a:solidFill>
+              <a:latin typeface="Arial"/>
+            </a:endParaRPr>
+          </a:p>
+        </p:txBody>
+      </p:sp>
+      <p:sp>
+        <p:nvSpPr>
+          <p:cNvPr id="2" name="PlaceHolder 3"/>
+          <p:cNvSpPr>
+            <a:spLocks noGrp="1"/>
+          </p:cNvSpPr>
+          <p:nvPr>
             <p:ph type="ftr" idx="1"/>
           </p:nvPr>
         </p:nvSpPr>
         <p:spPr>
           <a:xfrm>
             <a:off x="4308840" y="5164560"/>
-            <a:ext cx="3993120" cy="390240"/>
+            <a:ext cx="3992760" cy="389880"/>
           </a:xfrm>
           <a:prstGeom prst="rect">
             <a:avLst/>
@@ -2646,7 +2871,7 @@
                 </a:solidFill>
                 <a:latin typeface="Times New Roman"/>
               </a:rPr>
-              <a:t> </a:t>
+              <a:t>&lt;rodapé&gt;</a:t>
             </a:r>
             <a:endParaRPr b="0" lang="pt-BR" sz="1400" spc="-1" strike="noStrike">
               <a:solidFill>
@@ -2659,7 +2884,7 @@
       </p:sp>
       <p:sp>
         <p:nvSpPr>
-          <p:cNvPr id="2" name="PlaceHolder 3"/>
+          <p:cNvPr id="3" name="PlaceHolder 4"/>
           <p:cNvSpPr>
             <a:spLocks noGrp="1"/>
           </p:cNvSpPr>
@@ -2670,7 +2895,7 @@
         <p:spPr>
           <a:xfrm>
             <a:off x="9033480" y="5164560"/>
-            <a:ext cx="2934720" cy="390240"/>
+            <a:ext cx="2934360" cy="389880"/>
           </a:xfrm>
           <a:prstGeom prst="rect">
             <a:avLst/>
@@ -2711,14 +2936,14 @@
                 <a:tab algn="l" pos="0"/>
               </a:tabLst>
             </a:pPr>
-            <a:fld id="{82D1C0CF-597B-479B-9CD0-793E29241A04}" type="slidenum">
+            <a:fld id="{29A8699A-524A-406E-9F4C-80FD498FC98A}" type="slidenum">
               <a:rPr b="0" lang="pt-BR" sz="1400" spc="-1" strike="noStrike">
                 <a:solidFill>
                   <a:srgbClr val="000000"/>
                 </a:solidFill>
                 <a:latin typeface="Times New Roman"/>
               </a:rPr>
-              <a:t>2</a:t>
+              <a:t>&lt;número&gt;</a:t>
             </a:fld>
             <a:endParaRPr b="0" lang="pt-BR" sz="1400" spc="-1" strike="noStrike">
               <a:solidFill>
@@ -2731,7 +2956,7 @@
       </p:sp>
       <p:sp>
         <p:nvSpPr>
-          <p:cNvPr id="3" name="PlaceHolder 4"/>
+          <p:cNvPr id="4" name="PlaceHolder 5"/>
           <p:cNvSpPr>
             <a:spLocks noGrp="1"/>
           </p:cNvSpPr>
@@ -2742,7 +2967,7 @@
         <p:spPr>
           <a:xfrm>
             <a:off x="629640" y="5164560"/>
-            <a:ext cx="2934720" cy="390240"/>
+            <a:ext cx="2934360" cy="389880"/>
           </a:xfrm>
           <a:prstGeom prst="rect">
             <a:avLst/>
@@ -2778,238 +3003,13 @@
                 </a:solidFill>
                 <a:latin typeface="Times New Roman"/>
               </a:rPr>
-              <a:t> </a:t>
+              <a:t>&lt;data/hora&gt;</a:t>
             </a:r>
             <a:endParaRPr b="0" lang="pt-BR" sz="1400" spc="-1" strike="noStrike">
               <a:solidFill>
                 <a:srgbClr val="000000"/>
               </a:solidFill>
               <a:latin typeface="Times New Roman"/>
-            </a:endParaRPr>
-          </a:p>
-        </p:txBody>
-      </p:sp>
-      <p:sp>
-        <p:nvSpPr>
-          <p:cNvPr id="4" name="PlaceHolder 5"/>
-          <p:cNvSpPr>
-            <a:spLocks noGrp="1"/>
-          </p:cNvSpPr>
-          <p:nvPr>
-            <p:ph type="body"/>
-          </p:nvPr>
-        </p:nvSpPr>
-        <p:spPr>
-          <a:xfrm>
-            <a:off x="630000" y="1326600"/>
-            <a:ext cx="11339640" cy="3288240"/>
-          </a:xfrm>
-          <a:prstGeom prst="rect">
-            <a:avLst/>
-          </a:prstGeom>
-          <a:noFill/>
-          <a:ln w="0">
-            <a:noFill/>
-          </a:ln>
-        </p:spPr>
-        <p:txBody>
-          <a:bodyPr lIns="0" rIns="0" tIns="0" bIns="0" anchor="t">
-            <a:normAutofit/>
-          </a:bodyPr>
-          <a:p>
-            <a:pPr marL="432000" indent="-324000">
-              <a:spcBef>
-                <a:spcPts val="1417"/>
-              </a:spcBef>
-              <a:buClr>
-                <a:srgbClr val="000000"/>
-              </a:buClr>
-              <a:buSzPct val="45000"/>
-              <a:buFont typeface="Wingdings" charset="2"/>
-              <a:buChar char=""/>
-            </a:pPr>
-            <a:r>
-              <a:rPr b="0" lang="pt-BR" sz="3200" spc="-1" strike="noStrike">
-                <a:solidFill>
-                  <a:srgbClr val="000000"/>
-                </a:solidFill>
-                <a:latin typeface="Arial"/>
-              </a:rPr>
-              <a:t>Clique para editar o formato do texto da estrutura de tópicos</a:t>
-            </a:r>
-            <a:endParaRPr b="0" lang="pt-BR" sz="3200" spc="-1" strike="noStrike">
-              <a:solidFill>
-                <a:srgbClr val="000000"/>
-              </a:solidFill>
-              <a:latin typeface="Arial"/>
-            </a:endParaRPr>
-          </a:p>
-          <a:p>
-            <a:pPr lvl="1" marL="864000" indent="-324000">
-              <a:spcBef>
-                <a:spcPts val="1134"/>
-              </a:spcBef>
-              <a:buClr>
-                <a:srgbClr val="000000"/>
-              </a:buClr>
-              <a:buSzPct val="75000"/>
-              <a:buFont typeface="Symbol" charset="2"/>
-              <a:buChar char=""/>
-            </a:pPr>
-            <a:r>
-              <a:rPr b="0" lang="pt-BR" sz="2800" spc="-1" strike="noStrike">
-                <a:solidFill>
-                  <a:srgbClr val="000000"/>
-                </a:solidFill>
-                <a:latin typeface="Arial"/>
-              </a:rPr>
-              <a:t>2.º nível da estrutura de tópicos</a:t>
-            </a:r>
-            <a:endParaRPr b="0" lang="pt-BR" sz="2800" spc="-1" strike="noStrike">
-              <a:solidFill>
-                <a:srgbClr val="000000"/>
-              </a:solidFill>
-              <a:latin typeface="Arial"/>
-            </a:endParaRPr>
-          </a:p>
-          <a:p>
-            <a:pPr lvl="2" marL="1296000" indent="-288000">
-              <a:spcBef>
-                <a:spcPts val="850"/>
-              </a:spcBef>
-              <a:buClr>
-                <a:srgbClr val="000000"/>
-              </a:buClr>
-              <a:buSzPct val="45000"/>
-              <a:buFont typeface="Wingdings" charset="2"/>
-              <a:buChar char=""/>
-            </a:pPr>
-            <a:r>
-              <a:rPr b="0" lang="pt-BR" sz="2400" spc="-1" strike="noStrike">
-                <a:solidFill>
-                  <a:srgbClr val="000000"/>
-                </a:solidFill>
-                <a:latin typeface="Arial"/>
-              </a:rPr>
-              <a:t>3.º nível da estrutura de tópicos</a:t>
-            </a:r>
-            <a:endParaRPr b="0" lang="pt-BR" sz="2400" spc="-1" strike="noStrike">
-              <a:solidFill>
-                <a:srgbClr val="000000"/>
-              </a:solidFill>
-              <a:latin typeface="Arial"/>
-            </a:endParaRPr>
-          </a:p>
-          <a:p>
-            <a:pPr lvl="3" marL="1728000" indent="-216000">
-              <a:spcBef>
-                <a:spcPts val="567"/>
-              </a:spcBef>
-              <a:buClr>
-                <a:srgbClr val="000000"/>
-              </a:buClr>
-              <a:buSzPct val="75000"/>
-              <a:buFont typeface="Symbol" charset="2"/>
-              <a:buChar char=""/>
-            </a:pPr>
-            <a:r>
-              <a:rPr b="0" lang="pt-BR" sz="2000" spc="-1" strike="noStrike">
-                <a:solidFill>
-                  <a:srgbClr val="000000"/>
-                </a:solidFill>
-                <a:latin typeface="Arial"/>
-              </a:rPr>
-              <a:t>4.º nível da estrutura de tópicos</a:t>
-            </a:r>
-            <a:endParaRPr b="0" lang="pt-BR" sz="2000" spc="-1" strike="noStrike">
-              <a:solidFill>
-                <a:srgbClr val="000000"/>
-              </a:solidFill>
-              <a:latin typeface="Arial"/>
-            </a:endParaRPr>
-          </a:p>
-          <a:p>
-            <a:pPr lvl="4" marL="2160000" indent="-216000">
-              <a:spcBef>
-                <a:spcPts val="283"/>
-              </a:spcBef>
-              <a:buClr>
-                <a:srgbClr val="000000"/>
-              </a:buClr>
-              <a:buSzPct val="45000"/>
-              <a:buFont typeface="Wingdings" charset="2"/>
-              <a:buChar char=""/>
-            </a:pPr>
-            <a:r>
-              <a:rPr b="0" lang="pt-BR" sz="2000" spc="-1" strike="noStrike">
-                <a:solidFill>
-                  <a:srgbClr val="000000"/>
-                </a:solidFill>
-                <a:latin typeface="Arial"/>
-              </a:rPr>
-              <a:t>5.º nível da estrutura de tópicos</a:t>
-            </a:r>
-            <a:endParaRPr b="0" lang="pt-BR" sz="2000" spc="-1" strike="noStrike">
-              <a:solidFill>
-                <a:srgbClr val="000000"/>
-              </a:solidFill>
-              <a:latin typeface="Arial"/>
-            </a:endParaRPr>
-          </a:p>
-          <a:p>
-            <a:pPr lvl="5" marL="2592000" indent="-216000">
-              <a:spcBef>
-                <a:spcPts val="283"/>
-              </a:spcBef>
-              <a:buClr>
-                <a:srgbClr val="000000"/>
-              </a:buClr>
-              <a:buSzPct val="45000"/>
-              <a:buFont typeface="Wingdings" charset="2"/>
-              <a:buChar char=""/>
-            </a:pPr>
-            <a:r>
-              <a:rPr b="0" lang="pt-BR" sz="2000" spc="-1" strike="noStrike">
-                <a:solidFill>
-                  <a:srgbClr val="000000"/>
-                </a:solidFill>
-                <a:latin typeface="Arial"/>
-              </a:rPr>
-              <a:t>6.º nível da estrutura de tópicos</a:t>
-            </a:r>
-            <a:endParaRPr b="0" lang="pt-BR" sz="2000" spc="-1" strike="noStrike">
-              <a:solidFill>
-                <a:srgbClr val="000000"/>
-              </a:solidFill>
-              <a:latin typeface="Arial"/>
-            </a:endParaRPr>
-          </a:p>
-          <a:p>
-            <a:pPr lvl="6" marL="3024000" indent="-216000">
-              <a:spcBef>
-                <a:spcPts val="283"/>
-              </a:spcBef>
-              <a:buClr>
-                <a:srgbClr val="000000"/>
-              </a:buClr>
-              <a:buSzPct val="45000"/>
-              <a:buFont typeface="Wingdings" charset="2"/>
-              <a:buChar char=""/>
-            </a:pPr>
-            <a:r>
-              <a:rPr b="0" lang="pt-BR" sz="2000" spc="-1" strike="noStrike">
-                <a:solidFill>
-                  <a:srgbClr val="000000"/>
-                </a:solidFill>
-                <a:latin typeface="Arial"/>
-              </a:rPr>
-              <a:t>7.º nível da estrutura de tópicos</a:t>
-            </a:r>
-            <a:endParaRPr b="0" lang="pt-BR" sz="2000" spc="-1" strike="noStrike">
-              <a:solidFill>
-                <a:srgbClr val="000000"/>
-              </a:solidFill>
-              <a:latin typeface="Arial"/>
             </a:endParaRPr>
           </a:p>
         </p:txBody>
@@ -3060,7 +3060,7 @@
         <p:spPr>
           <a:xfrm>
             <a:off x="2024640" y="1197360"/>
-            <a:ext cx="3374280" cy="601920"/>
+            <a:ext cx="3373920" cy="601560"/>
           </a:xfrm>
           <a:prstGeom prst="rect">
             <a:avLst/>
@@ -3092,6 +3092,7 @@
                   <a:srgbClr val="000000"/>
                 </a:solidFill>
                 <a:latin typeface="Arial"/>
+                <a:ea typeface="DejaVu Sans"/>
               </a:rPr>
               <a:t>Hey! I want to acquire a loan please 💵</a:t>
             </a:r>
@@ -3117,7 +3118,7 @@
         <p:spPr>
           <a:xfrm>
             <a:off x="3239280" y="477360"/>
-            <a:ext cx="810000" cy="648000"/>
+            <a:ext cx="809640" cy="647640"/>
           </a:xfrm>
           <a:prstGeom prst="rect">
             <a:avLst/>
@@ -3136,7 +3137,7 @@
         <p:spPr>
           <a:xfrm>
             <a:off x="3059640" y="81360"/>
-            <a:ext cx="1124640" cy="359640"/>
+            <a:ext cx="1124280" cy="359280"/>
           </a:xfrm>
           <a:prstGeom prst="rect">
             <a:avLst/>
@@ -3168,6 +3169,7 @@
                   <a:srgbClr val="000000"/>
                 </a:solidFill>
                 <a:latin typeface="Arial"/>
+                <a:ea typeface="DejaVu Sans"/>
               </a:rPr>
               <a:t>User</a:t>
             </a:r>
@@ -3236,7 +3238,7 @@
         <p:spPr>
           <a:xfrm>
             <a:off x="6928920" y="503640"/>
-            <a:ext cx="810000" cy="648000"/>
+            <a:ext cx="809640" cy="647640"/>
           </a:xfrm>
           <a:prstGeom prst="rect">
             <a:avLst/>
@@ -3255,7 +3257,7 @@
         <p:spPr>
           <a:xfrm>
             <a:off x="6749280" y="107640"/>
-            <a:ext cx="1124640" cy="359640"/>
+            <a:ext cx="1124280" cy="359280"/>
           </a:xfrm>
           <a:prstGeom prst="rect">
             <a:avLst/>
@@ -3287,6 +3289,7 @@
                   <a:srgbClr val="000000"/>
                 </a:solidFill>
                 <a:latin typeface="Arial"/>
+                <a:ea typeface="DejaVu Sans"/>
               </a:rPr>
               <a:t>Bank</a:t>
             </a:r>
@@ -3308,7 +3311,7 @@
         <p:spPr>
           <a:xfrm>
             <a:off x="5669280" y="1197720"/>
-            <a:ext cx="3374280" cy="601920"/>
+            <a:ext cx="3373920" cy="601560"/>
           </a:xfrm>
           <a:prstGeom prst="rect">
             <a:avLst/>
@@ -3340,6 +3343,7 @@
                   <a:srgbClr val="000000"/>
                 </a:solidFill>
                 <a:latin typeface="Arial"/>
+                <a:ea typeface="DejaVu Sans"/>
               </a:rPr>
               <a:t>Do you have a black credit card?</a:t>
             </a:r>
@@ -3404,7 +3408,7 @@
         <p:spPr>
           <a:xfrm>
             <a:off x="2474640" y="4175280"/>
-            <a:ext cx="4049280" cy="1259640"/>
+            <a:ext cx="4048920" cy="1259280"/>
           </a:xfrm>
           <a:prstGeom prst="rect">
             <a:avLst/>
@@ -3436,6 +3440,7 @@
                   <a:srgbClr val="000000"/>
                 </a:solidFill>
                 <a:latin typeface="Arial"/>
+                <a:ea typeface="DejaVu Sans"/>
               </a:rPr>
               <a:t>I’m sorry, this loan is available only for clients that have this black credit card. Can I help you with something eles?</a:t>
             </a:r>
@@ -3457,7 +3462,7 @@
         <p:spPr>
           <a:xfrm>
             <a:off x="4994280" y="2771640"/>
-            <a:ext cx="899640" cy="421920"/>
+            <a:ext cx="899280" cy="421560"/>
           </a:xfrm>
           <a:prstGeom prst="rect">
             <a:avLst/>
@@ -3489,6 +3494,7 @@
                   <a:srgbClr val="000000"/>
                 </a:solidFill>
                 <a:latin typeface="Arial"/>
+                <a:ea typeface="DejaVu Sans"/>
               </a:rPr>
               <a:t>NO</a:t>
             </a:r>
@@ -3596,7 +3602,7 @@
         <p:spPr>
           <a:xfrm>
             <a:off x="7629480" y="2771640"/>
-            <a:ext cx="899640" cy="421920"/>
+            <a:ext cx="899280" cy="421560"/>
           </a:xfrm>
           <a:prstGeom prst="rect">
             <a:avLst/>
@@ -3628,6 +3634,7 @@
                   <a:srgbClr val="000000"/>
                 </a:solidFill>
                 <a:latin typeface="Arial"/>
+                <a:ea typeface="DejaVu Sans"/>
               </a:rPr>
               <a:t>YES</a:t>
             </a:r>
@@ -3692,7 +3699,7 @@
         <p:spPr>
           <a:xfrm>
             <a:off x="7694280" y="4175280"/>
-            <a:ext cx="4049280" cy="1259640"/>
+            <a:ext cx="4048920" cy="1259280"/>
           </a:xfrm>
           <a:prstGeom prst="rect">
             <a:avLst/>
@@ -3724,6 +3731,7 @@
                   <a:srgbClr val="000000"/>
                 </a:solidFill>
                 <a:latin typeface="Arial"/>
+                <a:ea typeface="DejaVu Sans"/>
               </a:rPr>
               <a:t>Perfect! Let’s continue.</a:t>
             </a:r>
@@ -3775,7 +3783,7 @@
         <p:spPr>
           <a:xfrm>
             <a:off x="224640" y="1269720"/>
-            <a:ext cx="1575360" cy="1142280"/>
+            <a:ext cx="1575000" cy="1141920"/>
           </a:xfrm>
           <a:prstGeom prst="rect">
             <a:avLst/>
@@ -3807,6 +3815,7 @@
                   <a:srgbClr val="000000"/>
                 </a:solidFill>
                 <a:latin typeface="Arial"/>
+                <a:ea typeface="DejaVu Sans"/>
               </a:rPr>
               <a:t>Hey! I want to acquire a loan please 💵</a:t>
             </a:r>
@@ -3832,7 +3841,7 @@
         <p:spPr>
           <a:xfrm>
             <a:off x="629640" y="467640"/>
-            <a:ext cx="630360" cy="648000"/>
+            <a:ext cx="630000" cy="647640"/>
           </a:xfrm>
           <a:prstGeom prst="rect">
             <a:avLst/>
@@ -3851,7 +3860,7 @@
         <p:spPr>
           <a:xfrm>
             <a:off x="378000" y="35640"/>
-            <a:ext cx="1124640" cy="359640"/>
+            <a:ext cx="1124280" cy="359280"/>
           </a:xfrm>
           <a:prstGeom prst="rect">
             <a:avLst/>
@@ -3883,6 +3892,7 @@
                   <a:srgbClr val="000000"/>
                 </a:solidFill>
                 <a:latin typeface="Arial"/>
+                <a:ea typeface="DejaVu Sans"/>
               </a:rPr>
               <a:t>User</a:t>
             </a:r>
@@ -3904,7 +3914,7 @@
         <p:spPr>
           <a:xfrm>
             <a:off x="1440000" y="792000"/>
-            <a:ext cx="720000" cy="0"/>
+            <a:ext cx="720000" cy="360"/>
           </a:xfrm>
           <a:prstGeom prst="line">
             <a:avLst/>
@@ -3946,8 +3956,8 @@
         </p:nvSpPr>
         <p:spPr>
           <a:xfrm>
-            <a:off x="11249280" y="396000"/>
-            <a:ext cx="1350720" cy="782280"/>
+            <a:off x="10440000" y="396000"/>
+            <a:ext cx="2159640" cy="781920"/>
           </a:xfrm>
           <a:prstGeom prst="rect">
             <a:avLst/>
@@ -3979,8 +3989,9 @@
                   <a:srgbClr val="000000"/>
                 </a:solidFill>
                 <a:latin typeface="Arial"/>
+                <a:ea typeface="DejaVu Sans"/>
               </a:rPr>
-              <a:t>Do you have a black credit card?</a:t>
+              <a:t>Are you elegible to all three modalities of loan?</a:t>
             </a:r>
             <a:endParaRPr b="0" lang="pt-BR" sz="1500" spc="-1" strike="noStrike">
               <a:solidFill>
@@ -4000,7 +4011,7 @@
         <p:spPr>
           <a:xfrm>
             <a:off x="11969280" y="1187640"/>
-            <a:ext cx="0" cy="684360"/>
+            <a:ext cx="360" cy="684360"/>
           </a:xfrm>
           <a:prstGeom prst="line">
             <a:avLst/>
@@ -4042,8 +4053,8 @@
         </p:nvSpPr>
         <p:spPr>
           <a:xfrm>
-            <a:off x="10512000" y="3060000"/>
-            <a:ext cx="2969280" cy="1259640"/>
+            <a:off x="10260000" y="3060000"/>
+            <a:ext cx="3220920" cy="1259280"/>
           </a:xfrm>
           <a:prstGeom prst="rect">
             <a:avLst/>
@@ -4075,8 +4086,19 @@
                   <a:srgbClr val="000000"/>
                 </a:solidFill>
                 <a:latin typeface="Arial"/>
+                <a:ea typeface="DejaVu Sans"/>
               </a:rPr>
-              <a:t>I’m sorry, this loan is available only for clients that have this black credit card. Can I help you with something eles?</a:t>
+              <a:t>I’m sorry, but this loan is available only for clients that are </a:t>
+            </a:r>
+            <a:r>
+              <a:rPr b="0" lang="pt-BR" sz="1500" spc="-1" strike="noStrike">
+                <a:solidFill>
+                  <a:srgbClr val="000000"/>
+                </a:solidFill>
+                <a:latin typeface="Arial"/>
+                <a:ea typeface="DejaVu Sans"/>
+              </a:rPr>
+              <a:t>elegible to all three modalities of loan. Can I help you with something eles?</a:t>
             </a:r>
             <a:endParaRPr b="0" lang="pt-BR" sz="1500" spc="-1" strike="noStrike">
               <a:solidFill>
@@ -4096,7 +4118,7 @@
         <p:spPr>
           <a:xfrm>
             <a:off x="11510280" y="1835640"/>
-            <a:ext cx="899640" cy="421920"/>
+            <a:ext cx="899280" cy="421560"/>
           </a:xfrm>
           <a:prstGeom prst="rect">
             <a:avLst/>
@@ -4128,6 +4150,7 @@
                   <a:srgbClr val="000000"/>
                 </a:solidFill>
                 <a:latin typeface="Arial"/>
+                <a:ea typeface="DejaVu Sans"/>
               </a:rPr>
               <a:t>NO</a:t>
             </a:r>
@@ -4149,7 +4172,7 @@
         <p:spPr>
           <a:xfrm>
             <a:off x="12681000" y="756000"/>
-            <a:ext cx="675000" cy="0"/>
+            <a:ext cx="675000" cy="360"/>
           </a:xfrm>
           <a:prstGeom prst="line">
             <a:avLst/>
@@ -4192,7 +4215,7 @@
         <p:spPr>
           <a:xfrm>
             <a:off x="2268000" y="432000"/>
-            <a:ext cx="1215360" cy="720000"/>
+            <a:ext cx="1215000" cy="719640"/>
           </a:xfrm>
           <a:prstGeom prst="rect">
             <a:avLst/>
@@ -4224,6 +4247,7 @@
                   <a:srgbClr val="000000"/>
                 </a:solidFill>
                 <a:latin typeface="Arial"/>
+                <a:ea typeface="DejaVu Sans"/>
               </a:rPr>
               <a:t>What is your name?</a:t>
             </a:r>
@@ -4245,7 +4269,7 @@
         <p:spPr>
           <a:xfrm>
             <a:off x="3456000" y="792000"/>
-            <a:ext cx="720000" cy="0"/>
+            <a:ext cx="720000" cy="360"/>
           </a:xfrm>
           <a:prstGeom prst="line">
             <a:avLst/>
@@ -4288,7 +4312,7 @@
         <p:spPr>
           <a:xfrm>
             <a:off x="4184640" y="432000"/>
-            <a:ext cx="1215360" cy="720000"/>
+            <a:ext cx="1215000" cy="719640"/>
           </a:xfrm>
           <a:prstGeom prst="rect">
             <a:avLst/>
@@ -4320,6 +4344,7 @@
                   <a:srgbClr val="000000"/>
                 </a:solidFill>
                 <a:latin typeface="Arial"/>
+                <a:ea typeface="DejaVu Sans"/>
               </a:rPr>
               <a:t>What is your social ID?</a:t>
             </a:r>
@@ -4340,15 +4365,18 @@
         </p:nvSpPr>
         <p:spPr>
           <a:xfrm>
-            <a:off x="11484000" y="396000"/>
-            <a:ext cx="900000" cy="756000"/>
-          </a:xfrm>
-          <a:prstGeom prst="rect">
-            <a:avLst/>
-          </a:prstGeom>
-          <a:noFill/>
-          <a:ln w="0">
-            <a:noFill/>
+            <a:off x="11969280" y="2313000"/>
+            <a:ext cx="360" cy="684360"/>
+          </a:xfrm>
+          <a:prstGeom prst="line">
+            <a:avLst/>
+          </a:prstGeom>
+          <a:ln w="108000">
+            <a:solidFill>
+              <a:srgbClr val="3465a4"/>
+            </a:solidFill>
+            <a:round/>
+            <a:tailEnd len="med" type="triangle" w="med"/>
           </a:ln>
         </p:spPr>
         <p:style>
@@ -4358,29 +4386,16 @@
           <a:fontRef idx="minor"/>
         </p:style>
         <p:txBody>
-          <a:bodyPr lIns="90000" rIns="90000" tIns="45000" bIns="45000" anchor="t">
+          <a:bodyPr lIns="144000" rIns="144000" tIns="99000" bIns="99000" anchor="ctr">
             <a:noAutofit/>
           </a:bodyPr>
           <a:p>
-            <a:pPr>
-              <a:lnSpc>
-                <a:spcPct val="100000"/>
-              </a:lnSpc>
-            </a:pPr>
-            <a:r>
-              <a:rPr b="0" lang="pt-BR" sz="2600" spc="-1" strike="noStrike">
-                <a:solidFill>
-                  <a:srgbClr val="000000"/>
-                </a:solidFill>
-                <a:latin typeface="Arial"/>
-              </a:rPr>
-              <a:t>...</a:t>
-            </a:r>
-            <a:endParaRPr b="0" lang="pt-BR" sz="2600" spc="-1" strike="noStrike">
-              <a:solidFill>
-                <a:srgbClr val="000000"/>
-              </a:solidFill>
-              <a:latin typeface="Arial"/>
+            <a:endParaRPr b="0" lang="pt-BR" sz="1800" spc="-1" strike="noStrike">
+              <a:solidFill>
+                <a:srgbClr val="000000"/>
+              </a:solidFill>
+              <a:latin typeface="Arial"/>
+              <a:ea typeface="DejaVu Sans"/>
             </a:endParaRPr>
           </a:p>
         </p:txBody>
@@ -4393,8 +4408,8 @@
         </p:nvSpPr>
         <p:spPr>
           <a:xfrm>
-            <a:off x="11969280" y="2313000"/>
-            <a:ext cx="0" cy="684360"/>
+            <a:off x="5256000" y="792000"/>
+            <a:ext cx="720000" cy="360"/>
           </a:xfrm>
           <a:prstGeom prst="line">
             <a:avLst/>
@@ -4414,7 +4429,7 @@
           <a:fontRef idx="minor"/>
         </p:style>
         <p:txBody>
-          <a:bodyPr lIns="144000" rIns="144000" tIns="99000" bIns="99000" anchor="ctr">
+          <a:bodyPr lIns="144000" rIns="144000" tIns="-99000" bIns="-99000" anchor="ctr">
             <a:noAutofit/>
           </a:bodyPr>
           <a:p>
@@ -4436,8 +4451,62 @@
         </p:nvSpPr>
         <p:spPr>
           <a:xfrm>
-            <a:off x="5256000" y="792000"/>
-            <a:ext cx="720000" cy="0"/>
+            <a:off x="6056640" y="432000"/>
+            <a:ext cx="1215000" cy="719640"/>
+          </a:xfrm>
+          <a:prstGeom prst="rect">
+            <a:avLst/>
+          </a:prstGeom>
+          <a:noFill/>
+          <a:ln w="0">
+            <a:noFill/>
+          </a:ln>
+        </p:spPr>
+        <p:style>
+          <a:lnRef idx="0"/>
+          <a:fillRef idx="0"/>
+          <a:effectRef idx="0"/>
+          <a:fontRef idx="minor"/>
+        </p:style>
+        <p:txBody>
+          <a:bodyPr lIns="90000" rIns="90000" tIns="45000" bIns="45000" anchor="ctr">
+            <a:noAutofit/>
+          </a:bodyPr>
+          <a:p>
+            <a:pPr>
+              <a:lnSpc>
+                <a:spcPct val="100000"/>
+              </a:lnSpc>
+            </a:pPr>
+            <a:r>
+              <a:rPr b="0" lang="pt-BR" sz="1500" spc="-1" strike="noStrike">
+                <a:solidFill>
+                  <a:srgbClr val="000000"/>
+                </a:solidFill>
+                <a:latin typeface="Arial"/>
+                <a:ea typeface="DejaVu Sans"/>
+              </a:rPr>
+              <a:t>What is your home address?</a:t>
+            </a:r>
+            <a:endParaRPr b="0" lang="pt-BR" sz="1500" spc="-1" strike="noStrike">
+              <a:solidFill>
+                <a:srgbClr val="000000"/>
+              </a:solidFill>
+              <a:latin typeface="Arial"/>
+            </a:endParaRPr>
+          </a:p>
+        </p:txBody>
+      </p:sp>
+      <p:sp>
+        <p:nvSpPr>
+          <p:cNvPr id="71" name=""/>
+          <p:cNvSpPr/>
+          <p:nvPr/>
+        </p:nvSpPr>
+        <p:spPr>
+          <a:xfrm>
+            <a:off x="9360000" y="756000"/>
+            <a:ext cx="900000" cy="360"/>
           </a:xfrm>
           <a:prstGeom prst="line">
             <a:avLst/>
@@ -4473,21 +4542,24 @@
       </p:sp>
       <p:sp>
         <p:nvSpPr>
-          <p:cNvPr id="71" name=""/>
+          <p:cNvPr id="72" name=""/>
           <p:cNvSpPr/>
           <p:nvPr/>
         </p:nvSpPr>
         <p:spPr>
           <a:xfrm>
-            <a:off x="6056640" y="432000"/>
-            <a:ext cx="1215360" cy="720000"/>
-          </a:xfrm>
-          <a:prstGeom prst="rect">
-            <a:avLst/>
-          </a:prstGeom>
-          <a:noFill/>
-          <a:ln w="0">
-            <a:noFill/>
+            <a:off x="7200000" y="792000"/>
+            <a:ext cx="720000" cy="360"/>
+          </a:xfrm>
+          <a:prstGeom prst="line">
+            <a:avLst/>
+          </a:prstGeom>
+          <a:ln w="108000">
+            <a:solidFill>
+              <a:srgbClr val="3465a4"/>
+            </a:solidFill>
+            <a:round/>
+            <a:tailEnd len="med" type="triangle" w="med"/>
           </a:ln>
         </p:spPr>
         <p:style>
@@ -4497,53 +4569,37 @@
           <a:fontRef idx="minor"/>
         </p:style>
         <p:txBody>
-          <a:bodyPr lIns="90000" rIns="90000" tIns="45000" bIns="45000" anchor="ctr">
+          <a:bodyPr lIns="144000" rIns="144000" tIns="-99000" bIns="-99000" anchor="ctr">
             <a:noAutofit/>
           </a:bodyPr>
           <a:p>
-            <a:pPr>
-              <a:lnSpc>
-                <a:spcPct val="100000"/>
-              </a:lnSpc>
-            </a:pPr>
-            <a:r>
-              <a:rPr b="0" lang="pt-BR" sz="1500" spc="-1" strike="noStrike">
-                <a:solidFill>
-                  <a:srgbClr val="000000"/>
-                </a:solidFill>
-                <a:latin typeface="Arial"/>
-              </a:rPr>
-              <a:t>What is your home address?</a:t>
-            </a:r>
-            <a:endParaRPr b="0" lang="pt-BR" sz="1500" spc="-1" strike="noStrike">
-              <a:solidFill>
-                <a:srgbClr val="000000"/>
-              </a:solidFill>
-              <a:latin typeface="Arial"/>
-            </a:endParaRPr>
-          </a:p>
-        </p:txBody>
-      </p:sp>
-      <p:sp>
-        <p:nvSpPr>
-          <p:cNvPr id="72" name=""/>
+            <a:endParaRPr b="0" lang="pt-BR" sz="1800" spc="-1" strike="noStrike">
+              <a:solidFill>
+                <a:srgbClr val="000000"/>
+              </a:solidFill>
+              <a:latin typeface="Arial"/>
+              <a:ea typeface="DejaVu Sans"/>
+            </a:endParaRPr>
+          </a:p>
+        </p:txBody>
+      </p:sp>
+      <p:sp>
+        <p:nvSpPr>
+          <p:cNvPr id="73" name=""/>
           <p:cNvSpPr/>
           <p:nvPr/>
         </p:nvSpPr>
         <p:spPr>
           <a:xfrm>
-            <a:off x="9360000" y="756000"/>
-            <a:ext cx="1709280" cy="0"/>
-          </a:xfrm>
-          <a:prstGeom prst="line">
-            <a:avLst/>
-          </a:prstGeom>
-          <a:ln w="108000">
-            <a:solidFill>
-              <a:srgbClr val="3465a4"/>
-            </a:solidFill>
-            <a:round/>
-            <a:tailEnd len="med" type="triangle" w="med"/>
+            <a:off x="7992000" y="432000"/>
+            <a:ext cx="1215000" cy="719640"/>
+          </a:xfrm>
+          <a:prstGeom prst="rect">
+            <a:avLst/>
+          </a:prstGeom>
+          <a:noFill/>
+          <a:ln w="0">
+            <a:noFill/>
           </a:ln>
         </p:spPr>
         <p:style>
@@ -4553,89 +4609,6 @@
           <a:fontRef idx="minor"/>
         </p:style>
         <p:txBody>
-          <a:bodyPr lIns="144000" rIns="144000" tIns="-99000" bIns="-99000" anchor="ctr">
-            <a:noAutofit/>
-          </a:bodyPr>
-          <a:p>
-            <a:endParaRPr b="0" lang="pt-BR" sz="1800" spc="-1" strike="noStrike">
-              <a:solidFill>
-                <a:srgbClr val="000000"/>
-              </a:solidFill>
-              <a:latin typeface="Arial"/>
-              <a:ea typeface="DejaVu Sans"/>
-            </a:endParaRPr>
-          </a:p>
-        </p:txBody>
-      </p:sp>
-      <p:sp>
-        <p:nvSpPr>
-          <p:cNvPr id="73" name=""/>
-          <p:cNvSpPr/>
-          <p:nvPr/>
-        </p:nvSpPr>
-        <p:spPr>
-          <a:xfrm>
-            <a:off x="7200000" y="792000"/>
-            <a:ext cx="720000" cy="0"/>
-          </a:xfrm>
-          <a:prstGeom prst="line">
-            <a:avLst/>
-          </a:prstGeom>
-          <a:ln w="108000">
-            <a:solidFill>
-              <a:srgbClr val="3465a4"/>
-            </a:solidFill>
-            <a:round/>
-            <a:tailEnd len="med" type="triangle" w="med"/>
-          </a:ln>
-        </p:spPr>
-        <p:style>
-          <a:lnRef idx="0"/>
-          <a:fillRef idx="0"/>
-          <a:effectRef idx="0"/>
-          <a:fontRef idx="minor"/>
-        </p:style>
-        <p:txBody>
-          <a:bodyPr lIns="144000" rIns="144000" tIns="-99000" bIns="-99000" anchor="ctr">
-            <a:noAutofit/>
-          </a:bodyPr>
-          <a:p>
-            <a:endParaRPr b="0" lang="pt-BR" sz="1800" spc="-1" strike="noStrike">
-              <a:solidFill>
-                <a:srgbClr val="000000"/>
-              </a:solidFill>
-              <a:latin typeface="Arial"/>
-              <a:ea typeface="DejaVu Sans"/>
-            </a:endParaRPr>
-          </a:p>
-        </p:txBody>
-      </p:sp>
-      <p:sp>
-        <p:nvSpPr>
-          <p:cNvPr id="74" name=""/>
-          <p:cNvSpPr/>
-          <p:nvPr/>
-        </p:nvSpPr>
-        <p:spPr>
-          <a:xfrm>
-            <a:off x="7992000" y="432000"/>
-            <a:ext cx="1215360" cy="720000"/>
-          </a:xfrm>
-          <a:prstGeom prst="rect">
-            <a:avLst/>
-          </a:prstGeom>
-          <a:noFill/>
-          <a:ln w="0">
-            <a:noFill/>
-          </a:ln>
-        </p:spPr>
-        <p:style>
-          <a:lnRef idx="0"/>
-          <a:fillRef idx="0"/>
-          <a:effectRef idx="0"/>
-          <a:fontRef idx="minor"/>
-        </p:style>
-        <p:txBody>
           <a:bodyPr lIns="90000" rIns="90000" tIns="45000" bIns="45000" anchor="ctr">
             <a:noAutofit/>
           </a:bodyPr>
@@ -4651,6 +4624,7 @@
                   <a:srgbClr val="000000"/>
                 </a:solidFill>
                 <a:latin typeface="Arial"/>
+                <a:ea typeface="DejaVu Sans"/>
               </a:rPr>
               <a:t>Do you have a car?</a:t>
             </a:r>

--- a/posts/2023/2023-08-31-data-decisions/flow.pptx
+++ b/posts/2023/2023-08-31-data-decisions/flow.pptx
@@ -64,7 +64,7 @@
         <p:txBody>
           <a:bodyPr/>
           <a:p>
-            <a:fld id="{16612194-EC65-41DB-B7E8-2AD916A6BC8F}" type="slidenum">
+            <a:fld id="{BA1368EE-F7CB-47EF-B36E-9B2AF80B7B4B}" type="slidenum">
               <a:t>&lt;#&gt;</a:t>
             </a:fld>
           </a:p>
@@ -125,8 +125,8 @@
         </p:nvSpPr>
         <p:spPr>
           <a:xfrm>
-            <a:off x="629640" y="225720"/>
-            <a:ext cx="11337840" cy="945720"/>
+            <a:off x="720000" y="172080"/>
+            <a:ext cx="12959640" cy="720720"/>
           </a:xfrm>
           <a:prstGeom prst="rect">
             <a:avLst/>
@@ -165,8 +165,8 @@
         </p:nvSpPr>
         <p:spPr>
           <a:xfrm>
-            <a:off x="630000" y="1326600"/>
-            <a:ext cx="11339280" cy="1568160"/>
+            <a:off x="720000" y="1010520"/>
+            <a:ext cx="12959640" cy="1194480"/>
           </a:xfrm>
           <a:prstGeom prst="rect">
             <a:avLst/>
@@ -208,8 +208,8 @@
         </p:nvSpPr>
         <p:spPr>
           <a:xfrm>
-            <a:off x="630000" y="3044160"/>
-            <a:ext cx="11339280" cy="1568160"/>
+            <a:off x="720000" y="2318760"/>
+            <a:ext cx="12959640" cy="1194480"/>
           </a:xfrm>
           <a:prstGeom prst="rect">
             <a:avLst/>
@@ -273,7 +273,7 @@
         <p:txBody>
           <a:bodyPr/>
           <a:p>
-            <a:fld id="{EA196897-2F0D-4B61-B9CE-65E5E1E628E2}" type="slidenum">
+            <a:fld id="{04B287CD-193A-459D-9C80-2E55C228CB84}" type="slidenum">
               <a:t>&lt;#&gt;</a:t>
             </a:fld>
           </a:p>
@@ -334,8 +334,8 @@
         </p:nvSpPr>
         <p:spPr>
           <a:xfrm>
-            <a:off x="629640" y="225720"/>
-            <a:ext cx="11337840" cy="945720"/>
+            <a:off x="720000" y="172080"/>
+            <a:ext cx="12959640" cy="720720"/>
           </a:xfrm>
           <a:prstGeom prst="rect">
             <a:avLst/>
@@ -374,8 +374,8 @@
         </p:nvSpPr>
         <p:spPr>
           <a:xfrm>
-            <a:off x="630000" y="1326600"/>
-            <a:ext cx="5533560" cy="1568160"/>
+            <a:off x="720000" y="1010520"/>
+            <a:ext cx="6324120" cy="1194480"/>
           </a:xfrm>
           <a:prstGeom prst="rect">
             <a:avLst/>
@@ -417,8 +417,8 @@
         </p:nvSpPr>
         <p:spPr>
           <a:xfrm>
-            <a:off x="6440760" y="1326600"/>
-            <a:ext cx="5533560" cy="1568160"/>
+            <a:off x="7360560" y="1010520"/>
+            <a:ext cx="6324120" cy="1194480"/>
           </a:xfrm>
           <a:prstGeom prst="rect">
             <a:avLst/>
@@ -460,8 +460,8 @@
         </p:nvSpPr>
         <p:spPr>
           <a:xfrm>
-            <a:off x="630000" y="3044160"/>
-            <a:ext cx="5533560" cy="1568160"/>
+            <a:off x="720000" y="2318760"/>
+            <a:ext cx="6324120" cy="1194480"/>
           </a:xfrm>
           <a:prstGeom prst="rect">
             <a:avLst/>
@@ -503,8 +503,8 @@
         </p:nvSpPr>
         <p:spPr>
           <a:xfrm>
-            <a:off x="6440760" y="3044160"/>
-            <a:ext cx="5533560" cy="1568160"/>
+            <a:off x="7360560" y="2318760"/>
+            <a:ext cx="6324120" cy="1194480"/>
           </a:xfrm>
           <a:prstGeom prst="rect">
             <a:avLst/>
@@ -568,7 +568,7 @@
         <p:txBody>
           <a:bodyPr/>
           <a:p>
-            <a:fld id="{5809A567-B5EA-4359-9F22-2CCE3C56AEE2}" type="slidenum">
+            <a:fld id="{BD357A86-2E19-4A9B-B7FE-0BC802F7A9B6}" type="slidenum">
               <a:t>&lt;#&gt;</a:t>
             </a:fld>
           </a:p>
@@ -629,8 +629,8 @@
         </p:nvSpPr>
         <p:spPr>
           <a:xfrm>
-            <a:off x="629640" y="225720"/>
-            <a:ext cx="11337840" cy="945720"/>
+            <a:off x="720000" y="172080"/>
+            <a:ext cx="12959640" cy="720720"/>
           </a:xfrm>
           <a:prstGeom prst="rect">
             <a:avLst/>
@@ -669,8 +669,8 @@
         </p:nvSpPr>
         <p:spPr>
           <a:xfrm>
-            <a:off x="630000" y="1326600"/>
-            <a:ext cx="3651120" cy="1568160"/>
+            <a:off x="720000" y="1010520"/>
+            <a:ext cx="4172760" cy="1194480"/>
           </a:xfrm>
           <a:prstGeom prst="rect">
             <a:avLst/>
@@ -712,8 +712,8 @@
         </p:nvSpPr>
         <p:spPr>
           <a:xfrm>
-            <a:off x="4464000" y="1326600"/>
-            <a:ext cx="3651120" cy="1568160"/>
+            <a:off x="5101920" y="1010520"/>
+            <a:ext cx="4172760" cy="1194480"/>
           </a:xfrm>
           <a:prstGeom prst="rect">
             <a:avLst/>
@@ -755,8 +755,8 @@
         </p:nvSpPr>
         <p:spPr>
           <a:xfrm>
-            <a:off x="8298000" y="1326600"/>
-            <a:ext cx="3651120" cy="1568160"/>
+            <a:off x="9483480" y="1010520"/>
+            <a:ext cx="4172760" cy="1194480"/>
           </a:xfrm>
           <a:prstGeom prst="rect">
             <a:avLst/>
@@ -798,8 +798,8 @@
         </p:nvSpPr>
         <p:spPr>
           <a:xfrm>
-            <a:off x="630000" y="3044160"/>
-            <a:ext cx="3651120" cy="1568160"/>
+            <a:off x="720000" y="2318760"/>
+            <a:ext cx="4172760" cy="1194480"/>
           </a:xfrm>
           <a:prstGeom prst="rect">
             <a:avLst/>
@@ -841,8 +841,8 @@
         </p:nvSpPr>
         <p:spPr>
           <a:xfrm>
-            <a:off x="4464000" y="3044160"/>
-            <a:ext cx="3651120" cy="1568160"/>
+            <a:off x="5101920" y="2318760"/>
+            <a:ext cx="4172760" cy="1194480"/>
           </a:xfrm>
           <a:prstGeom prst="rect">
             <a:avLst/>
@@ -884,8 +884,8 @@
         </p:nvSpPr>
         <p:spPr>
           <a:xfrm>
-            <a:off x="8298000" y="3044160"/>
-            <a:ext cx="3651120" cy="1568160"/>
+            <a:off x="9483480" y="2318760"/>
+            <a:ext cx="4172760" cy="1194480"/>
           </a:xfrm>
           <a:prstGeom prst="rect">
             <a:avLst/>
@@ -949,7 +949,7 @@
         <p:txBody>
           <a:bodyPr/>
           <a:p>
-            <a:fld id="{76FFFE0D-478E-4FAF-9E41-5C6F85C4403D}" type="slidenum">
+            <a:fld id="{88B9FA18-0D47-4F0B-BBE2-2F26BD973DF1}" type="slidenum">
               <a:t>&lt;#&gt;</a:t>
             </a:fld>
           </a:p>
@@ -1010,8 +1010,8 @@
         </p:nvSpPr>
         <p:spPr>
           <a:xfrm>
-            <a:off x="629640" y="225720"/>
-            <a:ext cx="11337840" cy="945720"/>
+            <a:off x="720000" y="172080"/>
+            <a:ext cx="12959640" cy="720720"/>
           </a:xfrm>
           <a:prstGeom prst="rect">
             <a:avLst/>
@@ -1050,8 +1050,8 @@
         </p:nvSpPr>
         <p:spPr>
           <a:xfrm>
-            <a:off x="630000" y="1326600"/>
-            <a:ext cx="11339280" cy="3287880"/>
+            <a:off x="720000" y="1010520"/>
+            <a:ext cx="12959640" cy="2504880"/>
           </a:xfrm>
           <a:prstGeom prst="rect">
             <a:avLst/>
@@ -1112,7 +1112,7 @@
         <p:txBody>
           <a:bodyPr/>
           <a:p>
-            <a:fld id="{F6C8DE4B-2E99-4C55-A697-6AE98B1B236D}" type="slidenum">
+            <a:fld id="{6A875D95-F110-49D6-86A1-68846E7FBA6E}" type="slidenum">
               <a:t>&lt;#&gt;</a:t>
             </a:fld>
           </a:p>
@@ -1173,8 +1173,8 @@
         </p:nvSpPr>
         <p:spPr>
           <a:xfrm>
-            <a:off x="629640" y="225720"/>
-            <a:ext cx="11337840" cy="945720"/>
+            <a:off x="720000" y="172080"/>
+            <a:ext cx="12959640" cy="720720"/>
           </a:xfrm>
           <a:prstGeom prst="rect">
             <a:avLst/>
@@ -1213,8 +1213,8 @@
         </p:nvSpPr>
         <p:spPr>
           <a:xfrm>
-            <a:off x="630000" y="1326600"/>
-            <a:ext cx="11339280" cy="3287880"/>
+            <a:off x="720000" y="1010520"/>
+            <a:ext cx="12959640" cy="2504880"/>
           </a:xfrm>
           <a:prstGeom prst="rect">
             <a:avLst/>
@@ -1278,7 +1278,7 @@
         <p:txBody>
           <a:bodyPr/>
           <a:p>
-            <a:fld id="{4CA98CD4-D844-499E-8AC6-E479A9FC73F1}" type="slidenum">
+            <a:fld id="{46AE6CC7-EB3F-4D8B-9C5A-DFC415CA3221}" type="slidenum">
               <a:t>&lt;#&gt;</a:t>
             </a:fld>
           </a:p>
@@ -1339,8 +1339,8 @@
         </p:nvSpPr>
         <p:spPr>
           <a:xfrm>
-            <a:off x="629640" y="225720"/>
-            <a:ext cx="11337840" cy="945720"/>
+            <a:off x="720000" y="172080"/>
+            <a:ext cx="12959640" cy="720720"/>
           </a:xfrm>
           <a:prstGeom prst="rect">
             <a:avLst/>
@@ -1379,8 +1379,8 @@
         </p:nvSpPr>
         <p:spPr>
           <a:xfrm>
-            <a:off x="630000" y="1326600"/>
-            <a:ext cx="5533560" cy="3287880"/>
+            <a:off x="720000" y="1010520"/>
+            <a:ext cx="6324120" cy="2504880"/>
           </a:xfrm>
           <a:prstGeom prst="rect">
             <a:avLst/>
@@ -1422,8 +1422,8 @@
         </p:nvSpPr>
         <p:spPr>
           <a:xfrm>
-            <a:off x="6440760" y="1326600"/>
-            <a:ext cx="5533560" cy="3287880"/>
+            <a:off x="7360560" y="1010520"/>
+            <a:ext cx="6324120" cy="2504880"/>
           </a:xfrm>
           <a:prstGeom prst="rect">
             <a:avLst/>
@@ -1487,7 +1487,7 @@
         <p:txBody>
           <a:bodyPr/>
           <a:p>
-            <a:fld id="{3CF401F1-1663-4564-BFDA-EC8C5D901131}" type="slidenum">
+            <a:fld id="{000C28F7-7824-456E-AF83-1A55F0D34394}" type="slidenum">
               <a:t>&lt;#&gt;</a:t>
             </a:fld>
           </a:p>
@@ -1548,8 +1548,8 @@
         </p:nvSpPr>
         <p:spPr>
           <a:xfrm>
-            <a:off x="629640" y="225720"/>
-            <a:ext cx="11337840" cy="945720"/>
+            <a:off x="720000" y="172080"/>
+            <a:ext cx="12959640" cy="720720"/>
           </a:xfrm>
           <a:prstGeom prst="rect">
             <a:avLst/>
@@ -1610,7 +1610,7 @@
         <p:txBody>
           <a:bodyPr/>
           <a:p>
-            <a:fld id="{EB323078-F29C-4C11-BEAF-846352CB5FE6}" type="slidenum">
+            <a:fld id="{6F033732-794E-4ED1-905A-E48DC9BF86EC}" type="slidenum">
               <a:t>&lt;#&gt;</a:t>
             </a:fld>
           </a:p>
@@ -1671,8 +1671,8 @@
         </p:nvSpPr>
         <p:spPr>
           <a:xfrm>
-            <a:off x="629640" y="225720"/>
-            <a:ext cx="11337840" cy="4385160"/>
+            <a:off x="720000" y="172080"/>
+            <a:ext cx="12959640" cy="3342240"/>
           </a:xfrm>
           <a:prstGeom prst="rect">
             <a:avLst/>
@@ -1731,7 +1731,7 @@
         <p:txBody>
           <a:bodyPr/>
           <a:p>
-            <a:fld id="{2BA9A60E-E977-4032-962A-FE4F36423A93}" type="slidenum">
+            <a:fld id="{93293068-6876-4350-96B2-96D4D6E88286}" type="slidenum">
               <a:t>&lt;#&gt;</a:t>
             </a:fld>
           </a:p>
@@ -1792,8 +1792,8 @@
         </p:nvSpPr>
         <p:spPr>
           <a:xfrm>
-            <a:off x="629640" y="225720"/>
-            <a:ext cx="11337840" cy="945720"/>
+            <a:off x="720000" y="172080"/>
+            <a:ext cx="12959640" cy="720720"/>
           </a:xfrm>
           <a:prstGeom prst="rect">
             <a:avLst/>
@@ -1832,8 +1832,8 @@
         </p:nvSpPr>
         <p:spPr>
           <a:xfrm>
-            <a:off x="630000" y="1326600"/>
-            <a:ext cx="5533560" cy="1568160"/>
+            <a:off x="720000" y="1010520"/>
+            <a:ext cx="6324120" cy="1194480"/>
           </a:xfrm>
           <a:prstGeom prst="rect">
             <a:avLst/>
@@ -1875,8 +1875,8 @@
         </p:nvSpPr>
         <p:spPr>
           <a:xfrm>
-            <a:off x="6440760" y="1326600"/>
-            <a:ext cx="5533560" cy="3287880"/>
+            <a:off x="7360560" y="1010520"/>
+            <a:ext cx="6324120" cy="2504880"/>
           </a:xfrm>
           <a:prstGeom prst="rect">
             <a:avLst/>
@@ -1918,8 +1918,8 @@
         </p:nvSpPr>
         <p:spPr>
           <a:xfrm>
-            <a:off x="630000" y="3044160"/>
-            <a:ext cx="5533560" cy="1568160"/>
+            <a:off x="720000" y="2318760"/>
+            <a:ext cx="6324120" cy="1194480"/>
           </a:xfrm>
           <a:prstGeom prst="rect">
             <a:avLst/>
@@ -1983,7 +1983,7 @@
         <p:txBody>
           <a:bodyPr/>
           <a:p>
-            <a:fld id="{831F4C0C-60D2-461B-B247-C6B3833AFD38}" type="slidenum">
+            <a:fld id="{6500B7B1-6616-4A8D-BE98-21A2A5485670}" type="slidenum">
               <a:t>&lt;#&gt;</a:t>
             </a:fld>
           </a:p>
@@ -2044,8 +2044,8 @@
         </p:nvSpPr>
         <p:spPr>
           <a:xfrm>
-            <a:off x="629640" y="225720"/>
-            <a:ext cx="11337840" cy="945720"/>
+            <a:off x="720000" y="172080"/>
+            <a:ext cx="12959640" cy="720720"/>
           </a:xfrm>
           <a:prstGeom prst="rect">
             <a:avLst/>
@@ -2084,8 +2084,8 @@
         </p:nvSpPr>
         <p:spPr>
           <a:xfrm>
-            <a:off x="630000" y="1326600"/>
-            <a:ext cx="5533560" cy="3287880"/>
+            <a:off x="720000" y="1010520"/>
+            <a:ext cx="6324120" cy="2504880"/>
           </a:xfrm>
           <a:prstGeom prst="rect">
             <a:avLst/>
@@ -2127,8 +2127,8 @@
         </p:nvSpPr>
         <p:spPr>
           <a:xfrm>
-            <a:off x="6440760" y="1326600"/>
-            <a:ext cx="5533560" cy="1568160"/>
+            <a:off x="7360560" y="1010520"/>
+            <a:ext cx="6324120" cy="1194480"/>
           </a:xfrm>
           <a:prstGeom prst="rect">
             <a:avLst/>
@@ -2170,8 +2170,8 @@
         </p:nvSpPr>
         <p:spPr>
           <a:xfrm>
-            <a:off x="6440760" y="3044160"/>
-            <a:ext cx="5533560" cy="1568160"/>
+            <a:off x="7360560" y="2318760"/>
+            <a:ext cx="6324120" cy="1194480"/>
           </a:xfrm>
           <a:prstGeom prst="rect">
             <a:avLst/>
@@ -2235,7 +2235,7 @@
         <p:txBody>
           <a:bodyPr/>
           <a:p>
-            <a:fld id="{7ED00823-0904-48F1-974C-A8743702EB60}" type="slidenum">
+            <a:fld id="{7D9C184B-D9D9-4C75-814F-F1AD2BD8BDB9}" type="slidenum">
               <a:t>&lt;#&gt;</a:t>
             </a:fld>
           </a:p>
@@ -2296,8 +2296,8 @@
         </p:nvSpPr>
         <p:spPr>
           <a:xfrm>
-            <a:off x="629640" y="225720"/>
-            <a:ext cx="11337840" cy="945720"/>
+            <a:off x="720000" y="172080"/>
+            <a:ext cx="12959640" cy="720720"/>
           </a:xfrm>
           <a:prstGeom prst="rect">
             <a:avLst/>
@@ -2336,8 +2336,8 @@
         </p:nvSpPr>
         <p:spPr>
           <a:xfrm>
-            <a:off x="630000" y="1326600"/>
-            <a:ext cx="5533560" cy="1568160"/>
+            <a:off x="720000" y="1010520"/>
+            <a:ext cx="6324120" cy="1194480"/>
           </a:xfrm>
           <a:prstGeom prst="rect">
             <a:avLst/>
@@ -2379,8 +2379,8 @@
         </p:nvSpPr>
         <p:spPr>
           <a:xfrm>
-            <a:off x="6440760" y="1326600"/>
-            <a:ext cx="5533560" cy="1568160"/>
+            <a:off x="7360560" y="1010520"/>
+            <a:ext cx="6324120" cy="1194480"/>
           </a:xfrm>
           <a:prstGeom prst="rect">
             <a:avLst/>
@@ -2422,8 +2422,8 @@
         </p:nvSpPr>
         <p:spPr>
           <a:xfrm>
-            <a:off x="630000" y="3044160"/>
-            <a:ext cx="11339280" cy="1568160"/>
+            <a:off x="720000" y="2318760"/>
+            <a:ext cx="12959640" cy="1194480"/>
           </a:xfrm>
           <a:prstGeom prst="rect">
             <a:avLst/>
@@ -2487,7 +2487,7 @@
         <p:txBody>
           <a:bodyPr/>
           <a:p>
-            <a:fld id="{802975FF-1BB2-4646-A8AF-2E3DE8038E4B}" type="slidenum">
+            <a:fld id="{058EEDEC-6C88-40F0-9E25-985C8EC957FA}" type="slidenum">
               <a:t>&lt;#&gt;</a:t>
             </a:fld>
           </a:p>
@@ -2543,287 +2543,13 @@
             <a:spLocks noGrp="1"/>
           </p:cNvSpPr>
           <p:nvPr>
-            <p:ph type="title"/>
-          </p:nvPr>
-        </p:nvSpPr>
-        <p:spPr>
-          <a:xfrm>
-            <a:off x="629640" y="225720"/>
-            <a:ext cx="11337840" cy="945720"/>
-          </a:xfrm>
-          <a:prstGeom prst="rect">
-            <a:avLst/>
-          </a:prstGeom>
-          <a:noFill/>
-          <a:ln w="0">
-            <a:noFill/>
-          </a:ln>
-        </p:spPr>
-        <p:txBody>
-          <a:bodyPr lIns="0" rIns="0" tIns="0" bIns="0" anchor="ctr">
-            <a:noAutofit/>
-          </a:bodyPr>
-          <a:p>
-            <a:pPr indent="0">
-              <a:buNone/>
-            </a:pPr>
-            <a:r>
-              <a:rPr b="0" lang="pt-BR" sz="1800" spc="-1" strike="noStrike">
-                <a:solidFill>
-                  <a:srgbClr val="000000"/>
-                </a:solidFill>
-                <a:latin typeface="Arial"/>
-              </a:rPr>
-              <a:t>Clique para editar o formato do texto do título</a:t>
-            </a:r>
-            <a:endParaRPr b="0" lang="pt-BR" sz="1800" spc="-1" strike="noStrike">
-              <a:solidFill>
-                <a:srgbClr val="000000"/>
-              </a:solidFill>
-              <a:latin typeface="Arial"/>
-            </a:endParaRPr>
-          </a:p>
-        </p:txBody>
-      </p:sp>
-      <p:sp>
-        <p:nvSpPr>
-          <p:cNvPr id="1" name="PlaceHolder 2"/>
-          <p:cNvSpPr>
-            <a:spLocks noGrp="1"/>
-          </p:cNvSpPr>
-          <p:nvPr>
-            <p:ph type="body"/>
-          </p:nvPr>
-        </p:nvSpPr>
-        <p:spPr>
-          <a:xfrm>
-            <a:off x="630000" y="1326600"/>
-            <a:ext cx="11339280" cy="3287880"/>
-          </a:xfrm>
-          <a:prstGeom prst="rect">
-            <a:avLst/>
-          </a:prstGeom>
-          <a:noFill/>
-          <a:ln w="0">
-            <a:noFill/>
-          </a:ln>
-        </p:spPr>
-        <p:txBody>
-          <a:bodyPr lIns="0" rIns="0" tIns="0" bIns="0" anchor="t">
-            <a:normAutofit/>
-          </a:bodyPr>
-          <a:p>
-            <a:pPr marL="432000" indent="-324000">
-              <a:spcBef>
-                <a:spcPts val="1417"/>
-              </a:spcBef>
-              <a:buClr>
-                <a:srgbClr val="000000"/>
-              </a:buClr>
-              <a:buSzPct val="45000"/>
-              <a:buFont typeface="Wingdings" charset="2"/>
-              <a:buChar char=""/>
-            </a:pPr>
-            <a:r>
-              <a:rPr b="0" lang="pt-BR" sz="1800" spc="-1" strike="noStrike">
-                <a:solidFill>
-                  <a:srgbClr val="000000"/>
-                </a:solidFill>
-                <a:latin typeface="Arial"/>
-              </a:rPr>
-              <a:t>Clique para editar o formato do texto da estrutura de tópicos</a:t>
-            </a:r>
-            <a:endParaRPr b="0" lang="pt-BR" sz="1800" spc="-1" strike="noStrike">
-              <a:solidFill>
-                <a:srgbClr val="000000"/>
-              </a:solidFill>
-              <a:latin typeface="Arial"/>
-            </a:endParaRPr>
-          </a:p>
-          <a:p>
-            <a:pPr lvl="1" marL="864000" indent="-324000">
-              <a:spcBef>
-                <a:spcPts val="1134"/>
-              </a:spcBef>
-              <a:buClr>
-                <a:srgbClr val="000000"/>
-              </a:buClr>
-              <a:buSzPct val="75000"/>
-              <a:buFont typeface="Symbol" charset="2"/>
-              <a:buChar char=""/>
-            </a:pPr>
-            <a:r>
-              <a:rPr b="0" lang="pt-BR" sz="1800" spc="-1" strike="noStrike">
-                <a:solidFill>
-                  <a:srgbClr val="000000"/>
-                </a:solidFill>
-                <a:latin typeface="Arial"/>
-              </a:rPr>
-              <a:t>2.º nível da estrutura de tópicos</a:t>
-            </a:r>
-            <a:endParaRPr b="0" lang="pt-BR" sz="1800" spc="-1" strike="noStrike">
-              <a:solidFill>
-                <a:srgbClr val="000000"/>
-              </a:solidFill>
-              <a:latin typeface="Arial"/>
-            </a:endParaRPr>
-          </a:p>
-          <a:p>
-            <a:pPr lvl="2" marL="1296000" indent="-288000">
-              <a:spcBef>
-                <a:spcPts val="850"/>
-              </a:spcBef>
-              <a:buClr>
-                <a:srgbClr val="000000"/>
-              </a:buClr>
-              <a:buSzPct val="45000"/>
-              <a:buFont typeface="Wingdings" charset="2"/>
-              <a:buChar char=""/>
-            </a:pPr>
-            <a:r>
-              <a:rPr b="0" lang="pt-BR" sz="1800" spc="-1" strike="noStrike">
-                <a:solidFill>
-                  <a:srgbClr val="000000"/>
-                </a:solidFill>
-                <a:latin typeface="Arial"/>
-              </a:rPr>
-              <a:t>3.º nível da estrutura de tópicos</a:t>
-            </a:r>
-            <a:endParaRPr b="0" lang="pt-BR" sz="1800" spc="-1" strike="noStrike">
-              <a:solidFill>
-                <a:srgbClr val="000000"/>
-              </a:solidFill>
-              <a:latin typeface="Arial"/>
-            </a:endParaRPr>
-          </a:p>
-          <a:p>
-            <a:pPr lvl="3" marL="1728000" indent="-216000">
-              <a:spcBef>
-                <a:spcPts val="567"/>
-              </a:spcBef>
-              <a:buClr>
-                <a:srgbClr val="000000"/>
-              </a:buClr>
-              <a:buSzPct val="75000"/>
-              <a:buFont typeface="Symbol" charset="2"/>
-              <a:buChar char=""/>
-            </a:pPr>
-            <a:r>
-              <a:rPr b="0" lang="pt-BR" sz="1800" spc="-1" strike="noStrike">
-                <a:solidFill>
-                  <a:srgbClr val="000000"/>
-                </a:solidFill>
-                <a:latin typeface="Arial"/>
-              </a:rPr>
-              <a:t>4.º nível da estrutura de tópicos</a:t>
-            </a:r>
-            <a:endParaRPr b="0" lang="pt-BR" sz="1800" spc="-1" strike="noStrike">
-              <a:solidFill>
-                <a:srgbClr val="000000"/>
-              </a:solidFill>
-              <a:latin typeface="Arial"/>
-            </a:endParaRPr>
-          </a:p>
-          <a:p>
-            <a:pPr lvl="4" marL="2160000" indent="-216000">
-              <a:spcBef>
-                <a:spcPts val="283"/>
-              </a:spcBef>
-              <a:buClr>
-                <a:srgbClr val="000000"/>
-              </a:buClr>
-              <a:buSzPct val="45000"/>
-              <a:buFont typeface="Wingdings" charset="2"/>
-              <a:buChar char=""/>
-            </a:pPr>
-            <a:r>
-              <a:rPr b="0" lang="pt-BR" sz="1800" spc="-1" strike="noStrike">
-                <a:solidFill>
-                  <a:srgbClr val="000000"/>
-                </a:solidFill>
-                <a:latin typeface="Arial"/>
-              </a:rPr>
-              <a:t>5.º nível da estrutura de tópicos</a:t>
-            </a:r>
-            <a:endParaRPr b="0" lang="pt-BR" sz="1800" spc="-1" strike="noStrike">
-              <a:solidFill>
-                <a:srgbClr val="000000"/>
-              </a:solidFill>
-              <a:latin typeface="Arial"/>
-            </a:endParaRPr>
-          </a:p>
-          <a:p>
-            <a:pPr lvl="5" marL="2592000" indent="-216000">
-              <a:spcBef>
-                <a:spcPts val="283"/>
-              </a:spcBef>
-              <a:buClr>
-                <a:srgbClr val="000000"/>
-              </a:buClr>
-              <a:buSzPct val="45000"/>
-              <a:buFont typeface="Wingdings" charset="2"/>
-              <a:buChar char=""/>
-            </a:pPr>
-            <a:r>
-              <a:rPr b="0" lang="pt-BR" sz="1800" spc="-1" strike="noStrike">
-                <a:solidFill>
-                  <a:srgbClr val="000000"/>
-                </a:solidFill>
-                <a:latin typeface="Arial"/>
-              </a:rPr>
-              <a:t>6.º nível da estrutura de tópicos</a:t>
-            </a:r>
-            <a:endParaRPr b="0" lang="pt-BR" sz="1800" spc="-1" strike="noStrike">
-              <a:solidFill>
-                <a:srgbClr val="000000"/>
-              </a:solidFill>
-              <a:latin typeface="Arial"/>
-            </a:endParaRPr>
-          </a:p>
-          <a:p>
-            <a:pPr lvl="6" marL="3024000" indent="-216000">
-              <a:spcBef>
-                <a:spcPts val="283"/>
-              </a:spcBef>
-              <a:buClr>
-                <a:srgbClr val="000000"/>
-              </a:buClr>
-              <a:buSzPct val="45000"/>
-              <a:buFont typeface="Wingdings" charset="2"/>
-              <a:buChar char=""/>
-            </a:pPr>
-            <a:r>
-              <a:rPr b="0" lang="pt-BR" sz="1800" spc="-1" strike="noStrike">
-                <a:solidFill>
-                  <a:srgbClr val="000000"/>
-                </a:solidFill>
-                <a:latin typeface="Arial"/>
-              </a:rPr>
-              <a:t>7.º nível da estrutura de tópicos</a:t>
-            </a:r>
-            <a:endParaRPr b="0" lang="pt-BR" sz="1800" spc="-1" strike="noStrike">
-              <a:solidFill>
-                <a:srgbClr val="000000"/>
-              </a:solidFill>
-              <a:latin typeface="Arial"/>
-            </a:endParaRPr>
-          </a:p>
-        </p:txBody>
-      </p:sp>
-      <p:sp>
-        <p:nvSpPr>
-          <p:cNvPr id="2" name="PlaceHolder 3"/>
-          <p:cNvSpPr>
-            <a:spLocks noGrp="1"/>
-          </p:cNvSpPr>
-          <p:nvPr>
             <p:ph type="ftr" idx="1"/>
           </p:nvPr>
         </p:nvSpPr>
         <p:spPr>
           <a:xfrm>
             <a:off x="4308840" y="5164560"/>
-            <a:ext cx="3992760" cy="389880"/>
+            <a:ext cx="3992400" cy="389520"/>
           </a:xfrm>
           <a:prstGeom prst="rect">
             <a:avLst/>
@@ -2871,7 +2597,7 @@
                 </a:solidFill>
                 <a:latin typeface="Times New Roman"/>
               </a:rPr>
-              <a:t>&lt;rodapé&gt;</a:t>
+              <a:t> </a:t>
             </a:r>
             <a:endParaRPr b="0" lang="pt-BR" sz="1400" spc="-1" strike="noStrike">
               <a:solidFill>
@@ -2884,7 +2610,7 @@
       </p:sp>
       <p:sp>
         <p:nvSpPr>
-          <p:cNvPr id="3" name="PlaceHolder 4"/>
+          <p:cNvPr id="1" name="PlaceHolder 2"/>
           <p:cNvSpPr>
             <a:spLocks noGrp="1"/>
           </p:cNvSpPr>
@@ -2895,7 +2621,7 @@
         <p:spPr>
           <a:xfrm>
             <a:off x="9033480" y="5164560"/>
-            <a:ext cx="2934360" cy="389880"/>
+            <a:ext cx="2934000" cy="389520"/>
           </a:xfrm>
           <a:prstGeom prst="rect">
             <a:avLst/>
@@ -2936,14 +2662,14 @@
                 <a:tab algn="l" pos="0"/>
               </a:tabLst>
             </a:pPr>
-            <a:fld id="{29A8699A-524A-406E-9F4C-80FD498FC98A}" type="slidenum">
+            <a:fld id="{9AD60EC3-213F-4BC8-9493-33CA53FC5B91}" type="slidenum">
               <a:rPr b="0" lang="pt-BR" sz="1400" spc="-1" strike="noStrike">
                 <a:solidFill>
                   <a:srgbClr val="000000"/>
                 </a:solidFill>
                 <a:latin typeface="Times New Roman"/>
               </a:rPr>
-              <a:t>&lt;número&gt;</a:t>
+              <a:t>2</a:t>
             </a:fld>
             <a:endParaRPr b="0" lang="pt-BR" sz="1400" spc="-1" strike="noStrike">
               <a:solidFill>
@@ -2956,7 +2682,7 @@
       </p:sp>
       <p:sp>
         <p:nvSpPr>
-          <p:cNvPr id="4" name="PlaceHolder 5"/>
+          <p:cNvPr id="2" name="PlaceHolder 3"/>
           <p:cNvSpPr>
             <a:spLocks noGrp="1"/>
           </p:cNvSpPr>
@@ -2967,7 +2693,7 @@
         <p:spPr>
           <a:xfrm>
             <a:off x="629640" y="5164560"/>
-            <a:ext cx="2934360" cy="389880"/>
+            <a:ext cx="2934000" cy="389520"/>
           </a:xfrm>
           <a:prstGeom prst="rect">
             <a:avLst/>
@@ -3003,13 +2729,287 @@
                 </a:solidFill>
                 <a:latin typeface="Times New Roman"/>
               </a:rPr>
-              <a:t>&lt;data/hora&gt;</a:t>
+              <a:t> </a:t>
             </a:r>
             <a:endParaRPr b="0" lang="pt-BR" sz="1400" spc="-1" strike="noStrike">
               <a:solidFill>
                 <a:srgbClr val="000000"/>
               </a:solidFill>
               <a:latin typeface="Times New Roman"/>
+            </a:endParaRPr>
+          </a:p>
+        </p:txBody>
+      </p:sp>
+      <p:sp>
+        <p:nvSpPr>
+          <p:cNvPr id="3" name="PlaceHolder 4"/>
+          <p:cNvSpPr>
+            <a:spLocks noGrp="1"/>
+          </p:cNvSpPr>
+          <p:nvPr>
+            <p:ph type="title"/>
+          </p:nvPr>
+        </p:nvSpPr>
+        <p:spPr>
+          <a:xfrm>
+            <a:off x="720000" y="172080"/>
+            <a:ext cx="12959640" cy="720720"/>
+          </a:xfrm>
+          <a:prstGeom prst="rect">
+            <a:avLst/>
+          </a:prstGeom>
+          <a:noFill/>
+          <a:ln w="0">
+            <a:noFill/>
+          </a:ln>
+        </p:spPr>
+        <p:txBody>
+          <a:bodyPr lIns="0" rIns="0" tIns="0" bIns="0" anchor="ctr">
+            <a:noAutofit/>
+          </a:bodyPr>
+          <a:p>
+            <a:pPr indent="0" algn="ctr">
+              <a:buNone/>
+            </a:pPr>
+            <a:r>
+              <a:rPr b="0" lang="pt-BR" sz="4400" spc="-1" strike="noStrike">
+                <a:solidFill>
+                  <a:srgbClr val="000000"/>
+                </a:solidFill>
+                <a:latin typeface="Arial"/>
+              </a:rPr>
+              <a:t>Clique para editar o formato do texto do título</a:t>
+            </a:r>
+            <a:endParaRPr b="0" lang="pt-BR" sz="4400" spc="-1" strike="noStrike">
+              <a:solidFill>
+                <a:srgbClr val="000000"/>
+              </a:solidFill>
+              <a:latin typeface="Arial"/>
+            </a:endParaRPr>
+          </a:p>
+        </p:txBody>
+      </p:sp>
+      <p:sp>
+        <p:nvSpPr>
+          <p:cNvPr id="4" name="PlaceHolder 5"/>
+          <p:cNvSpPr>
+            <a:spLocks noGrp="1"/>
+          </p:cNvSpPr>
+          <p:nvPr>
+            <p:ph type="body"/>
+          </p:nvPr>
+        </p:nvSpPr>
+        <p:spPr>
+          <a:xfrm>
+            <a:off x="720000" y="1010520"/>
+            <a:ext cx="12959640" cy="2504880"/>
+          </a:xfrm>
+          <a:prstGeom prst="rect">
+            <a:avLst/>
+          </a:prstGeom>
+          <a:noFill/>
+          <a:ln w="0">
+            <a:noFill/>
+          </a:ln>
+        </p:spPr>
+        <p:txBody>
+          <a:bodyPr lIns="0" rIns="0" tIns="0" bIns="0" anchor="t">
+            <a:normAutofit fontScale="92000"/>
+          </a:bodyPr>
+          <a:p>
+            <a:pPr marL="397440" indent="-298080">
+              <a:spcBef>
+                <a:spcPts val="1417"/>
+              </a:spcBef>
+              <a:buClr>
+                <a:srgbClr val="000000"/>
+              </a:buClr>
+              <a:buSzPct val="45000"/>
+              <a:buFont typeface="Wingdings" charset="2"/>
+              <a:buChar char=""/>
+            </a:pPr>
+            <a:r>
+              <a:rPr b="0" lang="pt-BR" sz="3200" spc="-1" strike="noStrike">
+                <a:solidFill>
+                  <a:srgbClr val="000000"/>
+                </a:solidFill>
+                <a:latin typeface="Arial"/>
+              </a:rPr>
+              <a:t>Clique para editar o formato de texto dos tópicos</a:t>
+            </a:r>
+            <a:endParaRPr b="0" lang="pt-BR" sz="3200" spc="-1" strike="noStrike">
+              <a:solidFill>
+                <a:srgbClr val="000000"/>
+              </a:solidFill>
+              <a:latin typeface="Arial"/>
+            </a:endParaRPr>
+          </a:p>
+          <a:p>
+            <a:pPr lvl="1" marL="794880" indent="-298080">
+              <a:spcBef>
+                <a:spcPts val="1134"/>
+              </a:spcBef>
+              <a:buClr>
+                <a:srgbClr val="000000"/>
+              </a:buClr>
+              <a:buSzPct val="75000"/>
+              <a:buFont typeface="Symbol" charset="2"/>
+              <a:buChar char=""/>
+            </a:pPr>
+            <a:r>
+              <a:rPr b="0" lang="pt-BR" sz="2800" spc="-1" strike="noStrike">
+                <a:solidFill>
+                  <a:srgbClr val="000000"/>
+                </a:solidFill>
+                <a:latin typeface="Arial"/>
+              </a:rPr>
+              <a:t>2.º nível de tópicos</a:t>
+            </a:r>
+            <a:endParaRPr b="0" lang="pt-BR" sz="2800" spc="-1" strike="noStrike">
+              <a:solidFill>
+                <a:srgbClr val="000000"/>
+              </a:solidFill>
+              <a:latin typeface="Arial"/>
+            </a:endParaRPr>
+          </a:p>
+          <a:p>
+            <a:pPr lvl="2" marL="1192320" indent="-264960">
+              <a:spcBef>
+                <a:spcPts val="850"/>
+              </a:spcBef>
+              <a:buClr>
+                <a:srgbClr val="000000"/>
+              </a:buClr>
+              <a:buSzPct val="45000"/>
+              <a:buFont typeface="Wingdings" charset="2"/>
+              <a:buChar char=""/>
+            </a:pPr>
+            <a:r>
+              <a:rPr b="0" lang="pt-BR" sz="2400" spc="-1" strike="noStrike">
+                <a:solidFill>
+                  <a:srgbClr val="000000"/>
+                </a:solidFill>
+                <a:latin typeface="Arial"/>
+              </a:rPr>
+              <a:t>3.º nível de tópicos</a:t>
+            </a:r>
+            <a:endParaRPr b="0" lang="pt-BR" sz="2400" spc="-1" strike="noStrike">
+              <a:solidFill>
+                <a:srgbClr val="000000"/>
+              </a:solidFill>
+              <a:latin typeface="Arial"/>
+            </a:endParaRPr>
+          </a:p>
+          <a:p>
+            <a:pPr lvl="3" marL="1589760" indent="-198720">
+              <a:spcBef>
+                <a:spcPts val="567"/>
+              </a:spcBef>
+              <a:buClr>
+                <a:srgbClr val="000000"/>
+              </a:buClr>
+              <a:buSzPct val="75000"/>
+              <a:buFont typeface="Symbol" charset="2"/>
+              <a:buChar char=""/>
+            </a:pPr>
+            <a:r>
+              <a:rPr b="0" lang="pt-BR" sz="2000" spc="-1" strike="noStrike">
+                <a:solidFill>
+                  <a:srgbClr val="000000"/>
+                </a:solidFill>
+                <a:latin typeface="Arial"/>
+              </a:rPr>
+              <a:t>4.º nível de tópicos</a:t>
+            </a:r>
+            <a:endParaRPr b="0" lang="pt-BR" sz="2000" spc="-1" strike="noStrike">
+              <a:solidFill>
+                <a:srgbClr val="000000"/>
+              </a:solidFill>
+              <a:latin typeface="Arial"/>
+            </a:endParaRPr>
+          </a:p>
+          <a:p>
+            <a:pPr lvl="4" marL="1987200" indent="-198720">
+              <a:spcBef>
+                <a:spcPts val="283"/>
+              </a:spcBef>
+              <a:buClr>
+                <a:srgbClr val="000000"/>
+              </a:buClr>
+              <a:buSzPct val="45000"/>
+              <a:buFont typeface="Wingdings" charset="2"/>
+              <a:buChar char=""/>
+            </a:pPr>
+            <a:r>
+              <a:rPr b="0" lang="pt-BR" sz="2000" spc="-1" strike="noStrike">
+                <a:solidFill>
+                  <a:srgbClr val="000000"/>
+                </a:solidFill>
+                <a:latin typeface="Arial"/>
+              </a:rPr>
+              <a:t>5.º nível de tópicos</a:t>
+            </a:r>
+            <a:endParaRPr b="0" lang="pt-BR" sz="2000" spc="-1" strike="noStrike">
+              <a:solidFill>
+                <a:srgbClr val="000000"/>
+              </a:solidFill>
+              <a:latin typeface="Arial"/>
+            </a:endParaRPr>
+          </a:p>
+          <a:p>
+            <a:pPr lvl="5" marL="2384640" indent="-198720">
+              <a:spcBef>
+                <a:spcPts val="283"/>
+              </a:spcBef>
+              <a:buClr>
+                <a:srgbClr val="000000"/>
+              </a:buClr>
+              <a:buSzPct val="45000"/>
+              <a:buFont typeface="Wingdings" charset="2"/>
+              <a:buChar char=""/>
+            </a:pPr>
+            <a:r>
+              <a:rPr b="0" lang="pt-BR" sz="2000" spc="-1" strike="noStrike">
+                <a:solidFill>
+                  <a:srgbClr val="000000"/>
+                </a:solidFill>
+                <a:latin typeface="Arial"/>
+              </a:rPr>
+              <a:t>6.º nível de tópicos</a:t>
+            </a:r>
+            <a:endParaRPr b="0" lang="pt-BR" sz="2000" spc="-1" strike="noStrike">
+              <a:solidFill>
+                <a:srgbClr val="000000"/>
+              </a:solidFill>
+              <a:latin typeface="Arial"/>
+            </a:endParaRPr>
+          </a:p>
+          <a:p>
+            <a:pPr lvl="6" marL="2782080" indent="-198720">
+              <a:spcBef>
+                <a:spcPts val="283"/>
+              </a:spcBef>
+              <a:buClr>
+                <a:srgbClr val="000000"/>
+              </a:buClr>
+              <a:buSzPct val="45000"/>
+              <a:buFont typeface="Wingdings" charset="2"/>
+              <a:buChar char=""/>
+            </a:pPr>
+            <a:r>
+              <a:rPr b="0" lang="pt-BR" sz="2000" spc="-1" strike="noStrike">
+                <a:solidFill>
+                  <a:srgbClr val="000000"/>
+                </a:solidFill>
+                <a:latin typeface="Arial"/>
+              </a:rPr>
+              <a:t>7.º nível de tópicos</a:t>
+            </a:r>
+            <a:endParaRPr b="0" lang="pt-BR" sz="2000" spc="-1" strike="noStrike">
+              <a:solidFill>
+                <a:srgbClr val="000000"/>
+              </a:solidFill>
+              <a:latin typeface="Arial"/>
             </a:endParaRPr>
           </a:p>
         </p:txBody>
@@ -3060,7 +3060,7 @@
         <p:spPr>
           <a:xfrm>
             <a:off x="2024640" y="1197360"/>
-            <a:ext cx="3373920" cy="601560"/>
+            <a:ext cx="3373560" cy="601200"/>
           </a:xfrm>
           <a:prstGeom prst="rect">
             <a:avLst/>
@@ -3118,7 +3118,7 @@
         <p:spPr>
           <a:xfrm>
             <a:off x="3239280" y="477360"/>
-            <a:ext cx="809640" cy="647640"/>
+            <a:ext cx="809280" cy="647280"/>
           </a:xfrm>
           <a:prstGeom prst="rect">
             <a:avLst/>
@@ -3137,7 +3137,7 @@
         <p:spPr>
           <a:xfrm>
             <a:off x="3059640" y="81360"/>
-            <a:ext cx="1124280" cy="359280"/>
+            <a:ext cx="1123920" cy="358920"/>
           </a:xfrm>
           <a:prstGeom prst="rect">
             <a:avLst/>
@@ -3238,7 +3238,7 @@
         <p:spPr>
           <a:xfrm>
             <a:off x="6928920" y="503640"/>
-            <a:ext cx="809640" cy="647640"/>
+            <a:ext cx="809280" cy="647280"/>
           </a:xfrm>
           <a:prstGeom prst="rect">
             <a:avLst/>
@@ -3257,7 +3257,7 @@
         <p:spPr>
           <a:xfrm>
             <a:off x="6749280" y="107640"/>
-            <a:ext cx="1124280" cy="359280"/>
+            <a:ext cx="1123920" cy="358920"/>
           </a:xfrm>
           <a:prstGeom prst="rect">
             <a:avLst/>
@@ -3311,7 +3311,7 @@
         <p:spPr>
           <a:xfrm>
             <a:off x="5669280" y="1197720"/>
-            <a:ext cx="3373920" cy="601560"/>
+            <a:ext cx="3373560" cy="601200"/>
           </a:xfrm>
           <a:prstGeom prst="rect">
             <a:avLst/>
@@ -3408,7 +3408,7 @@
         <p:spPr>
           <a:xfrm>
             <a:off x="2474640" y="4175280"/>
-            <a:ext cx="4048920" cy="1259280"/>
+            <a:ext cx="4048560" cy="1258920"/>
           </a:xfrm>
           <a:prstGeom prst="rect">
             <a:avLst/>
@@ -3462,7 +3462,7 @@
         <p:spPr>
           <a:xfrm>
             <a:off x="4994280" y="2771640"/>
-            <a:ext cx="899280" cy="421560"/>
+            <a:ext cx="898920" cy="421200"/>
           </a:xfrm>
           <a:prstGeom prst="rect">
             <a:avLst/>
@@ -3602,7 +3602,7 @@
         <p:spPr>
           <a:xfrm>
             <a:off x="7629480" y="2771640"/>
-            <a:ext cx="899280" cy="421560"/>
+            <a:ext cx="898920" cy="421200"/>
           </a:xfrm>
           <a:prstGeom prst="rect">
             <a:avLst/>
@@ -3699,7 +3699,7 @@
         <p:spPr>
           <a:xfrm>
             <a:off x="7694280" y="4175280"/>
-            <a:ext cx="4048920" cy="1259280"/>
+            <a:ext cx="4048560" cy="1258920"/>
           </a:xfrm>
           <a:prstGeom prst="rect">
             <a:avLst/>
@@ -3783,7 +3783,7 @@
         <p:spPr>
           <a:xfrm>
             <a:off x="224640" y="1269720"/>
-            <a:ext cx="1575000" cy="1141920"/>
+            <a:ext cx="1574640" cy="1141560"/>
           </a:xfrm>
           <a:prstGeom prst="rect">
             <a:avLst/>
@@ -3841,7 +3841,7 @@
         <p:spPr>
           <a:xfrm>
             <a:off x="629640" y="467640"/>
-            <a:ext cx="630000" cy="647640"/>
+            <a:ext cx="629640" cy="647280"/>
           </a:xfrm>
           <a:prstGeom prst="rect">
             <a:avLst/>
@@ -3860,7 +3860,7 @@
         <p:spPr>
           <a:xfrm>
             <a:off x="378000" y="35640"/>
-            <a:ext cx="1124280" cy="359280"/>
+            <a:ext cx="1123920" cy="358920"/>
           </a:xfrm>
           <a:prstGeom prst="rect">
             <a:avLst/>
@@ -3957,7 +3957,7 @@
         <p:spPr>
           <a:xfrm>
             <a:off x="10440000" y="396000"/>
-            <a:ext cx="2159640" cy="781920"/>
+            <a:ext cx="2159280" cy="781560"/>
           </a:xfrm>
           <a:prstGeom prst="rect">
             <a:avLst/>
@@ -4054,7 +4054,7 @@
         <p:spPr>
           <a:xfrm>
             <a:off x="10260000" y="3060000"/>
-            <a:ext cx="3220920" cy="1259280"/>
+            <a:ext cx="3220560" cy="1258920"/>
           </a:xfrm>
           <a:prstGeom prst="rect">
             <a:avLst/>
@@ -4088,17 +4088,7 @@
                 <a:latin typeface="Arial"/>
                 <a:ea typeface="DejaVu Sans"/>
               </a:rPr>
-              <a:t>I’m sorry, but this loan is available only for clients that are </a:t>
-            </a:r>
-            <a:r>
-              <a:rPr b="0" lang="pt-BR" sz="1500" spc="-1" strike="noStrike">
-                <a:solidFill>
-                  <a:srgbClr val="000000"/>
-                </a:solidFill>
-                <a:latin typeface="Arial"/>
-                <a:ea typeface="DejaVu Sans"/>
-              </a:rPr>
-              <a:t>elegible to all three modalities of loan. Can I help you with something eles?</a:t>
+              <a:t>I’m sorry, but this loan is available only for clients that are elegible to all three modalities of loan. Can I help you with something else?</a:t>
             </a:r>
             <a:endParaRPr b="0" lang="pt-BR" sz="1500" spc="-1" strike="noStrike">
               <a:solidFill>
@@ -4118,7 +4108,7 @@
         <p:spPr>
           <a:xfrm>
             <a:off x="11510280" y="1835640"/>
-            <a:ext cx="899280" cy="421560"/>
+            <a:ext cx="898920" cy="421200"/>
           </a:xfrm>
           <a:prstGeom prst="rect">
             <a:avLst/>
@@ -4215,7 +4205,7 @@
         <p:spPr>
           <a:xfrm>
             <a:off x="2268000" y="432000"/>
-            <a:ext cx="1215000" cy="719640"/>
+            <a:ext cx="1214640" cy="719280"/>
           </a:xfrm>
           <a:prstGeom prst="rect">
             <a:avLst/>
@@ -4312,7 +4302,7 @@
         <p:spPr>
           <a:xfrm>
             <a:off x="4184640" y="432000"/>
-            <a:ext cx="1215000" cy="719640"/>
+            <a:ext cx="1214640" cy="719280"/>
           </a:xfrm>
           <a:prstGeom prst="rect">
             <a:avLst/>
@@ -4452,7 +4442,7 @@
         <p:spPr>
           <a:xfrm>
             <a:off x="6056640" y="432000"/>
-            <a:ext cx="1215000" cy="719640"/>
+            <a:ext cx="1214640" cy="719280"/>
           </a:xfrm>
           <a:prstGeom prst="rect">
             <a:avLst/>
@@ -4592,7 +4582,7 @@
         <p:spPr>
           <a:xfrm>
             <a:off x="7992000" y="432000"/>
-            <a:ext cx="1215000" cy="719640"/>
+            <a:ext cx="1214640" cy="719280"/>
           </a:xfrm>
           <a:prstGeom prst="rect">
             <a:avLst/>

--- a/posts/2023/2023-08-31-data-decisions/flow.pptx
+++ b/posts/2023/2023-08-31-data-decisions/flow.pptx
@@ -7,6 +7,7 @@
   <p:sldIdLst>
     <p:sldId id="256" r:id="rId3"/>
     <p:sldId id="257" r:id="rId4"/>
+    <p:sldId id="258" r:id="rId5"/>
   </p:sldIdLst>
   <p:sldSz cx="14400213" cy="4319588"/>
   <p:notesSz cx="7559675" cy="10691813"/>
@@ -64,7 +65,7 @@
         <p:txBody>
           <a:bodyPr/>
           <a:p>
-            <a:fld id="{BA1368EE-F7CB-47EF-B36E-9B2AF80B7B4B}" type="slidenum">
+            <a:fld id="{F053FDE4-84C8-41AD-BE1A-11451A7867C0}" type="slidenum">
               <a:t>&lt;#&gt;</a:t>
             </a:fld>
           </a:p>
@@ -273,7 +274,7 @@
         <p:txBody>
           <a:bodyPr/>
           <a:p>
-            <a:fld id="{04B287CD-193A-459D-9C80-2E55C228CB84}" type="slidenum">
+            <a:fld id="{065FA6E7-D186-4D74-82E7-63C1616E3909}" type="slidenum">
               <a:t>&lt;#&gt;</a:t>
             </a:fld>
           </a:p>
@@ -568,7 +569,7 @@
         <p:txBody>
           <a:bodyPr/>
           <a:p>
-            <a:fld id="{BD357A86-2E19-4A9B-B7FE-0BC802F7A9B6}" type="slidenum">
+            <a:fld id="{7BBD1F86-A3A2-4C6A-86D3-73E1CCC3F251}" type="slidenum">
               <a:t>&lt;#&gt;</a:t>
             </a:fld>
           </a:p>
@@ -949,7 +950,7 @@
         <p:txBody>
           <a:bodyPr/>
           <a:p>
-            <a:fld id="{88B9FA18-0D47-4F0B-BBE2-2F26BD973DF1}" type="slidenum">
+            <a:fld id="{400F5C69-BDAA-4629-95EF-3481DD06DA34}" type="slidenum">
               <a:t>&lt;#&gt;</a:t>
             </a:fld>
           </a:p>
@@ -1112,7 +1113,7 @@
         <p:txBody>
           <a:bodyPr/>
           <a:p>
-            <a:fld id="{6A875D95-F110-49D6-86A1-68846E7FBA6E}" type="slidenum">
+            <a:fld id="{23AFED4A-CEBC-4D61-A188-DA087EB5B396}" type="slidenum">
               <a:t>&lt;#&gt;</a:t>
             </a:fld>
           </a:p>
@@ -1278,7 +1279,7 @@
         <p:txBody>
           <a:bodyPr/>
           <a:p>
-            <a:fld id="{46AE6CC7-EB3F-4D8B-9C5A-DFC415CA3221}" type="slidenum">
+            <a:fld id="{56DFA4A0-BBA5-438B-BD84-D63B0946BED9}" type="slidenum">
               <a:t>&lt;#&gt;</a:t>
             </a:fld>
           </a:p>
@@ -1487,7 +1488,7 @@
         <p:txBody>
           <a:bodyPr/>
           <a:p>
-            <a:fld id="{000C28F7-7824-456E-AF83-1A55F0D34394}" type="slidenum">
+            <a:fld id="{7947BB23-0156-4FB0-870D-3387C6A8DDF6}" type="slidenum">
               <a:t>&lt;#&gt;</a:t>
             </a:fld>
           </a:p>
@@ -1610,7 +1611,7 @@
         <p:txBody>
           <a:bodyPr/>
           <a:p>
-            <a:fld id="{6F033732-794E-4ED1-905A-E48DC9BF86EC}" type="slidenum">
+            <a:fld id="{7E620FE9-4763-448D-8FDA-6051108C81A8}" type="slidenum">
               <a:t>&lt;#&gt;</a:t>
             </a:fld>
           </a:p>
@@ -1731,7 +1732,7 @@
         <p:txBody>
           <a:bodyPr/>
           <a:p>
-            <a:fld id="{93293068-6876-4350-96B2-96D4D6E88286}" type="slidenum">
+            <a:fld id="{014C351A-3EB3-4482-B610-44EC27226785}" type="slidenum">
               <a:t>&lt;#&gt;</a:t>
             </a:fld>
           </a:p>
@@ -1983,7 +1984,7 @@
         <p:txBody>
           <a:bodyPr/>
           <a:p>
-            <a:fld id="{6500B7B1-6616-4A8D-BE98-21A2A5485670}" type="slidenum">
+            <a:fld id="{62D046F5-55E1-48F5-A5D4-2FE53E1B942F}" type="slidenum">
               <a:t>&lt;#&gt;</a:t>
             </a:fld>
           </a:p>
@@ -2235,7 +2236,7 @@
         <p:txBody>
           <a:bodyPr/>
           <a:p>
-            <a:fld id="{7D9C184B-D9D9-4C75-814F-F1AD2BD8BDB9}" type="slidenum">
+            <a:fld id="{A912FDE4-02DB-426E-823F-7FEC4E116496}" type="slidenum">
               <a:t>&lt;#&gt;</a:t>
             </a:fld>
           </a:p>
@@ -2487,7 +2488,7 @@
         <p:txBody>
           <a:bodyPr/>
           <a:p>
-            <a:fld id="{058EEDEC-6C88-40F0-9E25-985C8EC957FA}" type="slidenum">
+            <a:fld id="{D08B777D-A2CB-42E6-B426-9800555D1E28}" type="slidenum">
               <a:t>&lt;#&gt;</a:t>
             </a:fld>
           </a:p>
@@ -2549,7 +2550,7 @@
         <p:spPr>
           <a:xfrm>
             <a:off x="4308840" y="5164560"/>
-            <a:ext cx="3992400" cy="389520"/>
+            <a:ext cx="3992040" cy="389160"/>
           </a:xfrm>
           <a:prstGeom prst="rect">
             <a:avLst/>
@@ -2597,7 +2598,7 @@
                 </a:solidFill>
                 <a:latin typeface="Times New Roman"/>
               </a:rPr>
-              <a:t> </a:t>
+              <a:t>&lt;rodapé&gt;</a:t>
             </a:r>
             <a:endParaRPr b="0" lang="pt-BR" sz="1400" spc="-1" strike="noStrike">
               <a:solidFill>
@@ -2621,7 +2622,7 @@
         <p:spPr>
           <a:xfrm>
             <a:off x="9033480" y="5164560"/>
-            <a:ext cx="2934000" cy="389520"/>
+            <a:ext cx="2933640" cy="389160"/>
           </a:xfrm>
           <a:prstGeom prst="rect">
             <a:avLst/>
@@ -2662,14 +2663,14 @@
                 <a:tab algn="l" pos="0"/>
               </a:tabLst>
             </a:pPr>
-            <a:fld id="{9AD60EC3-213F-4BC8-9493-33CA53FC5B91}" type="slidenum">
+            <a:fld id="{C9500031-D748-430F-8FA9-1B50F6C46CE3}" type="slidenum">
               <a:rPr b="0" lang="pt-BR" sz="1400" spc="-1" strike="noStrike">
                 <a:solidFill>
                   <a:srgbClr val="000000"/>
                 </a:solidFill>
                 <a:latin typeface="Times New Roman"/>
               </a:rPr>
-              <a:t>2</a:t>
+              <a:t>&lt;número&gt;</a:t>
             </a:fld>
             <a:endParaRPr b="0" lang="pt-BR" sz="1400" spc="-1" strike="noStrike">
               <a:solidFill>
@@ -2693,7 +2694,7 @@
         <p:spPr>
           <a:xfrm>
             <a:off x="629640" y="5164560"/>
-            <a:ext cx="2934000" cy="389520"/>
+            <a:ext cx="2933640" cy="389160"/>
           </a:xfrm>
           <a:prstGeom prst="rect">
             <a:avLst/>
@@ -2729,7 +2730,7 @@
                 </a:solidFill>
                 <a:latin typeface="Times New Roman"/>
               </a:rPr>
-              <a:t> </a:t>
+              <a:t>&lt;data/hora&gt;</a:t>
             </a:r>
             <a:endParaRPr b="0" lang="pt-BR" sz="1400" spc="-1" strike="noStrike">
               <a:solidFill>
@@ -3060,7 +3061,7 @@
         <p:spPr>
           <a:xfrm>
             <a:off x="2024640" y="1197360"/>
-            <a:ext cx="3373560" cy="601200"/>
+            <a:ext cx="3373200" cy="600840"/>
           </a:xfrm>
           <a:prstGeom prst="rect">
             <a:avLst/>
@@ -3118,7 +3119,7 @@
         <p:spPr>
           <a:xfrm>
             <a:off x="3239280" y="477360"/>
-            <a:ext cx="809280" cy="647280"/>
+            <a:ext cx="808920" cy="646920"/>
           </a:xfrm>
           <a:prstGeom prst="rect">
             <a:avLst/>
@@ -3137,7 +3138,7 @@
         <p:spPr>
           <a:xfrm>
             <a:off x="3059640" y="81360"/>
-            <a:ext cx="1123920" cy="358920"/>
+            <a:ext cx="1123560" cy="358560"/>
           </a:xfrm>
           <a:prstGeom prst="rect">
             <a:avLst/>
@@ -3238,7 +3239,7 @@
         <p:spPr>
           <a:xfrm>
             <a:off x="6928920" y="503640"/>
-            <a:ext cx="809280" cy="647280"/>
+            <a:ext cx="808920" cy="646920"/>
           </a:xfrm>
           <a:prstGeom prst="rect">
             <a:avLst/>
@@ -3257,7 +3258,7 @@
         <p:spPr>
           <a:xfrm>
             <a:off x="6749280" y="107640"/>
-            <a:ext cx="1123920" cy="358920"/>
+            <a:ext cx="1123560" cy="358560"/>
           </a:xfrm>
           <a:prstGeom prst="rect">
             <a:avLst/>
@@ -3311,7 +3312,7 @@
         <p:spPr>
           <a:xfrm>
             <a:off x="5669280" y="1197720"/>
-            <a:ext cx="3373560" cy="601200"/>
+            <a:ext cx="3373200" cy="600840"/>
           </a:xfrm>
           <a:prstGeom prst="rect">
             <a:avLst/>
@@ -3408,7 +3409,7 @@
         <p:spPr>
           <a:xfrm>
             <a:off x="2474640" y="4175280"/>
-            <a:ext cx="4048560" cy="1258920"/>
+            <a:ext cx="4048200" cy="1258560"/>
           </a:xfrm>
           <a:prstGeom prst="rect">
             <a:avLst/>
@@ -3462,7 +3463,7 @@
         <p:spPr>
           <a:xfrm>
             <a:off x="4994280" y="2771640"/>
-            <a:ext cx="898920" cy="421200"/>
+            <a:ext cx="898560" cy="420840"/>
           </a:xfrm>
           <a:prstGeom prst="rect">
             <a:avLst/>
@@ -3602,7 +3603,7 @@
         <p:spPr>
           <a:xfrm>
             <a:off x="7629480" y="2771640"/>
-            <a:ext cx="898920" cy="421200"/>
+            <a:ext cx="898560" cy="420840"/>
           </a:xfrm>
           <a:prstGeom prst="rect">
             <a:avLst/>
@@ -3699,7 +3700,7 @@
         <p:spPr>
           <a:xfrm>
             <a:off x="7694280" y="4175280"/>
-            <a:ext cx="4048560" cy="1258920"/>
+            <a:ext cx="4048200" cy="1258560"/>
           </a:xfrm>
           <a:prstGeom prst="rect">
             <a:avLst/>
@@ -3783,7 +3784,7 @@
         <p:spPr>
           <a:xfrm>
             <a:off x="224640" y="1269720"/>
-            <a:ext cx="1574640" cy="1141560"/>
+            <a:ext cx="1574280" cy="1141200"/>
           </a:xfrm>
           <a:prstGeom prst="rect">
             <a:avLst/>
@@ -3841,7 +3842,7 @@
         <p:spPr>
           <a:xfrm>
             <a:off x="629640" y="467640"/>
-            <a:ext cx="629640" cy="647280"/>
+            <a:ext cx="629280" cy="646920"/>
           </a:xfrm>
           <a:prstGeom prst="rect">
             <a:avLst/>
@@ -3860,7 +3861,7 @@
         <p:spPr>
           <a:xfrm>
             <a:off x="378000" y="35640"/>
-            <a:ext cx="1123920" cy="358920"/>
+            <a:ext cx="1123560" cy="358560"/>
           </a:xfrm>
           <a:prstGeom prst="rect">
             <a:avLst/>
@@ -3957,7 +3958,7 @@
         <p:spPr>
           <a:xfrm>
             <a:off x="10440000" y="396000"/>
-            <a:ext cx="2159280" cy="781560"/>
+            <a:ext cx="2158920" cy="781200"/>
           </a:xfrm>
           <a:prstGeom prst="rect">
             <a:avLst/>
@@ -4054,7 +4055,7 @@
         <p:spPr>
           <a:xfrm>
             <a:off x="10260000" y="3060000"/>
-            <a:ext cx="3220560" cy="1258920"/>
+            <a:ext cx="3220200" cy="1258560"/>
           </a:xfrm>
           <a:prstGeom prst="rect">
             <a:avLst/>
@@ -4108,7 +4109,7 @@
         <p:spPr>
           <a:xfrm>
             <a:off x="11510280" y="1835640"/>
-            <a:ext cx="898920" cy="421200"/>
+            <a:ext cx="898560" cy="420840"/>
           </a:xfrm>
           <a:prstGeom prst="rect">
             <a:avLst/>
@@ -4205,7 +4206,7 @@
         <p:spPr>
           <a:xfrm>
             <a:off x="2268000" y="432000"/>
-            <a:ext cx="1214640" cy="719280"/>
+            <a:ext cx="1214280" cy="718920"/>
           </a:xfrm>
           <a:prstGeom prst="rect">
             <a:avLst/>
@@ -4302,7 +4303,7 @@
         <p:spPr>
           <a:xfrm>
             <a:off x="4184640" y="432000"/>
-            <a:ext cx="1214640" cy="719280"/>
+            <a:ext cx="1214280" cy="718920"/>
           </a:xfrm>
           <a:prstGeom prst="rect">
             <a:avLst/>
@@ -4442,7 +4443,7 @@
         <p:spPr>
           <a:xfrm>
             <a:off x="6056640" y="432000"/>
-            <a:ext cx="1214640" cy="719280"/>
+            <a:ext cx="1214280" cy="718920"/>
           </a:xfrm>
           <a:prstGeom prst="rect">
             <a:avLst/>
@@ -4582,7 +4583,7 @@
         <p:spPr>
           <a:xfrm>
             <a:off x="7992000" y="432000"/>
-            <a:ext cx="1214640" cy="719280"/>
+            <a:ext cx="1214280" cy="718920"/>
           </a:xfrm>
           <a:prstGeom prst="rect">
             <a:avLst/>
@@ -4617,6 +4618,899 @@
                 <a:ea typeface="DejaVu Sans"/>
               </a:rPr>
               <a:t>Do you have a car?</a:t>
+            </a:r>
+            <a:endParaRPr b="0" lang="pt-BR" sz="1500" spc="-1" strike="noStrike">
+              <a:solidFill>
+                <a:srgbClr val="000000"/>
+              </a:solidFill>
+              <a:latin typeface="Arial"/>
+            </a:endParaRPr>
+          </a:p>
+        </p:txBody>
+      </p:sp>
+    </p:spTree>
+  </p:cSld>
+  <mc:AlternateContent>
+    <mc:Choice Requires="p14">
+      <p:transition spd="slow" p14:dur="2000"/>
+    </mc:Choice>
+    <mc:Fallback>
+      <p:transition spd="slow"/>
+    </mc:Fallback>
+  </mc:AlternateContent>
+</p:sld>
+</file>
+
+<file path=ppt/slides/slide3.xml><?xml version="1.0" encoding="utf-8"?>
+<p:sld xmlns:a="http://schemas.openxmlformats.org/drawingml/2006/main" xmlns:p="http://schemas.openxmlformats.org/presentationml/2006/main" xmlns:r="http://schemas.openxmlformats.org/officeDocument/2006/relationships" xmlns:p14="http://schemas.microsoft.com/office/powerpoint/2010/main" xmlns:p15="http://schemas.microsoft.com/office/powerpoint/2012/main" xmlns:mc="http://schemas.openxmlformats.org/markup-compatibility/2006">
+  <p:cSld>
+    <p:spTree>
+      <p:nvGrpSpPr>
+        <p:cNvPr id="1" name=""/>
+        <p:cNvGrpSpPr/>
+        <p:nvPr/>
+      </p:nvGrpSpPr>
+      <p:grpSpPr>
+        <a:xfrm>
+          <a:off x="0" y="0"/>
+          <a:ext cx="0" cy="0"/>
+          <a:chOff x="0" y="0"/>
+          <a:chExt cx="0" cy="0"/>
+        </a:xfrm>
+      </p:grpSpPr>
+      <p:sp>
+        <p:nvSpPr>
+          <p:cNvPr id="74" name=""/>
+          <p:cNvSpPr/>
+          <p:nvPr/>
+        </p:nvSpPr>
+        <p:spPr>
+          <a:xfrm>
+            <a:off x="224640" y="1269720"/>
+            <a:ext cx="1574280" cy="1141200"/>
+          </a:xfrm>
+          <a:prstGeom prst="rect">
+            <a:avLst/>
+          </a:prstGeom>
+          <a:noFill/>
+          <a:ln w="0">
+            <a:noFill/>
+          </a:ln>
+        </p:spPr>
+        <p:style>
+          <a:lnRef idx="0"/>
+          <a:fillRef idx="0"/>
+          <a:effectRef idx="0"/>
+          <a:fontRef idx="minor"/>
+        </p:style>
+        <p:txBody>
+          <a:bodyPr lIns="90000" rIns="90000" tIns="45000" bIns="45000" anchor="t">
+            <a:noAutofit/>
+          </a:bodyPr>
+          <a:p>
+            <a:pPr>
+              <a:lnSpc>
+                <a:spcPct val="100000"/>
+              </a:lnSpc>
+            </a:pPr>
+            <a:r>
+              <a:rPr b="0" lang="pt-BR" sz="1500" spc="-1" strike="noStrike">
+                <a:solidFill>
+                  <a:srgbClr val="000000"/>
+                </a:solidFill>
+                <a:latin typeface="Arial"/>
+                <a:ea typeface="DejaVu Sans"/>
+              </a:rPr>
+              <a:t>Olá! Quero adquirir um empréstimo por favor 💵</a:t>
+            </a:r>
+            <a:endParaRPr b="0" lang="pt-BR" sz="1500" spc="-1" strike="noStrike">
+              <a:solidFill>
+                <a:srgbClr val="000000"/>
+              </a:solidFill>
+              <a:latin typeface="Arial"/>
+            </a:endParaRPr>
+          </a:p>
+        </p:txBody>
+      </p:sp>
+      <p:pic>
+        <p:nvPicPr>
+          <p:cNvPr id="75" name="" descr=""/>
+          <p:cNvPicPr/>
+          <p:nvPr/>
+        </p:nvPicPr>
+        <p:blipFill>
+          <a:blip r:embed="rId1"/>
+          <a:stretch/>
+        </p:blipFill>
+        <p:spPr>
+          <a:xfrm>
+            <a:off x="629640" y="467640"/>
+            <a:ext cx="629280" cy="646920"/>
+          </a:xfrm>
+          <a:prstGeom prst="rect">
+            <a:avLst/>
+          </a:prstGeom>
+          <a:ln w="0">
+            <a:noFill/>
+          </a:ln>
+        </p:spPr>
+      </p:pic>
+      <p:sp>
+        <p:nvSpPr>
+          <p:cNvPr id="76" name=""/>
+          <p:cNvSpPr/>
+          <p:nvPr/>
+        </p:nvSpPr>
+        <p:spPr>
+          <a:xfrm>
+            <a:off x="378000" y="35640"/>
+            <a:ext cx="1123560" cy="358560"/>
+          </a:xfrm>
+          <a:prstGeom prst="rect">
+            <a:avLst/>
+          </a:prstGeom>
+          <a:noFill/>
+          <a:ln w="0">
+            <a:noFill/>
+          </a:ln>
+        </p:spPr>
+        <p:style>
+          <a:lnRef idx="0"/>
+          <a:fillRef idx="0"/>
+          <a:effectRef idx="0"/>
+          <a:fontRef idx="minor"/>
+        </p:style>
+        <p:txBody>
+          <a:bodyPr lIns="90000" rIns="90000" tIns="45000" bIns="45000" anchor="ctr">
+            <a:noAutofit/>
+          </a:bodyPr>
+          <a:p>
+            <a:pPr algn="ctr">
+              <a:lnSpc>
+                <a:spcPct val="100000"/>
+              </a:lnSpc>
+            </a:pPr>
+            <a:r>
+              <a:rPr b="1" lang="pt-BR" sz="1800" spc="-1" strike="noStrike">
+                <a:solidFill>
+                  <a:srgbClr val="000000"/>
+                </a:solidFill>
+                <a:latin typeface="Arial"/>
+                <a:ea typeface="DejaVu Sans"/>
+              </a:rPr>
+              <a:t>Usuário</a:t>
+            </a:r>
+            <a:endParaRPr b="0" lang="pt-BR" sz="1800" spc="-1" strike="noStrike">
+              <a:solidFill>
+                <a:srgbClr val="000000"/>
+              </a:solidFill>
+              <a:latin typeface="Arial"/>
+            </a:endParaRPr>
+          </a:p>
+        </p:txBody>
+      </p:sp>
+      <p:sp>
+        <p:nvSpPr>
+          <p:cNvPr id="77" name=""/>
+          <p:cNvSpPr/>
+          <p:nvPr/>
+        </p:nvSpPr>
+        <p:spPr>
+          <a:xfrm>
+            <a:off x="1440000" y="792000"/>
+            <a:ext cx="720000" cy="360"/>
+          </a:xfrm>
+          <a:prstGeom prst="line">
+            <a:avLst/>
+          </a:prstGeom>
+          <a:ln w="108000">
+            <a:solidFill>
+              <a:srgbClr val="3465a4"/>
+            </a:solidFill>
+            <a:round/>
+            <a:tailEnd len="med" type="triangle" w="med"/>
+          </a:ln>
+        </p:spPr>
+        <p:style>
+          <a:lnRef idx="0"/>
+          <a:fillRef idx="0"/>
+          <a:effectRef idx="0"/>
+          <a:fontRef idx="minor"/>
+        </p:style>
+        <p:txBody>
+          <a:bodyPr lIns="144000" rIns="144000" tIns="-99000" bIns="-99000" anchor="ctr">
+            <a:noAutofit/>
+          </a:bodyPr>
+          <a:p>
+            <a:endParaRPr b="0" lang="pt-BR" sz="1800" spc="-1" strike="noStrike">
+              <a:solidFill>
+                <a:srgbClr val="000000"/>
+              </a:solidFill>
+              <a:latin typeface="Arial"/>
+              <a:ea typeface="DejaVu Sans"/>
+            </a:endParaRPr>
+          </a:p>
+        </p:txBody>
+      </p:sp>
+      <p:sp>
+        <p:nvSpPr>
+          <p:cNvPr id="78" name=""/>
+          <p:cNvSpPr/>
+          <p:nvPr/>
+        </p:nvSpPr>
+        <p:spPr>
+          <a:xfrm>
+            <a:off x="10440000" y="396000"/>
+            <a:ext cx="2158920" cy="781200"/>
+          </a:xfrm>
+          <a:prstGeom prst="rect">
+            <a:avLst/>
+          </a:prstGeom>
+          <a:noFill/>
+          <a:ln w="0">
+            <a:noFill/>
+          </a:ln>
+        </p:spPr>
+        <p:style>
+          <a:lnRef idx="0"/>
+          <a:fillRef idx="0"/>
+          <a:effectRef idx="0"/>
+          <a:fontRef idx="minor"/>
+        </p:style>
+        <p:txBody>
+          <a:bodyPr lIns="90000" rIns="90000" tIns="45000" bIns="45000" anchor="t">
+            <a:noAutofit/>
+          </a:bodyPr>
+          <a:p>
+            <a:pPr>
+              <a:lnSpc>
+                <a:spcPct val="100000"/>
+              </a:lnSpc>
+            </a:pPr>
+            <a:r>
+              <a:rPr b="0" lang="pt-BR" sz="1500" spc="-1" strike="noStrike">
+                <a:solidFill>
+                  <a:srgbClr val="000000"/>
+                </a:solidFill>
+                <a:latin typeface="Arial"/>
+                <a:ea typeface="DejaVu Sans"/>
+              </a:rPr>
+              <a:t>Você é elegível às três modalidades de empréstimo ?</a:t>
+            </a:r>
+            <a:endParaRPr b="0" lang="pt-BR" sz="1500" spc="-1" strike="noStrike">
+              <a:solidFill>
+                <a:srgbClr val="000000"/>
+              </a:solidFill>
+              <a:latin typeface="Arial"/>
+            </a:endParaRPr>
+          </a:p>
+        </p:txBody>
+      </p:sp>
+      <p:sp>
+        <p:nvSpPr>
+          <p:cNvPr id="79" name=""/>
+          <p:cNvSpPr/>
+          <p:nvPr/>
+        </p:nvSpPr>
+        <p:spPr>
+          <a:xfrm>
+            <a:off x="11969280" y="1187640"/>
+            <a:ext cx="360" cy="684360"/>
+          </a:xfrm>
+          <a:prstGeom prst="line">
+            <a:avLst/>
+          </a:prstGeom>
+          <a:ln w="108000">
+            <a:solidFill>
+              <a:srgbClr val="3465a4"/>
+            </a:solidFill>
+            <a:round/>
+            <a:tailEnd len="med" type="triangle" w="med"/>
+          </a:ln>
+        </p:spPr>
+        <p:style>
+          <a:lnRef idx="0"/>
+          <a:fillRef idx="0"/>
+          <a:effectRef idx="0"/>
+          <a:fontRef idx="minor"/>
+        </p:style>
+        <p:txBody>
+          <a:bodyPr lIns="144000" rIns="144000" tIns="99000" bIns="99000" anchor="ctr">
+            <a:noAutofit/>
+          </a:bodyPr>
+          <a:p>
+            <a:endParaRPr b="0" lang="pt-BR" sz="1800" spc="-1" strike="noStrike">
+              <a:solidFill>
+                <a:srgbClr val="000000"/>
+              </a:solidFill>
+              <a:latin typeface="Arial"/>
+              <a:ea typeface="DejaVu Sans"/>
+            </a:endParaRPr>
+          </a:p>
+        </p:txBody>
+      </p:sp>
+      <p:sp>
+        <p:nvSpPr>
+          <p:cNvPr id="80" name=""/>
+          <p:cNvSpPr/>
+          <p:nvPr/>
+        </p:nvSpPr>
+        <p:spPr>
+          <a:xfrm>
+            <a:off x="10260000" y="3060000"/>
+            <a:ext cx="3220200" cy="1258560"/>
+          </a:xfrm>
+          <a:prstGeom prst="rect">
+            <a:avLst/>
+          </a:prstGeom>
+          <a:noFill/>
+          <a:ln w="0">
+            <a:noFill/>
+          </a:ln>
+        </p:spPr>
+        <p:style>
+          <a:lnRef idx="0"/>
+          <a:fillRef idx="0"/>
+          <a:effectRef idx="0"/>
+          <a:fontRef idx="minor"/>
+        </p:style>
+        <p:txBody>
+          <a:bodyPr lIns="90000" rIns="90000" tIns="45000" bIns="45000" anchor="t">
+            <a:noAutofit/>
+          </a:bodyPr>
+          <a:p>
+            <a:pPr>
+              <a:lnSpc>
+                <a:spcPct val="100000"/>
+              </a:lnSpc>
+            </a:pPr>
+            <a:r>
+              <a:rPr b="0" lang="pt-BR" sz="1500" spc="-1" strike="noStrike">
+                <a:solidFill>
+                  <a:srgbClr val="000000"/>
+                </a:solidFill>
+                <a:latin typeface="Arial"/>
+                <a:ea typeface="DejaVu Sans"/>
+              </a:rPr>
+              <a:t>Me desculpe, porém este empréstimo só está disponível para clientes que são elegíveis </a:t>
+            </a:r>
+            <a:r>
+              <a:rPr b="0" lang="pt-BR" sz="1500" spc="-1" strike="noStrike">
+                <a:solidFill>
+                  <a:srgbClr val="000000"/>
+                </a:solidFill>
+                <a:latin typeface="Arial"/>
+                <a:ea typeface="DejaVu Sans"/>
+              </a:rPr>
+              <a:t>às três modalidades. Posso te ajudar com algo mais?</a:t>
+            </a:r>
+            <a:endParaRPr b="0" lang="pt-BR" sz="1500" spc="-1" strike="noStrike">
+              <a:solidFill>
+                <a:srgbClr val="000000"/>
+              </a:solidFill>
+              <a:latin typeface="Arial"/>
+            </a:endParaRPr>
+          </a:p>
+        </p:txBody>
+      </p:sp>
+      <p:sp>
+        <p:nvSpPr>
+          <p:cNvPr id="81" name=""/>
+          <p:cNvSpPr/>
+          <p:nvPr/>
+        </p:nvSpPr>
+        <p:spPr>
+          <a:xfrm>
+            <a:off x="11510280" y="1835640"/>
+            <a:ext cx="898560" cy="420840"/>
+          </a:xfrm>
+          <a:prstGeom prst="rect">
+            <a:avLst/>
+          </a:prstGeom>
+          <a:noFill/>
+          <a:ln w="0">
+            <a:noFill/>
+          </a:ln>
+        </p:spPr>
+        <p:style>
+          <a:lnRef idx="0"/>
+          <a:fillRef idx="0"/>
+          <a:effectRef idx="0"/>
+          <a:fontRef idx="minor"/>
+        </p:style>
+        <p:txBody>
+          <a:bodyPr lIns="90000" rIns="90000" tIns="45000" bIns="45000" anchor="ctr">
+            <a:noAutofit/>
+          </a:bodyPr>
+          <a:p>
+            <a:pPr algn="ctr">
+              <a:lnSpc>
+                <a:spcPct val="100000"/>
+              </a:lnSpc>
+            </a:pPr>
+            <a:r>
+              <a:rPr b="1" lang="pt-BR" sz="1800" spc="-1" strike="noStrike">
+                <a:solidFill>
+                  <a:srgbClr val="000000"/>
+                </a:solidFill>
+                <a:latin typeface="Arial"/>
+                <a:ea typeface="DejaVu Sans"/>
+              </a:rPr>
+              <a:t>Não</a:t>
+            </a:r>
+            <a:endParaRPr b="0" lang="pt-BR" sz="1800" spc="-1" strike="noStrike">
+              <a:solidFill>
+                <a:srgbClr val="000000"/>
+              </a:solidFill>
+              <a:latin typeface="Arial"/>
+            </a:endParaRPr>
+          </a:p>
+        </p:txBody>
+      </p:sp>
+      <p:sp>
+        <p:nvSpPr>
+          <p:cNvPr id="82" name=""/>
+          <p:cNvSpPr/>
+          <p:nvPr/>
+        </p:nvSpPr>
+        <p:spPr>
+          <a:xfrm>
+            <a:off x="12681000" y="756000"/>
+            <a:ext cx="675000" cy="360"/>
+          </a:xfrm>
+          <a:prstGeom prst="line">
+            <a:avLst/>
+          </a:prstGeom>
+          <a:ln w="108000">
+            <a:solidFill>
+              <a:srgbClr val="3465a4"/>
+            </a:solidFill>
+            <a:round/>
+            <a:tailEnd len="med" type="triangle" w="med"/>
+          </a:ln>
+        </p:spPr>
+        <p:style>
+          <a:lnRef idx="0"/>
+          <a:fillRef idx="0"/>
+          <a:effectRef idx="0"/>
+          <a:fontRef idx="minor"/>
+        </p:style>
+        <p:txBody>
+          <a:bodyPr lIns="144000" rIns="144000" tIns="-99000" bIns="-99000" anchor="ctr">
+            <a:noAutofit/>
+          </a:bodyPr>
+          <a:p>
+            <a:endParaRPr b="0" lang="pt-BR" sz="1800" spc="-1" strike="noStrike">
+              <a:solidFill>
+                <a:srgbClr val="000000"/>
+              </a:solidFill>
+              <a:latin typeface="Arial"/>
+              <a:ea typeface="DejaVu Sans"/>
+            </a:endParaRPr>
+          </a:p>
+        </p:txBody>
+      </p:sp>
+      <p:sp>
+        <p:nvSpPr>
+          <p:cNvPr id="83" name=""/>
+          <p:cNvSpPr/>
+          <p:nvPr/>
+        </p:nvSpPr>
+        <p:spPr>
+          <a:xfrm>
+            <a:off x="2268000" y="432000"/>
+            <a:ext cx="1214280" cy="718920"/>
+          </a:xfrm>
+          <a:prstGeom prst="rect">
+            <a:avLst/>
+          </a:prstGeom>
+          <a:noFill/>
+          <a:ln w="0">
+            <a:noFill/>
+          </a:ln>
+        </p:spPr>
+        <p:style>
+          <a:lnRef idx="0"/>
+          <a:fillRef idx="0"/>
+          <a:effectRef idx="0"/>
+          <a:fontRef idx="minor"/>
+        </p:style>
+        <p:txBody>
+          <a:bodyPr lIns="90000" rIns="90000" tIns="45000" bIns="45000" anchor="ctr">
+            <a:noAutofit/>
+          </a:bodyPr>
+          <a:p>
+            <a:pPr>
+              <a:lnSpc>
+                <a:spcPct val="100000"/>
+              </a:lnSpc>
+            </a:pPr>
+            <a:r>
+              <a:rPr b="0" lang="pt-BR" sz="1500" spc="-1" strike="noStrike">
+                <a:solidFill>
+                  <a:srgbClr val="000000"/>
+                </a:solidFill>
+                <a:latin typeface="Arial"/>
+                <a:ea typeface="DejaVu Sans"/>
+              </a:rPr>
+              <a:t>Qual o seu nome?</a:t>
+            </a:r>
+            <a:endParaRPr b="0" lang="pt-BR" sz="1500" spc="-1" strike="noStrike">
+              <a:solidFill>
+                <a:srgbClr val="000000"/>
+              </a:solidFill>
+              <a:latin typeface="Arial"/>
+            </a:endParaRPr>
+          </a:p>
+        </p:txBody>
+      </p:sp>
+      <p:sp>
+        <p:nvSpPr>
+          <p:cNvPr id="84" name=""/>
+          <p:cNvSpPr/>
+          <p:nvPr/>
+        </p:nvSpPr>
+        <p:spPr>
+          <a:xfrm>
+            <a:off x="3456000" y="792000"/>
+            <a:ext cx="720000" cy="360"/>
+          </a:xfrm>
+          <a:prstGeom prst="line">
+            <a:avLst/>
+          </a:prstGeom>
+          <a:ln w="108000">
+            <a:solidFill>
+              <a:srgbClr val="3465a4"/>
+            </a:solidFill>
+            <a:round/>
+            <a:tailEnd len="med" type="triangle" w="med"/>
+          </a:ln>
+        </p:spPr>
+        <p:style>
+          <a:lnRef idx="0"/>
+          <a:fillRef idx="0"/>
+          <a:effectRef idx="0"/>
+          <a:fontRef idx="minor"/>
+        </p:style>
+        <p:txBody>
+          <a:bodyPr lIns="144000" rIns="144000" tIns="-99000" bIns="-99000" anchor="ctr">
+            <a:noAutofit/>
+          </a:bodyPr>
+          <a:p>
+            <a:endParaRPr b="0" lang="pt-BR" sz="1800" spc="-1" strike="noStrike">
+              <a:solidFill>
+                <a:srgbClr val="000000"/>
+              </a:solidFill>
+              <a:latin typeface="Arial"/>
+              <a:ea typeface="DejaVu Sans"/>
+            </a:endParaRPr>
+          </a:p>
+        </p:txBody>
+      </p:sp>
+      <p:sp>
+        <p:nvSpPr>
+          <p:cNvPr id="85" name=""/>
+          <p:cNvSpPr/>
+          <p:nvPr/>
+        </p:nvSpPr>
+        <p:spPr>
+          <a:xfrm>
+            <a:off x="4184640" y="432000"/>
+            <a:ext cx="1214280" cy="718920"/>
+          </a:xfrm>
+          <a:prstGeom prst="rect">
+            <a:avLst/>
+          </a:prstGeom>
+          <a:noFill/>
+          <a:ln w="0">
+            <a:noFill/>
+          </a:ln>
+        </p:spPr>
+        <p:style>
+          <a:lnRef idx="0"/>
+          <a:fillRef idx="0"/>
+          <a:effectRef idx="0"/>
+          <a:fontRef idx="minor"/>
+        </p:style>
+        <p:txBody>
+          <a:bodyPr lIns="90000" rIns="90000" tIns="45000" bIns="45000" anchor="ctr">
+            <a:noAutofit/>
+          </a:bodyPr>
+          <a:p>
+            <a:pPr>
+              <a:lnSpc>
+                <a:spcPct val="100000"/>
+              </a:lnSpc>
+            </a:pPr>
+            <a:r>
+              <a:rPr b="0" lang="pt-BR" sz="1500" spc="-1" strike="noStrike">
+                <a:solidFill>
+                  <a:srgbClr val="000000"/>
+                </a:solidFill>
+                <a:latin typeface="Arial"/>
+                <a:ea typeface="DejaVu Sans"/>
+              </a:rPr>
+              <a:t>Qual o seu CPF?</a:t>
+            </a:r>
+            <a:endParaRPr b="0" lang="pt-BR" sz="1500" spc="-1" strike="noStrike">
+              <a:solidFill>
+                <a:srgbClr val="000000"/>
+              </a:solidFill>
+              <a:latin typeface="Arial"/>
+            </a:endParaRPr>
+          </a:p>
+        </p:txBody>
+      </p:sp>
+      <p:sp>
+        <p:nvSpPr>
+          <p:cNvPr id="86" name=""/>
+          <p:cNvSpPr/>
+          <p:nvPr/>
+        </p:nvSpPr>
+        <p:spPr>
+          <a:xfrm>
+            <a:off x="11969280" y="2313000"/>
+            <a:ext cx="360" cy="684360"/>
+          </a:xfrm>
+          <a:prstGeom prst="line">
+            <a:avLst/>
+          </a:prstGeom>
+          <a:ln w="108000">
+            <a:solidFill>
+              <a:srgbClr val="3465a4"/>
+            </a:solidFill>
+            <a:round/>
+            <a:tailEnd len="med" type="triangle" w="med"/>
+          </a:ln>
+        </p:spPr>
+        <p:style>
+          <a:lnRef idx="0"/>
+          <a:fillRef idx="0"/>
+          <a:effectRef idx="0"/>
+          <a:fontRef idx="minor"/>
+        </p:style>
+        <p:txBody>
+          <a:bodyPr lIns="144000" rIns="144000" tIns="99000" bIns="99000" anchor="ctr">
+            <a:noAutofit/>
+          </a:bodyPr>
+          <a:p>
+            <a:endParaRPr b="0" lang="pt-BR" sz="1800" spc="-1" strike="noStrike">
+              <a:solidFill>
+                <a:srgbClr val="000000"/>
+              </a:solidFill>
+              <a:latin typeface="Arial"/>
+              <a:ea typeface="DejaVu Sans"/>
+            </a:endParaRPr>
+          </a:p>
+        </p:txBody>
+      </p:sp>
+      <p:sp>
+        <p:nvSpPr>
+          <p:cNvPr id="87" name=""/>
+          <p:cNvSpPr/>
+          <p:nvPr/>
+        </p:nvSpPr>
+        <p:spPr>
+          <a:xfrm>
+            <a:off x="5256000" y="792000"/>
+            <a:ext cx="720000" cy="360"/>
+          </a:xfrm>
+          <a:prstGeom prst="line">
+            <a:avLst/>
+          </a:prstGeom>
+          <a:ln w="108000">
+            <a:solidFill>
+              <a:srgbClr val="3465a4"/>
+            </a:solidFill>
+            <a:round/>
+            <a:tailEnd len="med" type="triangle" w="med"/>
+          </a:ln>
+        </p:spPr>
+        <p:style>
+          <a:lnRef idx="0"/>
+          <a:fillRef idx="0"/>
+          <a:effectRef idx="0"/>
+          <a:fontRef idx="minor"/>
+        </p:style>
+        <p:txBody>
+          <a:bodyPr lIns="144000" rIns="144000" tIns="-99000" bIns="-99000" anchor="ctr">
+            <a:noAutofit/>
+          </a:bodyPr>
+          <a:p>
+            <a:endParaRPr b="0" lang="pt-BR" sz="1800" spc="-1" strike="noStrike">
+              <a:solidFill>
+                <a:srgbClr val="000000"/>
+              </a:solidFill>
+              <a:latin typeface="Arial"/>
+              <a:ea typeface="DejaVu Sans"/>
+            </a:endParaRPr>
+          </a:p>
+        </p:txBody>
+      </p:sp>
+      <p:sp>
+        <p:nvSpPr>
+          <p:cNvPr id="88" name=""/>
+          <p:cNvSpPr/>
+          <p:nvPr/>
+        </p:nvSpPr>
+        <p:spPr>
+          <a:xfrm>
+            <a:off x="6056640" y="432000"/>
+            <a:ext cx="1214280" cy="718920"/>
+          </a:xfrm>
+          <a:prstGeom prst="rect">
+            <a:avLst/>
+          </a:prstGeom>
+          <a:noFill/>
+          <a:ln w="0">
+            <a:noFill/>
+          </a:ln>
+        </p:spPr>
+        <p:style>
+          <a:lnRef idx="0"/>
+          <a:fillRef idx="0"/>
+          <a:effectRef idx="0"/>
+          <a:fontRef idx="minor"/>
+        </p:style>
+        <p:txBody>
+          <a:bodyPr lIns="90000" rIns="90000" tIns="45000" bIns="45000" anchor="ctr">
+            <a:noAutofit/>
+          </a:bodyPr>
+          <a:p>
+            <a:pPr>
+              <a:lnSpc>
+                <a:spcPct val="100000"/>
+              </a:lnSpc>
+            </a:pPr>
+            <a:r>
+              <a:rPr b="0" lang="pt-BR" sz="1500" spc="-1" strike="noStrike">
+                <a:solidFill>
+                  <a:srgbClr val="000000"/>
+                </a:solidFill>
+                <a:latin typeface="Arial"/>
+                <a:ea typeface="DejaVu Sans"/>
+              </a:rPr>
+              <a:t>Qual o seu endereço</a:t>
+            </a:r>
+            <a:endParaRPr b="0" lang="pt-BR" sz="1500" spc="-1" strike="noStrike">
+              <a:solidFill>
+                <a:srgbClr val="000000"/>
+              </a:solidFill>
+              <a:latin typeface="Arial"/>
+            </a:endParaRPr>
+          </a:p>
+        </p:txBody>
+      </p:sp>
+      <p:sp>
+        <p:nvSpPr>
+          <p:cNvPr id="89" name=""/>
+          <p:cNvSpPr/>
+          <p:nvPr/>
+        </p:nvSpPr>
+        <p:spPr>
+          <a:xfrm>
+            <a:off x="9360000" y="756000"/>
+            <a:ext cx="900000" cy="360"/>
+          </a:xfrm>
+          <a:prstGeom prst="line">
+            <a:avLst/>
+          </a:prstGeom>
+          <a:ln w="108000">
+            <a:solidFill>
+              <a:srgbClr val="3465a4"/>
+            </a:solidFill>
+            <a:round/>
+            <a:tailEnd len="med" type="triangle" w="med"/>
+          </a:ln>
+        </p:spPr>
+        <p:style>
+          <a:lnRef idx="0"/>
+          <a:fillRef idx="0"/>
+          <a:effectRef idx="0"/>
+          <a:fontRef idx="minor"/>
+        </p:style>
+        <p:txBody>
+          <a:bodyPr lIns="144000" rIns="144000" tIns="-99000" bIns="-99000" anchor="ctr">
+            <a:noAutofit/>
+          </a:bodyPr>
+          <a:p>
+            <a:endParaRPr b="0" lang="pt-BR" sz="1800" spc="-1" strike="noStrike">
+              <a:solidFill>
+                <a:srgbClr val="000000"/>
+              </a:solidFill>
+              <a:latin typeface="Arial"/>
+              <a:ea typeface="DejaVu Sans"/>
+            </a:endParaRPr>
+          </a:p>
+        </p:txBody>
+      </p:sp>
+      <p:sp>
+        <p:nvSpPr>
+          <p:cNvPr id="90" name=""/>
+          <p:cNvSpPr/>
+          <p:nvPr/>
+        </p:nvSpPr>
+        <p:spPr>
+          <a:xfrm>
+            <a:off x="7200000" y="792000"/>
+            <a:ext cx="720000" cy="360"/>
+          </a:xfrm>
+          <a:prstGeom prst="line">
+            <a:avLst/>
+          </a:prstGeom>
+          <a:ln w="108000">
+            <a:solidFill>
+              <a:srgbClr val="3465a4"/>
+            </a:solidFill>
+            <a:round/>
+            <a:tailEnd len="med" type="triangle" w="med"/>
+          </a:ln>
+        </p:spPr>
+        <p:style>
+          <a:lnRef idx="0"/>
+          <a:fillRef idx="0"/>
+          <a:effectRef idx="0"/>
+          <a:fontRef idx="minor"/>
+        </p:style>
+        <p:txBody>
+          <a:bodyPr lIns="144000" rIns="144000" tIns="-99000" bIns="-99000" anchor="ctr">
+            <a:noAutofit/>
+          </a:bodyPr>
+          <a:p>
+            <a:endParaRPr b="0" lang="pt-BR" sz="1800" spc="-1" strike="noStrike">
+              <a:solidFill>
+                <a:srgbClr val="000000"/>
+              </a:solidFill>
+              <a:latin typeface="Arial"/>
+              <a:ea typeface="DejaVu Sans"/>
+            </a:endParaRPr>
+          </a:p>
+        </p:txBody>
+      </p:sp>
+      <p:sp>
+        <p:nvSpPr>
+          <p:cNvPr id="91" name=""/>
+          <p:cNvSpPr/>
+          <p:nvPr/>
+        </p:nvSpPr>
+        <p:spPr>
+          <a:xfrm>
+            <a:off x="7992000" y="432000"/>
+            <a:ext cx="1214280" cy="718920"/>
+          </a:xfrm>
+          <a:prstGeom prst="rect">
+            <a:avLst/>
+          </a:prstGeom>
+          <a:noFill/>
+          <a:ln w="0">
+            <a:noFill/>
+          </a:ln>
+        </p:spPr>
+        <p:style>
+          <a:lnRef idx="0"/>
+          <a:fillRef idx="0"/>
+          <a:effectRef idx="0"/>
+          <a:fontRef idx="minor"/>
+        </p:style>
+        <p:txBody>
+          <a:bodyPr lIns="90000" rIns="90000" tIns="45000" bIns="45000" anchor="ctr">
+            <a:noAutofit/>
+          </a:bodyPr>
+          <a:p>
+            <a:pPr>
+              <a:lnSpc>
+                <a:spcPct val="100000"/>
+              </a:lnSpc>
+            </a:pPr>
+            <a:r>
+              <a:rPr b="0" lang="pt-BR" sz="1500" spc="-1" strike="noStrike">
+                <a:solidFill>
+                  <a:srgbClr val="000000"/>
+                </a:solidFill>
+                <a:latin typeface="Arial"/>
+                <a:ea typeface="DejaVu Sans"/>
+              </a:rPr>
+              <a:t>Você tem um carro? </a:t>
             </a:r>
             <a:endParaRPr b="0" lang="pt-BR" sz="1500" spc="-1" strike="noStrike">
               <a:solidFill>
